--- a/图例集合.pptx
+++ b/图例集合.pptx
@@ -6,6 +6,14 @@
   </p:sldMasterIdLst>
   <p:sldIdLst>
     <p:sldId id="256" r:id="rId2"/>
+    <p:sldId id="257" r:id="rId3"/>
+    <p:sldId id="258" r:id="rId4"/>
+    <p:sldId id="259" r:id="rId5"/>
+    <p:sldId id="260" r:id="rId6"/>
+    <p:sldId id="261" r:id="rId7"/>
+    <p:sldId id="262" r:id="rId8"/>
+    <p:sldId id="263" r:id="rId9"/>
+    <p:sldId id="264" r:id="rId10"/>
   </p:sldIdLst>
   <p:sldSz cx="12192000" cy="6858000"/>
   <p:notesSz cx="6858000" cy="9144000"/>
@@ -104,6 +112,11 @@
       </a:defRPr>
     </a:lvl9pPr>
   </p:defaultTextStyle>
+  <p:extLst>
+    <p:ext uri="{EFAFB233-063F-42B5-8137-9DF3F51BA10A}">
+      <p15:sldGuideLst xmlns:p15="http://schemas.microsoft.com/office/powerpoint/2012/main"/>
+    </p:ext>
+  </p:extLst>
 </p:presentation>
 </file>
 
@@ -238,7 +251,7 @@
           <a:p>
             <a:fld id="{12A673E7-33D6-324E-AF47-B3837F61D048}" type="datetimeFigureOut">
               <a:rPr kumimoji="1" lang="zh-CN" altLang="en-US" smtClean="0"/>
-              <a:t>2019/6/23</a:t>
+              <a:t>2019/7/11</a:t>
             </a:fld>
             <a:endParaRPr kumimoji="1" lang="zh-CN" altLang="en-US"/>
           </a:p>
@@ -408,7 +421,7 @@
           <a:p>
             <a:fld id="{12A673E7-33D6-324E-AF47-B3837F61D048}" type="datetimeFigureOut">
               <a:rPr kumimoji="1" lang="zh-CN" altLang="en-US" smtClean="0"/>
-              <a:t>2019/6/23</a:t>
+              <a:t>2019/7/11</a:t>
             </a:fld>
             <a:endParaRPr kumimoji="1" lang="zh-CN" altLang="en-US"/>
           </a:p>
@@ -588,7 +601,7 @@
           <a:p>
             <a:fld id="{12A673E7-33D6-324E-AF47-B3837F61D048}" type="datetimeFigureOut">
               <a:rPr kumimoji="1" lang="zh-CN" altLang="en-US" smtClean="0"/>
-              <a:t>2019/6/23</a:t>
+              <a:t>2019/7/11</a:t>
             </a:fld>
             <a:endParaRPr kumimoji="1" lang="zh-CN" altLang="en-US"/>
           </a:p>
@@ -758,7 +771,7 @@
           <a:p>
             <a:fld id="{12A673E7-33D6-324E-AF47-B3837F61D048}" type="datetimeFigureOut">
               <a:rPr kumimoji="1" lang="zh-CN" altLang="en-US" smtClean="0"/>
-              <a:t>2019/6/23</a:t>
+              <a:t>2019/7/11</a:t>
             </a:fld>
             <a:endParaRPr kumimoji="1" lang="zh-CN" altLang="en-US"/>
           </a:p>
@@ -1004,7 +1017,7 @@
           <a:p>
             <a:fld id="{12A673E7-33D6-324E-AF47-B3837F61D048}" type="datetimeFigureOut">
               <a:rPr kumimoji="1" lang="zh-CN" altLang="en-US" smtClean="0"/>
-              <a:t>2019/6/23</a:t>
+              <a:t>2019/7/11</a:t>
             </a:fld>
             <a:endParaRPr kumimoji="1" lang="zh-CN" altLang="en-US"/>
           </a:p>
@@ -1236,7 +1249,7 @@
           <a:p>
             <a:fld id="{12A673E7-33D6-324E-AF47-B3837F61D048}" type="datetimeFigureOut">
               <a:rPr kumimoji="1" lang="zh-CN" altLang="en-US" smtClean="0"/>
-              <a:t>2019/6/23</a:t>
+              <a:t>2019/7/11</a:t>
             </a:fld>
             <a:endParaRPr kumimoji="1" lang="zh-CN" altLang="en-US"/>
           </a:p>
@@ -1603,7 +1616,7 @@
           <a:p>
             <a:fld id="{12A673E7-33D6-324E-AF47-B3837F61D048}" type="datetimeFigureOut">
               <a:rPr kumimoji="1" lang="zh-CN" altLang="en-US" smtClean="0"/>
-              <a:t>2019/6/23</a:t>
+              <a:t>2019/7/11</a:t>
             </a:fld>
             <a:endParaRPr kumimoji="1" lang="zh-CN" altLang="en-US"/>
           </a:p>
@@ -1721,7 +1734,7 @@
           <a:p>
             <a:fld id="{12A673E7-33D6-324E-AF47-B3837F61D048}" type="datetimeFigureOut">
               <a:rPr kumimoji="1" lang="zh-CN" altLang="en-US" smtClean="0"/>
-              <a:t>2019/6/23</a:t>
+              <a:t>2019/7/11</a:t>
             </a:fld>
             <a:endParaRPr kumimoji="1" lang="zh-CN" altLang="en-US"/>
           </a:p>
@@ -1816,7 +1829,7 @@
           <a:p>
             <a:fld id="{12A673E7-33D6-324E-AF47-B3837F61D048}" type="datetimeFigureOut">
               <a:rPr kumimoji="1" lang="zh-CN" altLang="en-US" smtClean="0"/>
-              <a:t>2019/6/23</a:t>
+              <a:t>2019/7/11</a:t>
             </a:fld>
             <a:endParaRPr kumimoji="1" lang="zh-CN" altLang="en-US"/>
           </a:p>
@@ -2093,7 +2106,7 @@
           <a:p>
             <a:fld id="{12A673E7-33D6-324E-AF47-B3837F61D048}" type="datetimeFigureOut">
               <a:rPr kumimoji="1" lang="zh-CN" altLang="en-US" smtClean="0"/>
-              <a:t>2019/6/23</a:t>
+              <a:t>2019/7/11</a:t>
             </a:fld>
             <a:endParaRPr kumimoji="1" lang="zh-CN" altLang="en-US"/>
           </a:p>
@@ -2346,7 +2359,7 @@
           <a:p>
             <a:fld id="{12A673E7-33D6-324E-AF47-B3837F61D048}" type="datetimeFigureOut">
               <a:rPr kumimoji="1" lang="zh-CN" altLang="en-US" smtClean="0"/>
-              <a:t>2019/6/23</a:t>
+              <a:t>2019/7/11</a:t>
             </a:fld>
             <a:endParaRPr kumimoji="1" lang="zh-CN" altLang="en-US"/>
           </a:p>
@@ -2559,7 +2572,7 @@
           <a:p>
             <a:fld id="{12A673E7-33D6-324E-AF47-B3837F61D048}" type="datetimeFigureOut">
               <a:rPr kumimoji="1" lang="zh-CN" altLang="en-US" smtClean="0"/>
-              <a:t>2019/6/23</a:t>
+              <a:t>2019/7/11</a:t>
             </a:fld>
             <a:endParaRPr kumimoji="1" lang="zh-CN" altLang="en-US"/>
           </a:p>
@@ -3490,6 +3503,9541 @@
   <p:clrMapOvr>
     <a:masterClrMapping/>
   </p:clrMapOvr>
+  <p:timing>
+    <p:tnLst>
+      <p:par>
+        <p:cTn id="1" dur="indefinite" restart="never" nodeType="tmRoot"/>
+      </p:par>
+    </p:tnLst>
+  </p:timing>
+</p:sld>
+</file>
+
+<file path=ppt/slides/slide2.xml><?xml version="1.0" encoding="utf-8"?>
+<p:sld xmlns:a="http://schemas.openxmlformats.org/drawingml/2006/main" xmlns:r="http://schemas.openxmlformats.org/officeDocument/2006/relationships" xmlns:p="http://schemas.openxmlformats.org/presentationml/2006/main">
+  <p:cSld>
+    <p:spTree>
+      <p:nvGrpSpPr>
+        <p:cNvPr id="1" name=""/>
+        <p:cNvGrpSpPr/>
+        <p:nvPr/>
+      </p:nvGrpSpPr>
+      <p:grpSpPr>
+        <a:xfrm>
+          <a:off x="0" y="0"/>
+          <a:ext cx="0" cy="0"/>
+          <a:chOff x="0" y="0"/>
+          <a:chExt cx="0" cy="0"/>
+        </a:xfrm>
+      </p:grpSpPr>
+      <p:grpSp>
+        <p:nvGrpSpPr>
+          <p:cNvPr id="44" name="组 43"/>
+          <p:cNvGrpSpPr/>
+          <p:nvPr/>
+        </p:nvGrpSpPr>
+        <p:grpSpPr>
+          <a:xfrm>
+            <a:off x="193318" y="431148"/>
+            <a:ext cx="11766618" cy="874127"/>
+            <a:chOff x="549936" y="431148"/>
+            <a:chExt cx="8842663" cy="602673"/>
+          </a:xfrm>
+        </p:grpSpPr>
+        <p:sp>
+          <p:nvSpPr>
+            <p:cNvPr id="4" name="三角形 3"/>
+            <p:cNvSpPr/>
+            <p:nvPr/>
+          </p:nvSpPr>
+          <p:spPr>
+            <a:xfrm>
+              <a:off x="549936" y="431148"/>
+              <a:ext cx="8842663" cy="602673"/>
+            </a:xfrm>
+            <a:prstGeom prst="triangle">
+              <a:avLst/>
+            </a:prstGeom>
+            <a:noFill/>
+            <a:ln>
+              <a:solidFill>
+                <a:schemeClr val="tx1"/>
+              </a:solidFill>
+            </a:ln>
+          </p:spPr>
+          <p:style>
+            <a:lnRef idx="2">
+              <a:schemeClr val="accent1">
+                <a:shade val="50000"/>
+              </a:schemeClr>
+            </a:lnRef>
+            <a:fillRef idx="1">
+              <a:schemeClr val="accent1"/>
+            </a:fillRef>
+            <a:effectRef idx="0">
+              <a:schemeClr val="accent1"/>
+            </a:effectRef>
+            <a:fontRef idx="minor">
+              <a:schemeClr val="lt1"/>
+            </a:fontRef>
+          </p:style>
+          <p:txBody>
+            <a:bodyPr rtlCol="0" anchor="ctr"/>
+            <a:lstStyle/>
+            <a:p>
+              <a:pPr algn="ctr"/>
+              <a:endParaRPr kumimoji="1" lang="zh-CN" altLang="en-US">
+                <a:latin typeface="Microsoft YaHei" charset="-122"/>
+                <a:ea typeface="Microsoft YaHei" charset="-122"/>
+                <a:cs typeface="Microsoft YaHei" charset="-122"/>
+              </a:endParaRPr>
+            </a:p>
+          </p:txBody>
+        </p:sp>
+        <p:sp>
+          <p:nvSpPr>
+            <p:cNvPr id="5" name="文本框 4"/>
+            <p:cNvSpPr txBox="1"/>
+            <p:nvPr/>
+          </p:nvSpPr>
+          <p:spPr>
+            <a:xfrm>
+              <a:off x="4418635" y="622476"/>
+              <a:ext cx="1105265" cy="250678"/>
+            </a:xfrm>
+            <a:prstGeom prst="rect">
+              <a:avLst/>
+            </a:prstGeom>
+            <a:noFill/>
+          </p:spPr>
+          <p:txBody>
+            <a:bodyPr wrap="none" rtlCol="0" anchor="ctr">
+              <a:spAutoFit/>
+            </a:bodyPr>
+            <a:lstStyle/>
+            <a:p>
+              <a:pPr algn="ctr"/>
+              <a:r>
+                <a:rPr kumimoji="1" lang="zh-CN" altLang="en-US" sz="1600" smtClean="0">
+                  <a:latin typeface="Microsoft YaHei" charset="-122"/>
+                  <a:ea typeface="Microsoft YaHei" charset="-122"/>
+                  <a:cs typeface="Microsoft YaHei" charset="-122"/>
+                </a:rPr>
+                <a:t>公司竞争战略</a:t>
+              </a:r>
+              <a:endParaRPr kumimoji="1" lang="zh-CN" altLang="en-US" sz="1600">
+                <a:latin typeface="Microsoft YaHei" charset="-122"/>
+                <a:ea typeface="Microsoft YaHei" charset="-122"/>
+                <a:cs typeface="Microsoft YaHei" charset="-122"/>
+              </a:endParaRPr>
+            </a:p>
+          </p:txBody>
+        </p:sp>
+      </p:grpSp>
+      <p:sp>
+        <p:nvSpPr>
+          <p:cNvPr id="6" name="矩形 5"/>
+          <p:cNvSpPr/>
+          <p:nvPr/>
+        </p:nvSpPr>
+        <p:spPr>
+          <a:xfrm>
+            <a:off x="1124039" y="2315729"/>
+            <a:ext cx="663195" cy="1839192"/>
+          </a:xfrm>
+          <a:prstGeom prst="rect">
+            <a:avLst/>
+          </a:prstGeom>
+          <a:noFill/>
+          <a:ln>
+            <a:solidFill>
+              <a:schemeClr val="tx1"/>
+            </a:solidFill>
+          </a:ln>
+        </p:spPr>
+        <p:style>
+          <a:lnRef idx="2">
+            <a:schemeClr val="accent1">
+              <a:shade val="50000"/>
+            </a:schemeClr>
+          </a:lnRef>
+          <a:fillRef idx="1">
+            <a:schemeClr val="accent1"/>
+          </a:fillRef>
+          <a:effectRef idx="0">
+            <a:schemeClr val="accent1"/>
+          </a:effectRef>
+          <a:fontRef idx="minor">
+            <a:schemeClr val="lt1"/>
+          </a:fontRef>
+        </p:style>
+        <p:txBody>
+          <a:bodyPr rtlCol="0" anchor="ctr"/>
+          <a:lstStyle/>
+          <a:p>
+            <a:pPr algn="ctr"/>
+            <a:endParaRPr kumimoji="1" lang="zh-CN" altLang="en-US" sz="1600">
+              <a:latin typeface="Microsoft YaHei" charset="-122"/>
+              <a:ea typeface="Microsoft YaHei" charset="-122"/>
+              <a:cs typeface="Microsoft YaHei" charset="-122"/>
+            </a:endParaRPr>
+          </a:p>
+        </p:txBody>
+      </p:sp>
+      <p:sp>
+        <p:nvSpPr>
+          <p:cNvPr id="7" name="文本框 6"/>
+          <p:cNvSpPr txBox="1"/>
+          <p:nvPr/>
+        </p:nvSpPr>
+        <p:spPr>
+          <a:xfrm>
+            <a:off x="1284021" y="2773824"/>
+            <a:ext cx="362347" cy="954107"/>
+          </a:xfrm>
+          <a:prstGeom prst="rect">
+            <a:avLst/>
+          </a:prstGeom>
+          <a:noFill/>
+        </p:spPr>
+        <p:txBody>
+          <a:bodyPr wrap="square" rtlCol="0">
+            <a:spAutoFit/>
+          </a:bodyPr>
+          <a:lstStyle/>
+          <a:p>
+            <a:pPr algn="ctr"/>
+            <a:r>
+              <a:rPr kumimoji="1" lang="zh-CN" altLang="en-US" sz="1400" dirty="0" smtClean="0">
+                <a:latin typeface="Microsoft YaHei" charset="-122"/>
+                <a:ea typeface="Microsoft YaHei" charset="-122"/>
+                <a:cs typeface="Microsoft YaHei" charset="-122"/>
+              </a:rPr>
+              <a:t>市</a:t>
+            </a:r>
+            <a:endParaRPr kumimoji="1" lang="en-US" altLang="zh-CN" sz="1400" dirty="0" smtClean="0">
+              <a:latin typeface="Microsoft YaHei" charset="-122"/>
+              <a:ea typeface="Microsoft YaHei" charset="-122"/>
+              <a:cs typeface="Microsoft YaHei" charset="-122"/>
+            </a:endParaRPr>
+          </a:p>
+          <a:p>
+            <a:pPr algn="ctr"/>
+            <a:r>
+              <a:rPr kumimoji="1" lang="zh-CN" altLang="en-US" sz="1400" dirty="0" smtClean="0">
+                <a:latin typeface="Microsoft YaHei" charset="-122"/>
+                <a:ea typeface="Microsoft YaHei" charset="-122"/>
+                <a:cs typeface="Microsoft YaHei" charset="-122"/>
+              </a:rPr>
+              <a:t>场</a:t>
+            </a:r>
+            <a:endParaRPr kumimoji="1" lang="en-US" altLang="zh-CN" sz="1400" dirty="0" smtClean="0">
+              <a:latin typeface="Microsoft YaHei" charset="-122"/>
+              <a:ea typeface="Microsoft YaHei" charset="-122"/>
+              <a:cs typeface="Microsoft YaHei" charset="-122"/>
+            </a:endParaRPr>
+          </a:p>
+          <a:p>
+            <a:pPr algn="ctr"/>
+            <a:r>
+              <a:rPr kumimoji="1" lang="zh-CN" altLang="en-US" sz="1400" dirty="0" smtClean="0">
+                <a:latin typeface="Microsoft YaHei" charset="-122"/>
+                <a:ea typeface="Microsoft YaHei" charset="-122"/>
+                <a:cs typeface="Microsoft YaHei" charset="-122"/>
+              </a:rPr>
+              <a:t>细</a:t>
+            </a:r>
+            <a:endParaRPr kumimoji="1" lang="en-US" altLang="zh-CN" sz="1400" dirty="0" smtClean="0">
+              <a:latin typeface="Microsoft YaHei" charset="-122"/>
+              <a:ea typeface="Microsoft YaHei" charset="-122"/>
+              <a:cs typeface="Microsoft YaHei" charset="-122"/>
+            </a:endParaRPr>
+          </a:p>
+          <a:p>
+            <a:pPr algn="ctr"/>
+            <a:r>
+              <a:rPr kumimoji="1" lang="zh-CN" altLang="en-US" sz="1400" dirty="0" smtClean="0">
+                <a:latin typeface="Microsoft YaHei" charset="-122"/>
+                <a:ea typeface="Microsoft YaHei" charset="-122"/>
+                <a:cs typeface="Microsoft YaHei" charset="-122"/>
+              </a:rPr>
+              <a:t>分</a:t>
+            </a:r>
+            <a:endParaRPr kumimoji="1" lang="zh-CN" altLang="en-US" sz="1400" dirty="0">
+              <a:latin typeface="Microsoft YaHei" charset="-122"/>
+              <a:ea typeface="Microsoft YaHei" charset="-122"/>
+              <a:cs typeface="Microsoft YaHei" charset="-122"/>
+            </a:endParaRPr>
+          </a:p>
+        </p:txBody>
+      </p:sp>
+      <p:sp>
+        <p:nvSpPr>
+          <p:cNvPr id="8" name="矩形 7"/>
+          <p:cNvSpPr/>
+          <p:nvPr/>
+        </p:nvSpPr>
+        <p:spPr>
+          <a:xfrm>
+            <a:off x="2434437" y="2318881"/>
+            <a:ext cx="924791" cy="852055"/>
+          </a:xfrm>
+          <a:prstGeom prst="rect">
+            <a:avLst/>
+          </a:prstGeom>
+          <a:noFill/>
+          <a:ln>
+            <a:solidFill>
+              <a:schemeClr val="tx1"/>
+            </a:solidFill>
+          </a:ln>
+        </p:spPr>
+        <p:style>
+          <a:lnRef idx="2">
+            <a:schemeClr val="accent1">
+              <a:shade val="50000"/>
+            </a:schemeClr>
+          </a:lnRef>
+          <a:fillRef idx="1">
+            <a:schemeClr val="accent1"/>
+          </a:fillRef>
+          <a:effectRef idx="0">
+            <a:schemeClr val="accent1"/>
+          </a:effectRef>
+          <a:fontRef idx="minor">
+            <a:schemeClr val="lt1"/>
+          </a:fontRef>
+        </p:style>
+        <p:txBody>
+          <a:bodyPr rtlCol="0" anchor="ctr"/>
+          <a:lstStyle/>
+          <a:p>
+            <a:pPr algn="ctr"/>
+            <a:endParaRPr kumimoji="1" lang="zh-CN" altLang="en-US" sz="1600">
+              <a:latin typeface="Microsoft YaHei" charset="-122"/>
+              <a:ea typeface="Microsoft YaHei" charset="-122"/>
+              <a:cs typeface="Microsoft YaHei" charset="-122"/>
+            </a:endParaRPr>
+          </a:p>
+        </p:txBody>
+      </p:sp>
+      <p:sp>
+        <p:nvSpPr>
+          <p:cNvPr id="9" name="文本框 8"/>
+          <p:cNvSpPr txBox="1"/>
+          <p:nvPr/>
+        </p:nvSpPr>
+        <p:spPr>
+          <a:xfrm>
+            <a:off x="2485735" y="2606804"/>
+            <a:ext cx="902811" cy="307777"/>
+          </a:xfrm>
+          <a:prstGeom prst="rect">
+            <a:avLst/>
+          </a:prstGeom>
+          <a:noFill/>
+        </p:spPr>
+        <p:txBody>
+          <a:bodyPr wrap="none" rtlCol="0">
+            <a:spAutoFit/>
+          </a:bodyPr>
+          <a:lstStyle/>
+          <a:p>
+            <a:pPr algn="ctr"/>
+            <a:r>
+              <a:rPr kumimoji="1" lang="zh-CN" altLang="en-US" sz="1400" dirty="0" smtClean="0">
+                <a:latin typeface="Microsoft YaHei" charset="-122"/>
+                <a:ea typeface="Microsoft YaHei" charset="-122"/>
+                <a:cs typeface="Microsoft YaHei" charset="-122"/>
+              </a:rPr>
+              <a:t>外部竞争</a:t>
+            </a:r>
+            <a:endParaRPr kumimoji="1" lang="zh-CN" altLang="en-US" sz="1400" dirty="0">
+              <a:latin typeface="Microsoft YaHei" charset="-122"/>
+              <a:ea typeface="Microsoft YaHei" charset="-122"/>
+              <a:cs typeface="Microsoft YaHei" charset="-122"/>
+            </a:endParaRPr>
+          </a:p>
+        </p:txBody>
+      </p:sp>
+      <p:sp>
+        <p:nvSpPr>
+          <p:cNvPr id="10" name="矩形 9"/>
+          <p:cNvSpPr/>
+          <p:nvPr/>
+        </p:nvSpPr>
+        <p:spPr>
+          <a:xfrm>
+            <a:off x="2434437" y="3296720"/>
+            <a:ext cx="924791" cy="852055"/>
+          </a:xfrm>
+          <a:prstGeom prst="rect">
+            <a:avLst/>
+          </a:prstGeom>
+          <a:noFill/>
+          <a:ln>
+            <a:solidFill>
+              <a:schemeClr val="tx1"/>
+            </a:solidFill>
+          </a:ln>
+        </p:spPr>
+        <p:style>
+          <a:lnRef idx="2">
+            <a:schemeClr val="accent1">
+              <a:shade val="50000"/>
+            </a:schemeClr>
+          </a:lnRef>
+          <a:fillRef idx="1">
+            <a:schemeClr val="accent1"/>
+          </a:fillRef>
+          <a:effectRef idx="0">
+            <a:schemeClr val="accent1"/>
+          </a:effectRef>
+          <a:fontRef idx="minor">
+            <a:schemeClr val="lt1"/>
+          </a:fontRef>
+        </p:style>
+        <p:txBody>
+          <a:bodyPr rtlCol="0" anchor="ctr"/>
+          <a:lstStyle/>
+          <a:p>
+            <a:pPr algn="ctr"/>
+            <a:endParaRPr kumimoji="1" lang="zh-CN" altLang="en-US" sz="1600">
+              <a:latin typeface="Microsoft YaHei" charset="-122"/>
+              <a:ea typeface="Microsoft YaHei" charset="-122"/>
+              <a:cs typeface="Microsoft YaHei" charset="-122"/>
+            </a:endParaRPr>
+          </a:p>
+        </p:txBody>
+      </p:sp>
+      <p:sp>
+        <p:nvSpPr>
+          <p:cNvPr id="11" name="文本框 10"/>
+          <p:cNvSpPr txBox="1"/>
+          <p:nvPr/>
+        </p:nvSpPr>
+        <p:spPr>
+          <a:xfrm>
+            <a:off x="2485733" y="3439657"/>
+            <a:ext cx="902811" cy="523220"/>
+          </a:xfrm>
+          <a:prstGeom prst="rect">
+            <a:avLst/>
+          </a:prstGeom>
+          <a:noFill/>
+        </p:spPr>
+        <p:txBody>
+          <a:bodyPr wrap="none" rtlCol="0">
+            <a:spAutoFit/>
+          </a:bodyPr>
+          <a:lstStyle/>
+          <a:p>
+            <a:pPr algn="ctr"/>
+            <a:r>
+              <a:rPr kumimoji="1" lang="zh-CN" altLang="en-US" sz="1400" dirty="0" smtClean="0">
+                <a:latin typeface="Microsoft YaHei" charset="-122"/>
+                <a:ea typeface="Microsoft YaHei" charset="-122"/>
+                <a:cs typeface="Microsoft YaHei" charset="-122"/>
+              </a:rPr>
+              <a:t>战略与</a:t>
+            </a:r>
+            <a:endParaRPr kumimoji="1" lang="en-US" altLang="zh-CN" sz="1400" dirty="0" smtClean="0">
+              <a:latin typeface="Microsoft YaHei" charset="-122"/>
+              <a:ea typeface="Microsoft YaHei" charset="-122"/>
+              <a:cs typeface="Microsoft YaHei" charset="-122"/>
+            </a:endParaRPr>
+          </a:p>
+          <a:p>
+            <a:pPr algn="ctr"/>
+            <a:r>
+              <a:rPr kumimoji="1" lang="zh-CN" altLang="en-US" sz="1400" dirty="0" smtClean="0">
+                <a:latin typeface="Microsoft YaHei" charset="-122"/>
+                <a:ea typeface="Microsoft YaHei" charset="-122"/>
+                <a:cs typeface="Microsoft YaHei" charset="-122"/>
+              </a:rPr>
+              <a:t>业务能力</a:t>
+            </a:r>
+            <a:endParaRPr kumimoji="1" lang="zh-CN" altLang="en-US" sz="1400" dirty="0">
+              <a:latin typeface="Microsoft YaHei" charset="-122"/>
+              <a:ea typeface="Microsoft YaHei" charset="-122"/>
+              <a:cs typeface="Microsoft YaHei" charset="-122"/>
+            </a:endParaRPr>
+          </a:p>
+        </p:txBody>
+      </p:sp>
+      <p:sp>
+        <p:nvSpPr>
+          <p:cNvPr id="24" name="文本框 23"/>
+          <p:cNvSpPr txBox="1"/>
+          <p:nvPr/>
+        </p:nvSpPr>
+        <p:spPr>
+          <a:xfrm>
+            <a:off x="203395" y="2530847"/>
+            <a:ext cx="553998" cy="1417698"/>
+          </a:xfrm>
+          <a:prstGeom prst="rect">
+            <a:avLst/>
+          </a:prstGeom>
+          <a:noFill/>
+        </p:spPr>
+        <p:txBody>
+          <a:bodyPr vert="eaVert" wrap="square" rtlCol="0" anchor="ctr">
+            <a:spAutoFit/>
+          </a:bodyPr>
+          <a:lstStyle/>
+          <a:p>
+            <a:pPr algn="ctr"/>
+            <a:r>
+              <a:rPr kumimoji="1" lang="zh-CN" altLang="en-US" sz="1200" dirty="0" smtClean="0">
+                <a:latin typeface="Microsoft YaHei" charset="-122"/>
+                <a:ea typeface="Microsoft YaHei" charset="-122"/>
+                <a:cs typeface="Microsoft YaHei" charset="-122"/>
+              </a:rPr>
+              <a:t>基于市场信息驱动</a:t>
+            </a:r>
+            <a:r>
+              <a:rPr kumimoji="1" lang="zh-CN" altLang="en-US" sz="1200" smtClean="0">
+                <a:latin typeface="Microsoft YaHei" charset="-122"/>
+                <a:ea typeface="Microsoft YaHei" charset="-122"/>
+                <a:cs typeface="Microsoft YaHei" charset="-122"/>
+              </a:rPr>
+              <a:t>的产品规划</a:t>
+            </a:r>
+            <a:endParaRPr kumimoji="1" lang="zh-CN" altLang="en-US" sz="1200" dirty="0">
+              <a:latin typeface="Microsoft YaHei" charset="-122"/>
+              <a:ea typeface="Microsoft YaHei" charset="-122"/>
+              <a:cs typeface="Microsoft YaHei" charset="-122"/>
+            </a:endParaRPr>
+          </a:p>
+        </p:txBody>
+      </p:sp>
+      <p:sp>
+        <p:nvSpPr>
+          <p:cNvPr id="25" name="文本框 24"/>
+          <p:cNvSpPr txBox="1"/>
+          <p:nvPr/>
+        </p:nvSpPr>
+        <p:spPr>
+          <a:xfrm>
+            <a:off x="279932" y="4430660"/>
+            <a:ext cx="369332" cy="1794251"/>
+          </a:xfrm>
+          <a:prstGeom prst="rect">
+            <a:avLst/>
+          </a:prstGeom>
+          <a:noFill/>
+        </p:spPr>
+        <p:txBody>
+          <a:bodyPr vert="eaVert" wrap="square" rtlCol="0" anchor="ctr">
+            <a:spAutoFit/>
+          </a:bodyPr>
+          <a:lstStyle>
+            <a:defPPr>
+              <a:defRPr lang="zh-CN"/>
+            </a:defPPr>
+            <a:lvl1pPr algn="ctr">
+              <a:defRPr kumimoji="1" sz="1200"/>
+            </a:lvl1pPr>
+          </a:lstStyle>
+          <a:p>
+            <a:r>
+              <a:rPr lang="zh-CN" altLang="en-US" smtClean="0">
+                <a:latin typeface="Microsoft YaHei" charset="-122"/>
+                <a:ea typeface="Microsoft YaHei" charset="-122"/>
+                <a:cs typeface="Microsoft YaHei" charset="-122"/>
+              </a:rPr>
+              <a:t>内部现状树立分析</a:t>
+            </a:r>
+            <a:endParaRPr lang="zh-CN" altLang="en-US" dirty="0">
+              <a:latin typeface="Microsoft YaHei" charset="-122"/>
+              <a:ea typeface="Microsoft YaHei" charset="-122"/>
+              <a:cs typeface="Microsoft YaHei" charset="-122"/>
+            </a:endParaRPr>
+          </a:p>
+        </p:txBody>
+      </p:sp>
+      <p:sp>
+        <p:nvSpPr>
+          <p:cNvPr id="27" name="文本框 26"/>
+          <p:cNvSpPr txBox="1"/>
+          <p:nvPr/>
+        </p:nvSpPr>
+        <p:spPr>
+          <a:xfrm>
+            <a:off x="2664396" y="1843069"/>
+            <a:ext cx="544250" cy="246221"/>
+          </a:xfrm>
+          <a:prstGeom prst="rect">
+            <a:avLst/>
+          </a:prstGeom>
+          <a:noFill/>
+        </p:spPr>
+        <p:txBody>
+          <a:bodyPr wrap="square" rtlCol="0">
+            <a:spAutoFit/>
+          </a:bodyPr>
+          <a:lstStyle/>
+          <a:p>
+            <a:pPr algn="ctr"/>
+            <a:r>
+              <a:rPr kumimoji="1" lang="en-US" altLang="zh-CN" sz="1000" smtClean="0">
+                <a:latin typeface="Microsoft YaHei" charset="-122"/>
+                <a:ea typeface="Microsoft YaHei" charset="-122"/>
+                <a:cs typeface="Microsoft YaHei" charset="-122"/>
+              </a:rPr>
+              <a:t>STP</a:t>
+            </a:r>
+            <a:endParaRPr kumimoji="1" lang="zh-CN" altLang="en-US" sz="1000" dirty="0">
+              <a:latin typeface="Microsoft YaHei" charset="-122"/>
+              <a:ea typeface="Microsoft YaHei" charset="-122"/>
+              <a:cs typeface="Microsoft YaHei" charset="-122"/>
+            </a:endParaRPr>
+          </a:p>
+        </p:txBody>
+      </p:sp>
+      <p:sp>
+        <p:nvSpPr>
+          <p:cNvPr id="29" name="文本框 28"/>
+          <p:cNvSpPr txBox="1"/>
+          <p:nvPr/>
+        </p:nvSpPr>
+        <p:spPr>
+          <a:xfrm>
+            <a:off x="1557627" y="1846891"/>
+            <a:ext cx="1072763" cy="246221"/>
+          </a:xfrm>
+          <a:prstGeom prst="rect">
+            <a:avLst/>
+          </a:prstGeom>
+          <a:noFill/>
+        </p:spPr>
+        <p:txBody>
+          <a:bodyPr wrap="square" rtlCol="0">
+            <a:spAutoFit/>
+          </a:bodyPr>
+          <a:lstStyle/>
+          <a:p>
+            <a:pPr algn="ctr"/>
+            <a:r>
+              <a:rPr kumimoji="1" lang="zh-CN" altLang="en-US" sz="1000" smtClean="0">
+                <a:latin typeface="Microsoft YaHei" charset="-122"/>
+                <a:ea typeface="Microsoft YaHei" charset="-122"/>
+                <a:cs typeface="Microsoft YaHei" charset="-122"/>
+              </a:rPr>
+              <a:t>市场调查</a:t>
+            </a:r>
+            <a:endParaRPr kumimoji="1" lang="en-US" altLang="zh-CN" sz="1000" dirty="0" smtClean="0">
+              <a:latin typeface="Microsoft YaHei" charset="-122"/>
+              <a:ea typeface="Microsoft YaHei" charset="-122"/>
+              <a:cs typeface="Microsoft YaHei" charset="-122"/>
+            </a:endParaRPr>
+          </a:p>
+        </p:txBody>
+      </p:sp>
+      <p:sp>
+        <p:nvSpPr>
+          <p:cNvPr id="45" name="矩形 44"/>
+          <p:cNvSpPr/>
+          <p:nvPr/>
+        </p:nvSpPr>
+        <p:spPr>
+          <a:xfrm>
+            <a:off x="3993115" y="2315729"/>
+            <a:ext cx="663195" cy="1839192"/>
+          </a:xfrm>
+          <a:prstGeom prst="rect">
+            <a:avLst/>
+          </a:prstGeom>
+          <a:noFill/>
+          <a:ln>
+            <a:solidFill>
+              <a:schemeClr val="tx1"/>
+            </a:solidFill>
+          </a:ln>
+        </p:spPr>
+        <p:style>
+          <a:lnRef idx="2">
+            <a:schemeClr val="accent1">
+              <a:shade val="50000"/>
+            </a:schemeClr>
+          </a:lnRef>
+          <a:fillRef idx="1">
+            <a:schemeClr val="accent1"/>
+          </a:fillRef>
+          <a:effectRef idx="0">
+            <a:schemeClr val="accent1"/>
+          </a:effectRef>
+          <a:fontRef idx="minor">
+            <a:schemeClr val="lt1"/>
+          </a:fontRef>
+        </p:style>
+        <p:txBody>
+          <a:bodyPr rtlCol="0" anchor="ctr"/>
+          <a:lstStyle/>
+          <a:p>
+            <a:pPr algn="ctr"/>
+            <a:endParaRPr kumimoji="1" lang="zh-CN" altLang="en-US" sz="1600">
+              <a:latin typeface="Microsoft YaHei" charset="-122"/>
+              <a:ea typeface="Microsoft YaHei" charset="-122"/>
+              <a:cs typeface="Microsoft YaHei" charset="-122"/>
+            </a:endParaRPr>
+          </a:p>
+        </p:txBody>
+      </p:sp>
+      <p:sp>
+        <p:nvSpPr>
+          <p:cNvPr id="46" name="文本框 45"/>
+          <p:cNvSpPr txBox="1"/>
+          <p:nvPr/>
+        </p:nvSpPr>
+        <p:spPr>
+          <a:xfrm>
+            <a:off x="4155949" y="2535694"/>
+            <a:ext cx="362347" cy="1384995"/>
+          </a:xfrm>
+          <a:prstGeom prst="rect">
+            <a:avLst/>
+          </a:prstGeom>
+          <a:noFill/>
+        </p:spPr>
+        <p:txBody>
+          <a:bodyPr wrap="square" rtlCol="0">
+            <a:spAutoFit/>
+          </a:bodyPr>
+          <a:lstStyle/>
+          <a:p>
+            <a:pPr algn="ctr"/>
+            <a:r>
+              <a:rPr kumimoji="1" lang="zh-CN" altLang="en-US" sz="1400" smtClean="0">
+                <a:latin typeface="Microsoft YaHei" charset="-122"/>
+                <a:ea typeface="Microsoft YaHei" charset="-122"/>
+                <a:cs typeface="Microsoft YaHei" charset="-122"/>
+              </a:rPr>
+              <a:t>确定目标市场</a:t>
+            </a:r>
+            <a:endParaRPr kumimoji="1" lang="zh-CN" altLang="en-US" sz="1400" dirty="0">
+              <a:latin typeface="Microsoft YaHei" charset="-122"/>
+              <a:ea typeface="Microsoft YaHei" charset="-122"/>
+              <a:cs typeface="Microsoft YaHei" charset="-122"/>
+            </a:endParaRPr>
+          </a:p>
+        </p:txBody>
+      </p:sp>
+      <p:sp>
+        <p:nvSpPr>
+          <p:cNvPr id="47" name="文本框 46"/>
+          <p:cNvSpPr txBox="1"/>
+          <p:nvPr/>
+        </p:nvSpPr>
+        <p:spPr>
+          <a:xfrm>
+            <a:off x="3208646" y="1843070"/>
+            <a:ext cx="1256929" cy="246221"/>
+          </a:xfrm>
+          <a:prstGeom prst="rect">
+            <a:avLst/>
+          </a:prstGeom>
+          <a:noFill/>
+        </p:spPr>
+        <p:txBody>
+          <a:bodyPr wrap="square" rtlCol="0">
+            <a:spAutoFit/>
+          </a:bodyPr>
+          <a:lstStyle/>
+          <a:p>
+            <a:pPr algn="ctr"/>
+            <a:r>
+              <a:rPr kumimoji="1" lang="zh-CN" altLang="en-US" sz="1000" smtClean="0">
+                <a:latin typeface="Microsoft YaHei" charset="-122"/>
+                <a:ea typeface="Microsoft YaHei" charset="-122"/>
+                <a:cs typeface="Microsoft YaHei" charset="-122"/>
+              </a:rPr>
+              <a:t>竞争分析</a:t>
+            </a:r>
+            <a:endParaRPr kumimoji="1" lang="zh-CN" altLang="en-US" sz="1000" dirty="0">
+              <a:latin typeface="Microsoft YaHei" charset="-122"/>
+              <a:ea typeface="Microsoft YaHei" charset="-122"/>
+              <a:cs typeface="Microsoft YaHei" charset="-122"/>
+            </a:endParaRPr>
+          </a:p>
+        </p:txBody>
+      </p:sp>
+      <p:grpSp>
+        <p:nvGrpSpPr>
+          <p:cNvPr id="53" name="组 52"/>
+          <p:cNvGrpSpPr/>
+          <p:nvPr/>
+        </p:nvGrpSpPr>
+        <p:grpSpPr>
+          <a:xfrm>
+            <a:off x="1124039" y="4994792"/>
+            <a:ext cx="954111" cy="852055"/>
+            <a:chOff x="1345042" y="5016274"/>
+            <a:chExt cx="954111" cy="852055"/>
+          </a:xfrm>
+        </p:grpSpPr>
+        <p:sp>
+          <p:nvSpPr>
+            <p:cNvPr id="48" name="矩形 47"/>
+            <p:cNvSpPr/>
+            <p:nvPr/>
+          </p:nvSpPr>
+          <p:spPr>
+            <a:xfrm>
+              <a:off x="1345042" y="5016274"/>
+              <a:ext cx="924791" cy="852055"/>
+            </a:xfrm>
+            <a:prstGeom prst="rect">
+              <a:avLst/>
+            </a:prstGeom>
+            <a:noFill/>
+            <a:ln>
+              <a:solidFill>
+                <a:schemeClr val="tx1"/>
+              </a:solidFill>
+            </a:ln>
+          </p:spPr>
+          <p:style>
+            <a:lnRef idx="2">
+              <a:schemeClr val="accent1">
+                <a:shade val="50000"/>
+              </a:schemeClr>
+            </a:lnRef>
+            <a:fillRef idx="1">
+              <a:schemeClr val="accent1"/>
+            </a:fillRef>
+            <a:effectRef idx="0">
+              <a:schemeClr val="accent1"/>
+            </a:effectRef>
+            <a:fontRef idx="minor">
+              <a:schemeClr val="lt1"/>
+            </a:fontRef>
+          </p:style>
+          <p:txBody>
+            <a:bodyPr rtlCol="0" anchor="ctr"/>
+            <a:lstStyle/>
+            <a:p>
+              <a:pPr algn="ctr"/>
+              <a:endParaRPr kumimoji="1" lang="zh-CN" altLang="en-US" sz="1600">
+                <a:latin typeface="Microsoft YaHei" charset="-122"/>
+                <a:ea typeface="Microsoft YaHei" charset="-122"/>
+                <a:cs typeface="Microsoft YaHei" charset="-122"/>
+              </a:endParaRPr>
+            </a:p>
+          </p:txBody>
+        </p:sp>
+        <p:sp>
+          <p:nvSpPr>
+            <p:cNvPr id="49" name="文本框 48"/>
+            <p:cNvSpPr txBox="1"/>
+            <p:nvPr/>
+          </p:nvSpPr>
+          <p:spPr>
+            <a:xfrm>
+              <a:off x="1396342" y="5304197"/>
+              <a:ext cx="902811" cy="307777"/>
+            </a:xfrm>
+            <a:prstGeom prst="rect">
+              <a:avLst/>
+            </a:prstGeom>
+            <a:noFill/>
+          </p:spPr>
+          <p:txBody>
+            <a:bodyPr wrap="none" rtlCol="0">
+              <a:spAutoFit/>
+            </a:bodyPr>
+            <a:lstStyle/>
+            <a:p>
+              <a:pPr algn="ctr"/>
+              <a:r>
+                <a:rPr kumimoji="1" lang="zh-CN" altLang="en-US" sz="1400" dirty="0" smtClean="0">
+                  <a:latin typeface="Microsoft YaHei" charset="-122"/>
+                  <a:ea typeface="Microsoft YaHei" charset="-122"/>
+                  <a:cs typeface="Microsoft YaHei" charset="-122"/>
+                </a:rPr>
+                <a:t>发现问题</a:t>
+              </a:r>
+              <a:endParaRPr kumimoji="1" lang="zh-CN" altLang="en-US" sz="1400" dirty="0">
+                <a:latin typeface="Microsoft YaHei" charset="-122"/>
+                <a:ea typeface="Microsoft YaHei" charset="-122"/>
+                <a:cs typeface="Microsoft YaHei" charset="-122"/>
+              </a:endParaRPr>
+            </a:p>
+          </p:txBody>
+        </p:sp>
+      </p:grpSp>
+      <p:grpSp>
+        <p:nvGrpSpPr>
+          <p:cNvPr id="52" name="组 51"/>
+          <p:cNvGrpSpPr/>
+          <p:nvPr/>
+        </p:nvGrpSpPr>
+        <p:grpSpPr>
+          <a:xfrm>
+            <a:off x="3740088" y="5016273"/>
+            <a:ext cx="924791" cy="852055"/>
+            <a:chOff x="1345042" y="5994113"/>
+            <a:chExt cx="924791" cy="852055"/>
+          </a:xfrm>
+        </p:grpSpPr>
+        <p:sp>
+          <p:nvSpPr>
+            <p:cNvPr id="50" name="矩形 49"/>
+            <p:cNvSpPr/>
+            <p:nvPr/>
+          </p:nvSpPr>
+          <p:spPr>
+            <a:xfrm>
+              <a:off x="1345042" y="5994113"/>
+              <a:ext cx="924791" cy="852055"/>
+            </a:xfrm>
+            <a:prstGeom prst="rect">
+              <a:avLst/>
+            </a:prstGeom>
+            <a:noFill/>
+            <a:ln>
+              <a:solidFill>
+                <a:schemeClr val="tx1"/>
+              </a:solidFill>
+            </a:ln>
+          </p:spPr>
+          <p:style>
+            <a:lnRef idx="2">
+              <a:schemeClr val="accent1">
+                <a:shade val="50000"/>
+              </a:schemeClr>
+            </a:lnRef>
+            <a:fillRef idx="1">
+              <a:schemeClr val="accent1"/>
+            </a:fillRef>
+            <a:effectRef idx="0">
+              <a:schemeClr val="accent1"/>
+            </a:effectRef>
+            <a:fontRef idx="minor">
+              <a:schemeClr val="lt1"/>
+            </a:fontRef>
+          </p:style>
+          <p:txBody>
+            <a:bodyPr rtlCol="0" anchor="ctr"/>
+            <a:lstStyle/>
+            <a:p>
+              <a:pPr algn="ctr"/>
+              <a:endParaRPr kumimoji="1" lang="zh-CN" altLang="en-US" sz="1600">
+                <a:latin typeface="Microsoft YaHei" charset="-122"/>
+                <a:ea typeface="Microsoft YaHei" charset="-122"/>
+                <a:cs typeface="Microsoft YaHei" charset="-122"/>
+              </a:endParaRPr>
+            </a:p>
+          </p:txBody>
+        </p:sp>
+        <p:sp>
+          <p:nvSpPr>
+            <p:cNvPr id="51" name="文本框 50"/>
+            <p:cNvSpPr txBox="1"/>
+            <p:nvPr/>
+          </p:nvSpPr>
+          <p:spPr>
+            <a:xfrm>
+              <a:off x="1355375" y="6260555"/>
+              <a:ext cx="902811" cy="307777"/>
+            </a:xfrm>
+            <a:prstGeom prst="rect">
+              <a:avLst/>
+            </a:prstGeom>
+            <a:noFill/>
+          </p:spPr>
+          <p:txBody>
+            <a:bodyPr wrap="none" rtlCol="0">
+              <a:spAutoFit/>
+            </a:bodyPr>
+            <a:lstStyle/>
+            <a:p>
+              <a:pPr algn="ctr"/>
+              <a:r>
+                <a:rPr kumimoji="1" lang="zh-CN" altLang="en-US" sz="1400" smtClean="0">
+                  <a:latin typeface="Microsoft YaHei" charset="-122"/>
+                  <a:ea typeface="Microsoft YaHei" charset="-122"/>
+                  <a:cs typeface="Microsoft YaHei" charset="-122"/>
+                </a:rPr>
+                <a:t>分析原因</a:t>
+              </a:r>
+              <a:endParaRPr kumimoji="1" lang="zh-CN" altLang="en-US" sz="1400" dirty="0">
+                <a:latin typeface="Microsoft YaHei" charset="-122"/>
+                <a:ea typeface="Microsoft YaHei" charset="-122"/>
+                <a:cs typeface="Microsoft YaHei" charset="-122"/>
+              </a:endParaRPr>
+            </a:p>
+          </p:txBody>
+        </p:sp>
+      </p:grpSp>
+      <p:sp>
+        <p:nvSpPr>
+          <p:cNvPr id="54" name="文本框 53"/>
+          <p:cNvSpPr txBox="1"/>
+          <p:nvPr/>
+        </p:nvSpPr>
+        <p:spPr>
+          <a:xfrm>
+            <a:off x="2704997" y="6011321"/>
+            <a:ext cx="1305588" cy="246221"/>
+          </a:xfrm>
+          <a:prstGeom prst="rect">
+            <a:avLst/>
+          </a:prstGeom>
+          <a:noFill/>
+        </p:spPr>
+        <p:txBody>
+          <a:bodyPr wrap="square" rtlCol="0">
+            <a:spAutoFit/>
+          </a:bodyPr>
+          <a:lstStyle/>
+          <a:p>
+            <a:pPr algn="ctr"/>
+            <a:r>
+              <a:rPr kumimoji="1" lang="zh-CN" altLang="en-US" sz="1000" smtClean="0">
+                <a:latin typeface="Microsoft YaHei" charset="-122"/>
+                <a:ea typeface="Microsoft YaHei" charset="-122"/>
+                <a:cs typeface="Microsoft YaHei" charset="-122"/>
+              </a:rPr>
+              <a:t>问卷调查</a:t>
+            </a:r>
+            <a:endParaRPr kumimoji="1" lang="zh-CN" altLang="en-US" sz="1000" dirty="0">
+              <a:latin typeface="Microsoft YaHei" charset="-122"/>
+              <a:ea typeface="Microsoft YaHei" charset="-122"/>
+              <a:cs typeface="Microsoft YaHei" charset="-122"/>
+            </a:endParaRPr>
+          </a:p>
+        </p:txBody>
+      </p:sp>
+      <p:sp>
+        <p:nvSpPr>
+          <p:cNvPr id="55" name="文本框 54"/>
+          <p:cNvSpPr txBox="1"/>
+          <p:nvPr/>
+        </p:nvSpPr>
+        <p:spPr>
+          <a:xfrm>
+            <a:off x="1941800" y="6015143"/>
+            <a:ext cx="1072763" cy="246221"/>
+          </a:xfrm>
+          <a:prstGeom prst="rect">
+            <a:avLst/>
+          </a:prstGeom>
+          <a:noFill/>
+        </p:spPr>
+        <p:txBody>
+          <a:bodyPr wrap="square" rtlCol="0">
+            <a:spAutoFit/>
+          </a:bodyPr>
+          <a:lstStyle/>
+          <a:p>
+            <a:pPr algn="ctr"/>
+            <a:r>
+              <a:rPr kumimoji="1" lang="zh-CN" altLang="en-US" sz="1000" dirty="0" smtClean="0">
+                <a:latin typeface="Microsoft YaHei" charset="-122"/>
+                <a:ea typeface="Microsoft YaHei" charset="-122"/>
+                <a:cs typeface="Microsoft YaHei" charset="-122"/>
+              </a:rPr>
+              <a:t>人员访谈</a:t>
+            </a:r>
+            <a:endParaRPr kumimoji="1" lang="en-US" altLang="zh-CN" sz="1000" dirty="0" smtClean="0">
+              <a:latin typeface="Microsoft YaHei" charset="-122"/>
+              <a:ea typeface="Microsoft YaHei" charset="-122"/>
+              <a:cs typeface="Microsoft YaHei" charset="-122"/>
+            </a:endParaRPr>
+          </a:p>
+        </p:txBody>
+      </p:sp>
+      <p:sp>
+        <p:nvSpPr>
+          <p:cNvPr id="56" name="文本框 55"/>
+          <p:cNvSpPr txBox="1"/>
+          <p:nvPr/>
+        </p:nvSpPr>
+        <p:spPr>
+          <a:xfrm>
+            <a:off x="5276883" y="3096988"/>
+            <a:ext cx="1305588" cy="246221"/>
+          </a:xfrm>
+          <a:prstGeom prst="rect">
+            <a:avLst/>
+          </a:prstGeom>
+          <a:noFill/>
+        </p:spPr>
+        <p:txBody>
+          <a:bodyPr wrap="square" rtlCol="0">
+            <a:spAutoFit/>
+          </a:bodyPr>
+          <a:lstStyle/>
+          <a:p>
+            <a:pPr algn="ctr"/>
+            <a:r>
+              <a:rPr kumimoji="1" lang="zh-CN" altLang="en-US" sz="1000" smtClean="0">
+                <a:latin typeface="Microsoft YaHei" charset="-122"/>
+                <a:ea typeface="Microsoft YaHei" charset="-122"/>
+                <a:cs typeface="Microsoft YaHei" charset="-122"/>
+              </a:rPr>
+              <a:t>问卷调查</a:t>
+            </a:r>
+            <a:endParaRPr kumimoji="1" lang="zh-CN" altLang="en-US" sz="1000" dirty="0">
+              <a:latin typeface="Microsoft YaHei" charset="-122"/>
+              <a:ea typeface="Microsoft YaHei" charset="-122"/>
+              <a:cs typeface="Microsoft YaHei" charset="-122"/>
+            </a:endParaRPr>
+          </a:p>
+        </p:txBody>
+      </p:sp>
+      <p:grpSp>
+        <p:nvGrpSpPr>
+          <p:cNvPr id="59" name="组 58"/>
+          <p:cNvGrpSpPr/>
+          <p:nvPr/>
+        </p:nvGrpSpPr>
+        <p:grpSpPr>
+          <a:xfrm>
+            <a:off x="5606275" y="3466243"/>
+            <a:ext cx="663195" cy="1839192"/>
+            <a:chOff x="4374117" y="2468129"/>
+            <a:chExt cx="663195" cy="1839192"/>
+          </a:xfrm>
+        </p:grpSpPr>
+        <p:sp>
+          <p:nvSpPr>
+            <p:cNvPr id="57" name="矩形 56"/>
+            <p:cNvSpPr/>
+            <p:nvPr/>
+          </p:nvSpPr>
+          <p:spPr>
+            <a:xfrm>
+              <a:off x="4374117" y="2468129"/>
+              <a:ext cx="663195" cy="1839192"/>
+            </a:xfrm>
+            <a:prstGeom prst="rect">
+              <a:avLst/>
+            </a:prstGeom>
+            <a:noFill/>
+            <a:ln>
+              <a:solidFill>
+                <a:schemeClr val="tx1"/>
+              </a:solidFill>
+            </a:ln>
+          </p:spPr>
+          <p:style>
+            <a:lnRef idx="2">
+              <a:schemeClr val="accent1">
+                <a:shade val="50000"/>
+              </a:schemeClr>
+            </a:lnRef>
+            <a:fillRef idx="1">
+              <a:schemeClr val="accent1"/>
+            </a:fillRef>
+            <a:effectRef idx="0">
+              <a:schemeClr val="accent1"/>
+            </a:effectRef>
+            <a:fontRef idx="minor">
+              <a:schemeClr val="lt1"/>
+            </a:fontRef>
+          </p:style>
+          <p:txBody>
+            <a:bodyPr rtlCol="0" anchor="ctr"/>
+            <a:lstStyle/>
+            <a:p>
+              <a:pPr algn="ctr"/>
+              <a:endParaRPr kumimoji="1" lang="zh-CN" altLang="en-US" sz="1600">
+                <a:latin typeface="Microsoft YaHei" charset="-122"/>
+                <a:ea typeface="Microsoft YaHei" charset="-122"/>
+                <a:cs typeface="Microsoft YaHei" charset="-122"/>
+              </a:endParaRPr>
+            </a:p>
+          </p:txBody>
+        </p:sp>
+        <p:sp>
+          <p:nvSpPr>
+            <p:cNvPr id="58" name="文本框 57"/>
+            <p:cNvSpPr txBox="1"/>
+            <p:nvPr/>
+          </p:nvSpPr>
+          <p:spPr>
+            <a:xfrm>
+              <a:off x="4536951" y="2688094"/>
+              <a:ext cx="362347" cy="1384995"/>
+            </a:xfrm>
+            <a:prstGeom prst="rect">
+              <a:avLst/>
+            </a:prstGeom>
+            <a:noFill/>
+          </p:spPr>
+          <p:txBody>
+            <a:bodyPr wrap="square" rtlCol="0">
+              <a:spAutoFit/>
+            </a:bodyPr>
+            <a:lstStyle/>
+            <a:p>
+              <a:pPr algn="ctr"/>
+              <a:r>
+                <a:rPr kumimoji="1" lang="zh-CN" altLang="en-US" sz="1400" dirty="0" smtClean="0">
+                  <a:latin typeface="Microsoft YaHei" charset="-122"/>
+                  <a:ea typeface="Microsoft YaHei" charset="-122"/>
+                  <a:cs typeface="Microsoft YaHei" charset="-122"/>
+                </a:rPr>
+                <a:t>市场需求分析</a:t>
+              </a:r>
+              <a:endParaRPr kumimoji="1" lang="zh-CN" altLang="en-US" sz="1400" dirty="0">
+                <a:latin typeface="Microsoft YaHei" charset="-122"/>
+                <a:ea typeface="Microsoft YaHei" charset="-122"/>
+                <a:cs typeface="Microsoft YaHei" charset="-122"/>
+              </a:endParaRPr>
+            </a:p>
+          </p:txBody>
+        </p:sp>
+      </p:grpSp>
+      <p:grpSp>
+        <p:nvGrpSpPr>
+          <p:cNvPr id="60" name="组 59"/>
+          <p:cNvGrpSpPr/>
+          <p:nvPr/>
+        </p:nvGrpSpPr>
+        <p:grpSpPr>
+          <a:xfrm>
+            <a:off x="6996876" y="3959835"/>
+            <a:ext cx="1359840" cy="852055"/>
+            <a:chOff x="1345042" y="5016274"/>
+            <a:chExt cx="924791" cy="852055"/>
+          </a:xfrm>
+        </p:grpSpPr>
+        <p:sp>
+          <p:nvSpPr>
+            <p:cNvPr id="61" name="矩形 60"/>
+            <p:cNvSpPr/>
+            <p:nvPr/>
+          </p:nvSpPr>
+          <p:spPr>
+            <a:xfrm>
+              <a:off x="1345042" y="5016274"/>
+              <a:ext cx="924791" cy="852055"/>
+            </a:xfrm>
+            <a:prstGeom prst="rect">
+              <a:avLst/>
+            </a:prstGeom>
+            <a:noFill/>
+            <a:ln>
+              <a:solidFill>
+                <a:schemeClr val="tx1"/>
+              </a:solidFill>
+            </a:ln>
+          </p:spPr>
+          <p:style>
+            <a:lnRef idx="2">
+              <a:schemeClr val="accent1">
+                <a:shade val="50000"/>
+              </a:schemeClr>
+            </a:lnRef>
+            <a:fillRef idx="1">
+              <a:schemeClr val="accent1"/>
+            </a:fillRef>
+            <a:effectRef idx="0">
+              <a:schemeClr val="accent1"/>
+            </a:effectRef>
+            <a:fontRef idx="minor">
+              <a:schemeClr val="lt1"/>
+            </a:fontRef>
+          </p:style>
+          <p:txBody>
+            <a:bodyPr rtlCol="0" anchor="ctr"/>
+            <a:lstStyle/>
+            <a:p>
+              <a:pPr algn="ctr"/>
+              <a:endParaRPr kumimoji="1" lang="zh-CN" altLang="en-US" sz="1600">
+                <a:latin typeface="Microsoft YaHei" charset="-122"/>
+                <a:ea typeface="Microsoft YaHei" charset="-122"/>
+                <a:cs typeface="Microsoft YaHei" charset="-122"/>
+              </a:endParaRPr>
+            </a:p>
+          </p:txBody>
+        </p:sp>
+        <p:sp>
+          <p:nvSpPr>
+            <p:cNvPr id="62" name="文本框 61"/>
+            <p:cNvSpPr txBox="1"/>
+            <p:nvPr/>
+          </p:nvSpPr>
+          <p:spPr>
+            <a:xfrm>
+              <a:off x="1494940" y="5304197"/>
+              <a:ext cx="705618" cy="307777"/>
+            </a:xfrm>
+            <a:prstGeom prst="rect">
+              <a:avLst/>
+            </a:prstGeom>
+            <a:noFill/>
+          </p:spPr>
+          <p:txBody>
+            <a:bodyPr wrap="none" rtlCol="0">
+              <a:spAutoFit/>
+            </a:bodyPr>
+            <a:lstStyle/>
+            <a:p>
+              <a:pPr algn="ctr"/>
+              <a:r>
+                <a:rPr kumimoji="1" lang="zh-CN" altLang="en-US" sz="1400" dirty="0" smtClean="0">
+                  <a:latin typeface="Microsoft YaHei" charset="-122"/>
+                  <a:ea typeface="Microsoft YaHei" charset="-122"/>
+                  <a:cs typeface="Microsoft YaHei" charset="-122"/>
+                </a:rPr>
+                <a:t>产品组合规划</a:t>
+              </a:r>
+              <a:endParaRPr kumimoji="1" lang="zh-CN" altLang="en-US" sz="1400" dirty="0">
+                <a:latin typeface="Microsoft YaHei" charset="-122"/>
+                <a:ea typeface="Microsoft YaHei" charset="-122"/>
+                <a:cs typeface="Microsoft YaHei" charset="-122"/>
+              </a:endParaRPr>
+            </a:p>
+          </p:txBody>
+        </p:sp>
+      </p:grpSp>
+      <p:grpSp>
+        <p:nvGrpSpPr>
+          <p:cNvPr id="66" name="组 65"/>
+          <p:cNvGrpSpPr/>
+          <p:nvPr/>
+        </p:nvGrpSpPr>
+        <p:grpSpPr>
+          <a:xfrm>
+            <a:off x="8851193" y="3959836"/>
+            <a:ext cx="1359840" cy="852054"/>
+            <a:chOff x="1345042" y="5016275"/>
+            <a:chExt cx="924791" cy="852054"/>
+          </a:xfrm>
+        </p:grpSpPr>
+        <p:sp>
+          <p:nvSpPr>
+            <p:cNvPr id="67" name="矩形 66"/>
+            <p:cNvSpPr/>
+            <p:nvPr/>
+          </p:nvSpPr>
+          <p:spPr>
+            <a:xfrm>
+              <a:off x="1345042" y="5016275"/>
+              <a:ext cx="924791" cy="852054"/>
+            </a:xfrm>
+            <a:prstGeom prst="rect">
+              <a:avLst/>
+            </a:prstGeom>
+            <a:noFill/>
+            <a:ln>
+              <a:solidFill>
+                <a:schemeClr val="tx1"/>
+              </a:solidFill>
+            </a:ln>
+          </p:spPr>
+          <p:style>
+            <a:lnRef idx="2">
+              <a:schemeClr val="accent1">
+                <a:shade val="50000"/>
+              </a:schemeClr>
+            </a:lnRef>
+            <a:fillRef idx="1">
+              <a:schemeClr val="accent1"/>
+            </a:fillRef>
+            <a:effectRef idx="0">
+              <a:schemeClr val="accent1"/>
+            </a:effectRef>
+            <a:fontRef idx="minor">
+              <a:schemeClr val="lt1"/>
+            </a:fontRef>
+          </p:style>
+          <p:txBody>
+            <a:bodyPr rtlCol="0" anchor="ctr"/>
+            <a:lstStyle/>
+            <a:p>
+              <a:pPr algn="ctr"/>
+              <a:endParaRPr kumimoji="1" lang="zh-CN" altLang="en-US" sz="1600">
+                <a:latin typeface="Microsoft YaHei" charset="-122"/>
+                <a:ea typeface="Microsoft YaHei" charset="-122"/>
+                <a:cs typeface="Microsoft YaHei" charset="-122"/>
+              </a:endParaRPr>
+            </a:p>
+          </p:txBody>
+        </p:sp>
+        <p:sp>
+          <p:nvSpPr>
+            <p:cNvPr id="68" name="文本框 67"/>
+            <p:cNvSpPr txBox="1"/>
+            <p:nvPr/>
+          </p:nvSpPr>
+          <p:spPr>
+            <a:xfrm>
+              <a:off x="1480256" y="5304197"/>
+              <a:ext cx="734986" cy="307777"/>
+            </a:xfrm>
+            <a:prstGeom prst="rect">
+              <a:avLst/>
+            </a:prstGeom>
+            <a:noFill/>
+          </p:spPr>
+          <p:txBody>
+            <a:bodyPr wrap="none" rtlCol="0">
+              <a:spAutoFit/>
+            </a:bodyPr>
+            <a:lstStyle/>
+            <a:p>
+              <a:pPr algn="ctr"/>
+              <a:r>
+                <a:rPr kumimoji="1" lang="zh-CN" altLang="en-US" sz="1400" dirty="0" smtClean="0">
+                  <a:latin typeface="Microsoft YaHei" charset="-122"/>
+                  <a:ea typeface="Microsoft YaHei" charset="-122"/>
+                  <a:cs typeface="Microsoft YaHei" charset="-122"/>
+                </a:rPr>
+                <a:t>产品路线图</a:t>
+              </a:r>
+              <a:endParaRPr kumimoji="1" lang="zh-CN" altLang="en-US" sz="1400" dirty="0">
+                <a:latin typeface="Microsoft YaHei" charset="-122"/>
+                <a:ea typeface="Microsoft YaHei" charset="-122"/>
+                <a:cs typeface="Microsoft YaHei" charset="-122"/>
+              </a:endParaRPr>
+            </a:p>
+          </p:txBody>
+        </p:sp>
+      </p:grpSp>
+      <p:sp>
+        <p:nvSpPr>
+          <p:cNvPr id="70" name="文本框 69"/>
+          <p:cNvSpPr txBox="1"/>
+          <p:nvPr/>
+        </p:nvSpPr>
+        <p:spPr>
+          <a:xfrm>
+            <a:off x="6816982" y="3485435"/>
+            <a:ext cx="1709246" cy="246221"/>
+          </a:xfrm>
+          <a:prstGeom prst="rect">
+            <a:avLst/>
+          </a:prstGeom>
+          <a:noFill/>
+        </p:spPr>
+        <p:txBody>
+          <a:bodyPr wrap="square" rtlCol="0">
+            <a:spAutoFit/>
+          </a:bodyPr>
+          <a:lstStyle/>
+          <a:p>
+            <a:pPr algn="ctr"/>
+            <a:r>
+              <a:rPr kumimoji="1" lang="zh-CN" altLang="en-US" sz="1000" dirty="0" smtClean="0">
+                <a:latin typeface="Microsoft YaHei" charset="-122"/>
+                <a:ea typeface="Microsoft YaHei" charset="-122"/>
+                <a:cs typeface="Microsoft YaHei" charset="-122"/>
+              </a:rPr>
+              <a:t>产品生命周期理论</a:t>
+            </a:r>
+            <a:endParaRPr kumimoji="1" lang="en-US" altLang="zh-CN" sz="1000" dirty="0" smtClean="0">
+              <a:latin typeface="Microsoft YaHei" charset="-122"/>
+              <a:ea typeface="Microsoft YaHei" charset="-122"/>
+              <a:cs typeface="Microsoft YaHei" charset="-122"/>
+            </a:endParaRPr>
+          </a:p>
+        </p:txBody>
+      </p:sp>
+      <p:sp>
+        <p:nvSpPr>
+          <p:cNvPr id="71" name="文本框 70"/>
+          <p:cNvSpPr txBox="1"/>
+          <p:nvPr/>
+        </p:nvSpPr>
+        <p:spPr>
+          <a:xfrm>
+            <a:off x="8778211" y="3485434"/>
+            <a:ext cx="1456460" cy="246221"/>
+          </a:xfrm>
+          <a:prstGeom prst="rect">
+            <a:avLst/>
+          </a:prstGeom>
+          <a:noFill/>
+        </p:spPr>
+        <p:txBody>
+          <a:bodyPr wrap="square" rtlCol="0">
+            <a:spAutoFit/>
+          </a:bodyPr>
+          <a:lstStyle/>
+          <a:p>
+            <a:pPr algn="ctr"/>
+            <a:r>
+              <a:rPr kumimoji="1" lang="en-US" altLang="zh-CN" sz="1000" dirty="0" smtClean="0">
+                <a:latin typeface="Microsoft YaHei" charset="-122"/>
+                <a:ea typeface="Microsoft YaHei" charset="-122"/>
+                <a:cs typeface="Microsoft YaHei" charset="-122"/>
+              </a:rPr>
+              <a:t>BCG</a:t>
+            </a:r>
+            <a:r>
+              <a:rPr kumimoji="1" lang="zh-CN" altLang="en-US" sz="1000" dirty="0" smtClean="0">
+                <a:latin typeface="Microsoft YaHei" charset="-122"/>
+                <a:ea typeface="Microsoft YaHei" charset="-122"/>
+                <a:cs typeface="Microsoft YaHei" charset="-122"/>
+              </a:rPr>
+              <a:t>波士顿矩阵</a:t>
+            </a:r>
+            <a:endParaRPr kumimoji="1" lang="zh-CN" altLang="en-US" sz="1000" dirty="0">
+              <a:latin typeface="Microsoft YaHei" charset="-122"/>
+              <a:ea typeface="Microsoft YaHei" charset="-122"/>
+              <a:cs typeface="Microsoft YaHei" charset="-122"/>
+            </a:endParaRPr>
+          </a:p>
+        </p:txBody>
+      </p:sp>
+      <p:grpSp>
+        <p:nvGrpSpPr>
+          <p:cNvPr id="72" name="组 71"/>
+          <p:cNvGrpSpPr/>
+          <p:nvPr/>
+        </p:nvGrpSpPr>
+        <p:grpSpPr>
+          <a:xfrm>
+            <a:off x="10848108" y="3959834"/>
+            <a:ext cx="924791" cy="852055"/>
+            <a:chOff x="1345042" y="5994113"/>
+            <a:chExt cx="924791" cy="852055"/>
+          </a:xfrm>
+        </p:grpSpPr>
+        <p:sp>
+          <p:nvSpPr>
+            <p:cNvPr id="73" name="矩形 72"/>
+            <p:cNvSpPr/>
+            <p:nvPr/>
+          </p:nvSpPr>
+          <p:spPr>
+            <a:xfrm>
+              <a:off x="1345042" y="5994113"/>
+              <a:ext cx="924791" cy="852055"/>
+            </a:xfrm>
+            <a:prstGeom prst="rect">
+              <a:avLst/>
+            </a:prstGeom>
+            <a:noFill/>
+            <a:ln>
+              <a:solidFill>
+                <a:schemeClr val="tx1"/>
+              </a:solidFill>
+            </a:ln>
+          </p:spPr>
+          <p:style>
+            <a:lnRef idx="2">
+              <a:schemeClr val="accent1">
+                <a:shade val="50000"/>
+              </a:schemeClr>
+            </a:lnRef>
+            <a:fillRef idx="1">
+              <a:schemeClr val="accent1"/>
+            </a:fillRef>
+            <a:effectRef idx="0">
+              <a:schemeClr val="accent1"/>
+            </a:effectRef>
+            <a:fontRef idx="minor">
+              <a:schemeClr val="lt1"/>
+            </a:fontRef>
+          </p:style>
+          <p:txBody>
+            <a:bodyPr rtlCol="0" anchor="ctr"/>
+            <a:lstStyle/>
+            <a:p>
+              <a:pPr algn="ctr"/>
+              <a:endParaRPr kumimoji="1" lang="zh-CN" altLang="en-US" sz="1600">
+                <a:latin typeface="Microsoft YaHei" charset="-122"/>
+                <a:ea typeface="Microsoft YaHei" charset="-122"/>
+                <a:cs typeface="Microsoft YaHei" charset="-122"/>
+              </a:endParaRPr>
+            </a:p>
+          </p:txBody>
+        </p:sp>
+        <p:sp>
+          <p:nvSpPr>
+            <p:cNvPr id="74" name="文本框 73"/>
+            <p:cNvSpPr txBox="1"/>
+            <p:nvPr/>
+          </p:nvSpPr>
+          <p:spPr>
+            <a:xfrm>
+              <a:off x="1356031" y="6174315"/>
+              <a:ext cx="902811" cy="523220"/>
+            </a:xfrm>
+            <a:prstGeom prst="rect">
+              <a:avLst/>
+            </a:prstGeom>
+            <a:noFill/>
+          </p:spPr>
+          <p:txBody>
+            <a:bodyPr wrap="none" rtlCol="0">
+              <a:spAutoFit/>
+            </a:bodyPr>
+            <a:lstStyle/>
+            <a:p>
+              <a:pPr algn="ctr"/>
+              <a:r>
+                <a:rPr kumimoji="1" lang="zh-CN" altLang="en-US" sz="1400" dirty="0" smtClean="0">
+                  <a:latin typeface="Microsoft YaHei" charset="-122"/>
+                  <a:ea typeface="Microsoft YaHei" charset="-122"/>
+                  <a:cs typeface="Microsoft YaHei" charset="-122"/>
+                </a:rPr>
+                <a:t>产品定义</a:t>
+              </a:r>
+              <a:endParaRPr kumimoji="1" lang="en-US" altLang="zh-CN" sz="1400" dirty="0" smtClean="0">
+                <a:latin typeface="Microsoft YaHei" charset="-122"/>
+                <a:ea typeface="Microsoft YaHei" charset="-122"/>
+                <a:cs typeface="Microsoft YaHei" charset="-122"/>
+              </a:endParaRPr>
+            </a:p>
+            <a:p>
+              <a:pPr algn="ctr"/>
+              <a:r>
+                <a:rPr kumimoji="1" lang="zh-CN" altLang="en-US" sz="1400" dirty="0" smtClean="0">
+                  <a:latin typeface="Microsoft YaHei" charset="-122"/>
+                  <a:ea typeface="Microsoft YaHei" charset="-122"/>
+                  <a:cs typeface="Microsoft YaHei" charset="-122"/>
+                </a:rPr>
+                <a:t>开发实施</a:t>
+              </a:r>
+              <a:endParaRPr kumimoji="1" lang="zh-CN" altLang="en-US" sz="1400" dirty="0">
+                <a:latin typeface="Microsoft YaHei" charset="-122"/>
+                <a:ea typeface="Microsoft YaHei" charset="-122"/>
+                <a:cs typeface="Microsoft YaHei" charset="-122"/>
+              </a:endParaRPr>
+            </a:p>
+          </p:txBody>
+        </p:sp>
+      </p:grpSp>
+      <p:sp>
+        <p:nvSpPr>
+          <p:cNvPr id="75" name="矩形 74"/>
+          <p:cNvSpPr/>
+          <p:nvPr/>
+        </p:nvSpPr>
+        <p:spPr>
+          <a:xfrm>
+            <a:off x="860426" y="1669742"/>
+            <a:ext cx="4185256" cy="2760918"/>
+          </a:xfrm>
+          <a:prstGeom prst="rect">
+            <a:avLst/>
+          </a:prstGeom>
+          <a:noFill/>
+          <a:ln>
+            <a:solidFill>
+              <a:schemeClr val="tx1"/>
+            </a:solidFill>
+            <a:prstDash val="dash"/>
+          </a:ln>
+        </p:spPr>
+        <p:style>
+          <a:lnRef idx="2">
+            <a:schemeClr val="accent1">
+              <a:shade val="50000"/>
+            </a:schemeClr>
+          </a:lnRef>
+          <a:fillRef idx="1">
+            <a:schemeClr val="accent1"/>
+          </a:fillRef>
+          <a:effectRef idx="0">
+            <a:schemeClr val="accent1"/>
+          </a:effectRef>
+          <a:fontRef idx="minor">
+            <a:schemeClr val="lt1"/>
+          </a:fontRef>
+        </p:style>
+        <p:txBody>
+          <a:bodyPr rtlCol="0" anchor="ctr"/>
+          <a:lstStyle/>
+          <a:p>
+            <a:pPr algn="ctr"/>
+            <a:endParaRPr kumimoji="1" lang="zh-CN" altLang="en-US" sz="1600">
+              <a:latin typeface="Microsoft YaHei" charset="-122"/>
+              <a:ea typeface="Microsoft YaHei" charset="-122"/>
+              <a:cs typeface="Microsoft YaHei" charset="-122"/>
+            </a:endParaRPr>
+          </a:p>
+        </p:txBody>
+      </p:sp>
+      <p:sp>
+        <p:nvSpPr>
+          <p:cNvPr id="76" name="矩形 75"/>
+          <p:cNvSpPr/>
+          <p:nvPr/>
+        </p:nvSpPr>
+        <p:spPr>
+          <a:xfrm>
+            <a:off x="860426" y="4758288"/>
+            <a:ext cx="4185256" cy="1694467"/>
+          </a:xfrm>
+          <a:prstGeom prst="rect">
+            <a:avLst/>
+          </a:prstGeom>
+          <a:noFill/>
+          <a:ln>
+            <a:prstDash val="dash"/>
+          </a:ln>
+        </p:spPr>
+        <p:style>
+          <a:lnRef idx="2">
+            <a:schemeClr val="accent1">
+              <a:shade val="50000"/>
+            </a:schemeClr>
+          </a:lnRef>
+          <a:fillRef idx="1">
+            <a:schemeClr val="accent1"/>
+          </a:fillRef>
+          <a:effectRef idx="0">
+            <a:schemeClr val="accent1"/>
+          </a:effectRef>
+          <a:fontRef idx="minor">
+            <a:schemeClr val="lt1"/>
+          </a:fontRef>
+        </p:style>
+        <p:txBody>
+          <a:bodyPr rtlCol="0" anchor="ctr"/>
+          <a:lstStyle/>
+          <a:p>
+            <a:pPr algn="ctr"/>
+            <a:endParaRPr kumimoji="1" lang="zh-CN" altLang="en-US" sz="1600">
+              <a:latin typeface="Microsoft YaHei" charset="-122"/>
+              <a:ea typeface="Microsoft YaHei" charset="-122"/>
+              <a:cs typeface="Microsoft YaHei" charset="-122"/>
+            </a:endParaRPr>
+          </a:p>
+        </p:txBody>
+      </p:sp>
+      <p:sp>
+        <p:nvSpPr>
+          <p:cNvPr id="77" name="矩形 76"/>
+          <p:cNvSpPr/>
+          <p:nvPr/>
+        </p:nvSpPr>
+        <p:spPr>
+          <a:xfrm>
+            <a:off x="5276128" y="2530847"/>
+            <a:ext cx="1306343" cy="3694064"/>
+          </a:xfrm>
+          <a:prstGeom prst="rect">
+            <a:avLst/>
+          </a:prstGeom>
+          <a:noFill/>
+          <a:ln>
+            <a:solidFill>
+              <a:schemeClr val="tx1"/>
+            </a:solidFill>
+            <a:prstDash val="dash"/>
+          </a:ln>
+        </p:spPr>
+        <p:style>
+          <a:lnRef idx="2">
+            <a:schemeClr val="accent1">
+              <a:shade val="50000"/>
+            </a:schemeClr>
+          </a:lnRef>
+          <a:fillRef idx="1">
+            <a:schemeClr val="accent1"/>
+          </a:fillRef>
+          <a:effectRef idx="0">
+            <a:schemeClr val="accent1"/>
+          </a:effectRef>
+          <a:fontRef idx="minor">
+            <a:schemeClr val="lt1"/>
+          </a:fontRef>
+        </p:style>
+        <p:txBody>
+          <a:bodyPr rtlCol="0" anchor="ctr"/>
+          <a:lstStyle/>
+          <a:p>
+            <a:pPr algn="ctr"/>
+            <a:endParaRPr kumimoji="1" lang="zh-CN" altLang="en-US" sz="1600">
+              <a:latin typeface="Microsoft YaHei" charset="-122"/>
+              <a:ea typeface="Microsoft YaHei" charset="-122"/>
+              <a:cs typeface="Microsoft YaHei" charset="-122"/>
+            </a:endParaRPr>
+          </a:p>
+        </p:txBody>
+      </p:sp>
+      <p:sp>
+        <p:nvSpPr>
+          <p:cNvPr id="78" name="矩形 77"/>
+          <p:cNvSpPr/>
+          <p:nvPr/>
+        </p:nvSpPr>
+        <p:spPr>
+          <a:xfrm>
+            <a:off x="6732009" y="2914085"/>
+            <a:ext cx="3678406" cy="2399803"/>
+          </a:xfrm>
+          <a:prstGeom prst="rect">
+            <a:avLst/>
+          </a:prstGeom>
+          <a:noFill/>
+          <a:ln>
+            <a:solidFill>
+              <a:schemeClr val="tx1"/>
+            </a:solidFill>
+            <a:prstDash val="dash"/>
+          </a:ln>
+        </p:spPr>
+        <p:style>
+          <a:lnRef idx="2">
+            <a:schemeClr val="accent1">
+              <a:shade val="50000"/>
+            </a:schemeClr>
+          </a:lnRef>
+          <a:fillRef idx="1">
+            <a:schemeClr val="accent1"/>
+          </a:fillRef>
+          <a:effectRef idx="0">
+            <a:schemeClr val="accent1"/>
+          </a:effectRef>
+          <a:fontRef idx="minor">
+            <a:schemeClr val="lt1"/>
+          </a:fontRef>
+        </p:style>
+        <p:txBody>
+          <a:bodyPr rtlCol="0" anchor="ctr"/>
+          <a:lstStyle/>
+          <a:p>
+            <a:pPr algn="ctr"/>
+            <a:endParaRPr kumimoji="1" lang="zh-CN" altLang="en-US" sz="1600">
+              <a:latin typeface="Microsoft YaHei" charset="-122"/>
+              <a:ea typeface="Microsoft YaHei" charset="-122"/>
+              <a:cs typeface="Microsoft YaHei" charset="-122"/>
+            </a:endParaRPr>
+          </a:p>
+        </p:txBody>
+      </p:sp>
+      <p:cxnSp>
+        <p:nvCxnSpPr>
+          <p:cNvPr id="80" name="直线箭头连接符 79"/>
+          <p:cNvCxnSpPr/>
+          <p:nvPr/>
+        </p:nvCxnSpPr>
+        <p:spPr>
+          <a:xfrm>
+            <a:off x="1797595" y="2773824"/>
+            <a:ext cx="540358" cy="0"/>
+          </a:xfrm>
+          <a:prstGeom prst="straightConnector1">
+            <a:avLst/>
+          </a:prstGeom>
+          <a:ln>
+            <a:solidFill>
+              <a:schemeClr val="tx1"/>
+            </a:solidFill>
+            <a:tailEnd type="triangle"/>
+          </a:ln>
+        </p:spPr>
+        <p:style>
+          <a:lnRef idx="1">
+            <a:schemeClr val="accent1"/>
+          </a:lnRef>
+          <a:fillRef idx="0">
+            <a:schemeClr val="accent1"/>
+          </a:fillRef>
+          <a:effectRef idx="0">
+            <a:schemeClr val="accent1"/>
+          </a:effectRef>
+          <a:fontRef idx="minor">
+            <a:schemeClr val="tx1"/>
+          </a:fontRef>
+        </p:style>
+      </p:cxnSp>
+      <p:cxnSp>
+        <p:nvCxnSpPr>
+          <p:cNvPr id="82" name="直线箭头连接符 81"/>
+          <p:cNvCxnSpPr/>
+          <p:nvPr/>
+        </p:nvCxnSpPr>
+        <p:spPr>
+          <a:xfrm>
+            <a:off x="1787234" y="3744700"/>
+            <a:ext cx="540358" cy="0"/>
+          </a:xfrm>
+          <a:prstGeom prst="straightConnector1">
+            <a:avLst/>
+          </a:prstGeom>
+          <a:ln>
+            <a:solidFill>
+              <a:schemeClr val="tx1"/>
+            </a:solidFill>
+            <a:tailEnd type="triangle"/>
+          </a:ln>
+        </p:spPr>
+        <p:style>
+          <a:lnRef idx="1">
+            <a:schemeClr val="accent1"/>
+          </a:lnRef>
+          <a:fillRef idx="0">
+            <a:schemeClr val="accent1"/>
+          </a:fillRef>
+          <a:effectRef idx="0">
+            <a:schemeClr val="accent1"/>
+          </a:effectRef>
+          <a:fontRef idx="minor">
+            <a:schemeClr val="tx1"/>
+          </a:fontRef>
+        </p:style>
+      </p:cxnSp>
+      <p:cxnSp>
+        <p:nvCxnSpPr>
+          <p:cNvPr id="83" name="直线箭头连接符 82"/>
+          <p:cNvCxnSpPr/>
+          <p:nvPr/>
+        </p:nvCxnSpPr>
+        <p:spPr>
+          <a:xfrm>
+            <a:off x="3369589" y="2767955"/>
+            <a:ext cx="540358" cy="0"/>
+          </a:xfrm>
+          <a:prstGeom prst="straightConnector1">
+            <a:avLst/>
+          </a:prstGeom>
+          <a:ln>
+            <a:solidFill>
+              <a:schemeClr val="tx1"/>
+            </a:solidFill>
+            <a:tailEnd type="triangle"/>
+          </a:ln>
+        </p:spPr>
+        <p:style>
+          <a:lnRef idx="1">
+            <a:schemeClr val="accent1"/>
+          </a:lnRef>
+          <a:fillRef idx="0">
+            <a:schemeClr val="accent1"/>
+          </a:fillRef>
+          <a:effectRef idx="0">
+            <a:schemeClr val="accent1"/>
+          </a:effectRef>
+          <a:fontRef idx="minor">
+            <a:schemeClr val="tx1"/>
+          </a:fontRef>
+        </p:style>
+      </p:cxnSp>
+      <p:cxnSp>
+        <p:nvCxnSpPr>
+          <p:cNvPr id="84" name="直线箭头连接符 83"/>
+          <p:cNvCxnSpPr/>
+          <p:nvPr/>
+        </p:nvCxnSpPr>
+        <p:spPr>
+          <a:xfrm>
+            <a:off x="3359228" y="3738831"/>
+            <a:ext cx="540358" cy="0"/>
+          </a:xfrm>
+          <a:prstGeom prst="straightConnector1">
+            <a:avLst/>
+          </a:prstGeom>
+          <a:ln>
+            <a:solidFill>
+              <a:schemeClr val="tx1"/>
+            </a:solidFill>
+            <a:tailEnd type="triangle"/>
+          </a:ln>
+        </p:spPr>
+        <p:style>
+          <a:lnRef idx="1">
+            <a:schemeClr val="accent1"/>
+          </a:lnRef>
+          <a:fillRef idx="0">
+            <a:schemeClr val="accent1"/>
+          </a:fillRef>
+          <a:effectRef idx="0">
+            <a:schemeClr val="accent1"/>
+          </a:effectRef>
+          <a:fontRef idx="minor">
+            <a:schemeClr val="tx1"/>
+          </a:fontRef>
+        </p:style>
+      </p:cxnSp>
+      <p:cxnSp>
+        <p:nvCxnSpPr>
+          <p:cNvPr id="86" name="肘形连接符 85"/>
+          <p:cNvCxnSpPr>
+            <a:stCxn id="45" idx="3"/>
+            <a:endCxn id="57" idx="1"/>
+          </p:cNvCxnSpPr>
+          <p:nvPr/>
+        </p:nvCxnSpPr>
+        <p:spPr>
+          <a:xfrm>
+            <a:off x="4656310" y="3235325"/>
+            <a:ext cx="949965" cy="1150514"/>
+          </a:xfrm>
+          <a:prstGeom prst="bentConnector3">
+            <a:avLst/>
+          </a:prstGeom>
+          <a:ln>
+            <a:solidFill>
+              <a:schemeClr val="tx1"/>
+            </a:solidFill>
+            <a:tailEnd type="triangle"/>
+          </a:ln>
+        </p:spPr>
+        <p:style>
+          <a:lnRef idx="1">
+            <a:schemeClr val="accent1"/>
+          </a:lnRef>
+          <a:fillRef idx="0">
+            <a:schemeClr val="accent1"/>
+          </a:fillRef>
+          <a:effectRef idx="0">
+            <a:schemeClr val="accent1"/>
+          </a:effectRef>
+          <a:fontRef idx="minor">
+            <a:schemeClr val="tx1"/>
+          </a:fontRef>
+        </p:style>
+      </p:cxnSp>
+      <p:cxnSp>
+        <p:nvCxnSpPr>
+          <p:cNvPr id="87" name="肘形连接符 86"/>
+          <p:cNvCxnSpPr>
+            <a:stCxn id="50" idx="3"/>
+            <a:endCxn id="57" idx="1"/>
+          </p:cNvCxnSpPr>
+          <p:nvPr/>
+        </p:nvCxnSpPr>
+        <p:spPr>
+          <a:xfrm flipV="1">
+            <a:off x="4664879" y="4385839"/>
+            <a:ext cx="941396" cy="1056462"/>
+          </a:xfrm>
+          <a:prstGeom prst="bentConnector3">
+            <a:avLst/>
+          </a:prstGeom>
+          <a:ln>
+            <a:solidFill>
+              <a:schemeClr val="tx1"/>
+            </a:solidFill>
+            <a:tailEnd type="triangle"/>
+          </a:ln>
+        </p:spPr>
+        <p:style>
+          <a:lnRef idx="1">
+            <a:schemeClr val="accent1"/>
+          </a:lnRef>
+          <a:fillRef idx="0">
+            <a:schemeClr val="accent1"/>
+          </a:fillRef>
+          <a:effectRef idx="0">
+            <a:schemeClr val="accent1"/>
+          </a:effectRef>
+          <a:fontRef idx="minor">
+            <a:schemeClr val="tx1"/>
+          </a:fontRef>
+        </p:style>
+      </p:cxnSp>
+      <p:cxnSp>
+        <p:nvCxnSpPr>
+          <p:cNvPr id="90" name="直线箭头连接符 89"/>
+          <p:cNvCxnSpPr>
+            <a:stCxn id="57" idx="3"/>
+            <a:endCxn id="61" idx="1"/>
+          </p:cNvCxnSpPr>
+          <p:nvPr/>
+        </p:nvCxnSpPr>
+        <p:spPr>
+          <a:xfrm>
+            <a:off x="6269470" y="4385839"/>
+            <a:ext cx="727406" cy="24"/>
+          </a:xfrm>
+          <a:prstGeom prst="straightConnector1">
+            <a:avLst/>
+          </a:prstGeom>
+          <a:ln>
+            <a:solidFill>
+              <a:schemeClr val="tx1"/>
+            </a:solidFill>
+            <a:tailEnd type="triangle"/>
+          </a:ln>
+        </p:spPr>
+        <p:style>
+          <a:lnRef idx="1">
+            <a:schemeClr val="accent1"/>
+          </a:lnRef>
+          <a:fillRef idx="0">
+            <a:schemeClr val="accent1"/>
+          </a:fillRef>
+          <a:effectRef idx="0">
+            <a:schemeClr val="accent1"/>
+          </a:effectRef>
+          <a:fontRef idx="minor">
+            <a:schemeClr val="tx1"/>
+          </a:fontRef>
+        </p:style>
+      </p:cxnSp>
+      <p:cxnSp>
+        <p:nvCxnSpPr>
+          <p:cNvPr id="93" name="直线箭头连接符 92"/>
+          <p:cNvCxnSpPr>
+            <a:stCxn id="61" idx="3"/>
+            <a:endCxn id="67" idx="1"/>
+          </p:cNvCxnSpPr>
+          <p:nvPr/>
+        </p:nvCxnSpPr>
+        <p:spPr>
+          <a:xfrm>
+            <a:off x="8356716" y="4385863"/>
+            <a:ext cx="494477" cy="0"/>
+          </a:xfrm>
+          <a:prstGeom prst="straightConnector1">
+            <a:avLst/>
+          </a:prstGeom>
+          <a:ln>
+            <a:solidFill>
+              <a:schemeClr val="tx1"/>
+            </a:solidFill>
+            <a:tailEnd type="triangle"/>
+          </a:ln>
+        </p:spPr>
+        <p:style>
+          <a:lnRef idx="1">
+            <a:schemeClr val="accent1"/>
+          </a:lnRef>
+          <a:fillRef idx="0">
+            <a:schemeClr val="accent1"/>
+          </a:fillRef>
+          <a:effectRef idx="0">
+            <a:schemeClr val="accent1"/>
+          </a:effectRef>
+          <a:fontRef idx="minor">
+            <a:schemeClr val="tx1"/>
+          </a:fontRef>
+        </p:style>
+      </p:cxnSp>
+      <p:cxnSp>
+        <p:nvCxnSpPr>
+          <p:cNvPr id="97" name="直线箭头连接符 96"/>
+          <p:cNvCxnSpPr>
+            <a:endCxn id="73" idx="1"/>
+          </p:cNvCxnSpPr>
+          <p:nvPr/>
+        </p:nvCxnSpPr>
+        <p:spPr>
+          <a:xfrm flipV="1">
+            <a:off x="10211033" y="4385862"/>
+            <a:ext cx="637075" cy="8938"/>
+          </a:xfrm>
+          <a:prstGeom prst="straightConnector1">
+            <a:avLst/>
+          </a:prstGeom>
+          <a:ln>
+            <a:solidFill>
+              <a:schemeClr val="tx1"/>
+            </a:solidFill>
+            <a:tailEnd type="triangle"/>
+          </a:ln>
+        </p:spPr>
+        <p:style>
+          <a:lnRef idx="1">
+            <a:schemeClr val="accent1"/>
+          </a:lnRef>
+          <a:fillRef idx="0">
+            <a:schemeClr val="accent1"/>
+          </a:fillRef>
+          <a:effectRef idx="0">
+            <a:schemeClr val="accent1"/>
+          </a:effectRef>
+          <a:fontRef idx="minor">
+            <a:schemeClr val="tx1"/>
+          </a:fontRef>
+        </p:style>
+      </p:cxnSp>
+      <p:sp>
+        <p:nvSpPr>
+          <p:cNvPr id="98" name="矩形 97"/>
+          <p:cNvSpPr/>
+          <p:nvPr/>
+        </p:nvSpPr>
+        <p:spPr>
+          <a:xfrm>
+            <a:off x="193318" y="1444690"/>
+            <a:ext cx="10332671" cy="5184710"/>
+          </a:xfrm>
+          <a:prstGeom prst="rect">
+            <a:avLst/>
+          </a:prstGeom>
+          <a:noFill/>
+          <a:ln w="3175">
+            <a:solidFill>
+              <a:schemeClr val="tx1"/>
+            </a:solidFill>
+            <a:prstDash val="dash"/>
+          </a:ln>
+        </p:spPr>
+        <p:style>
+          <a:lnRef idx="2">
+            <a:schemeClr val="accent1">
+              <a:shade val="50000"/>
+            </a:schemeClr>
+          </a:lnRef>
+          <a:fillRef idx="1">
+            <a:schemeClr val="accent1"/>
+          </a:fillRef>
+          <a:effectRef idx="0">
+            <a:schemeClr val="accent1"/>
+          </a:effectRef>
+          <a:fontRef idx="minor">
+            <a:schemeClr val="lt1"/>
+          </a:fontRef>
+        </p:style>
+        <p:txBody>
+          <a:bodyPr rtlCol="0" anchor="ctr"/>
+          <a:lstStyle/>
+          <a:p>
+            <a:pPr algn="ctr"/>
+            <a:endParaRPr kumimoji="1" lang="zh-CN" altLang="en-US" sz="1600">
+              <a:latin typeface="Microsoft YaHei" charset="-122"/>
+              <a:ea typeface="Microsoft YaHei" charset="-122"/>
+              <a:cs typeface="Microsoft YaHei" charset="-122"/>
+            </a:endParaRPr>
+          </a:p>
+        </p:txBody>
+      </p:sp>
+      <p:sp>
+        <p:nvSpPr>
+          <p:cNvPr id="99" name="文本框 98"/>
+          <p:cNvSpPr txBox="1"/>
+          <p:nvPr/>
+        </p:nvSpPr>
+        <p:spPr>
+          <a:xfrm>
+            <a:off x="8208816" y="1922318"/>
+            <a:ext cx="2103461" cy="369332"/>
+          </a:xfrm>
+          <a:prstGeom prst="rect">
+            <a:avLst/>
+          </a:prstGeom>
+          <a:noFill/>
+        </p:spPr>
+        <p:txBody>
+          <a:bodyPr wrap="none" rtlCol="0">
+            <a:spAutoFit/>
+          </a:bodyPr>
+          <a:lstStyle/>
+          <a:p>
+            <a:r>
+              <a:rPr kumimoji="1" lang="zh-CN" altLang="en-US" dirty="0" smtClean="0"/>
+              <a:t>本论文研究的范围</a:t>
+            </a:r>
+            <a:endParaRPr kumimoji="1" lang="zh-CN" altLang="en-US" dirty="0"/>
+          </a:p>
+        </p:txBody>
+      </p:sp>
+      <p:sp>
+        <p:nvSpPr>
+          <p:cNvPr id="100" name="矩形 99"/>
+          <p:cNvSpPr/>
+          <p:nvPr/>
+        </p:nvSpPr>
+        <p:spPr>
+          <a:xfrm>
+            <a:off x="10600141" y="1444690"/>
+            <a:ext cx="1359795" cy="5184710"/>
+          </a:xfrm>
+          <a:prstGeom prst="rect">
+            <a:avLst/>
+          </a:prstGeom>
+          <a:noFill/>
+          <a:ln>
+            <a:solidFill>
+              <a:schemeClr val="tx1"/>
+            </a:solidFill>
+            <a:prstDash val="dash"/>
+          </a:ln>
+        </p:spPr>
+        <p:style>
+          <a:lnRef idx="2">
+            <a:schemeClr val="accent1">
+              <a:shade val="50000"/>
+            </a:schemeClr>
+          </a:lnRef>
+          <a:fillRef idx="1">
+            <a:schemeClr val="accent1"/>
+          </a:fillRef>
+          <a:effectRef idx="0">
+            <a:schemeClr val="accent1"/>
+          </a:effectRef>
+          <a:fontRef idx="minor">
+            <a:schemeClr val="lt1"/>
+          </a:fontRef>
+        </p:style>
+        <p:txBody>
+          <a:bodyPr rtlCol="0" anchor="ctr"/>
+          <a:lstStyle/>
+          <a:p>
+            <a:pPr algn="ctr"/>
+            <a:endParaRPr kumimoji="1" lang="zh-CN" altLang="en-US" sz="1600">
+              <a:latin typeface="Microsoft YaHei" charset="-122"/>
+              <a:ea typeface="Microsoft YaHei" charset="-122"/>
+              <a:cs typeface="Microsoft YaHei" charset="-122"/>
+            </a:endParaRPr>
+          </a:p>
+        </p:txBody>
+      </p:sp>
+    </p:spTree>
+    <p:extLst>
+      <p:ext uri="{BB962C8B-B14F-4D97-AF65-F5344CB8AC3E}">
+        <p14:creationId xmlns:p14="http://schemas.microsoft.com/office/powerpoint/2010/main" val="1341542782"/>
+      </p:ext>
+    </p:extLst>
+  </p:cSld>
+  <p:clrMapOvr>
+    <a:masterClrMapping/>
+  </p:clrMapOvr>
+  <p:timing>
+    <p:tnLst>
+      <p:par>
+        <p:cTn id="1" dur="indefinite" restart="never" nodeType="tmRoot"/>
+      </p:par>
+    </p:tnLst>
+  </p:timing>
+</p:sld>
+</file>
+
+<file path=ppt/slides/slide3.xml><?xml version="1.0" encoding="utf-8"?>
+<p:sld xmlns:a="http://schemas.openxmlformats.org/drawingml/2006/main" xmlns:r="http://schemas.openxmlformats.org/officeDocument/2006/relationships" xmlns:p="http://schemas.openxmlformats.org/presentationml/2006/main">
+  <p:cSld>
+    <p:spTree>
+      <p:nvGrpSpPr>
+        <p:cNvPr id="1" name=""/>
+        <p:cNvGrpSpPr/>
+        <p:nvPr/>
+      </p:nvGrpSpPr>
+      <p:grpSpPr>
+        <a:xfrm>
+          <a:off x="0" y="0"/>
+          <a:ext cx="0" cy="0"/>
+          <a:chOff x="0" y="0"/>
+          <a:chExt cx="0" cy="0"/>
+        </a:xfrm>
+      </p:grpSpPr>
+      <p:grpSp>
+        <p:nvGrpSpPr>
+          <p:cNvPr id="13" name="组 12"/>
+          <p:cNvGrpSpPr/>
+          <p:nvPr/>
+        </p:nvGrpSpPr>
+        <p:grpSpPr>
+          <a:xfrm>
+            <a:off x="5894304" y="1373932"/>
+            <a:ext cx="3040927" cy="371742"/>
+            <a:chOff x="1345042" y="5994113"/>
+            <a:chExt cx="924791" cy="852055"/>
+          </a:xfrm>
+        </p:grpSpPr>
+        <p:sp>
+          <p:nvSpPr>
+            <p:cNvPr id="14" name="矩形 13"/>
+            <p:cNvSpPr/>
+            <p:nvPr/>
+          </p:nvSpPr>
+          <p:spPr>
+            <a:xfrm>
+              <a:off x="1345042" y="5994113"/>
+              <a:ext cx="924791" cy="852055"/>
+            </a:xfrm>
+            <a:prstGeom prst="rect">
+              <a:avLst/>
+            </a:prstGeom>
+            <a:noFill/>
+            <a:ln>
+              <a:solidFill>
+                <a:schemeClr val="tx1"/>
+              </a:solidFill>
+            </a:ln>
+          </p:spPr>
+          <p:style>
+            <a:lnRef idx="2">
+              <a:schemeClr val="accent1">
+                <a:shade val="50000"/>
+              </a:schemeClr>
+            </a:lnRef>
+            <a:fillRef idx="1">
+              <a:schemeClr val="accent1"/>
+            </a:fillRef>
+            <a:effectRef idx="0">
+              <a:schemeClr val="accent1"/>
+            </a:effectRef>
+            <a:fontRef idx="minor">
+              <a:schemeClr val="lt1"/>
+            </a:fontRef>
+          </p:style>
+          <p:txBody>
+            <a:bodyPr rtlCol="0" anchor="ctr"/>
+            <a:lstStyle/>
+            <a:p>
+              <a:pPr algn="ctr"/>
+              <a:endParaRPr kumimoji="1" lang="zh-CN" altLang="en-US" sz="1600">
+                <a:latin typeface="Microsoft YaHei" charset="-122"/>
+                <a:ea typeface="Microsoft YaHei" charset="-122"/>
+                <a:cs typeface="Microsoft YaHei" charset="-122"/>
+              </a:endParaRPr>
+            </a:p>
+          </p:txBody>
+        </p:sp>
+        <p:sp>
+          <p:nvSpPr>
+            <p:cNvPr id="15" name="文本框 14"/>
+            <p:cNvSpPr txBox="1"/>
+            <p:nvPr/>
+          </p:nvSpPr>
+          <p:spPr>
+            <a:xfrm>
+              <a:off x="1665112" y="6120328"/>
+              <a:ext cx="283333" cy="599626"/>
+            </a:xfrm>
+            <a:prstGeom prst="rect">
+              <a:avLst/>
+            </a:prstGeom>
+            <a:noFill/>
+          </p:spPr>
+          <p:txBody>
+            <a:bodyPr wrap="none" rtlCol="0" anchor="ctr">
+              <a:spAutoFit/>
+            </a:bodyPr>
+            <a:lstStyle/>
+            <a:p>
+              <a:pPr algn="ctr"/>
+              <a:r>
+                <a:rPr kumimoji="1" lang="zh-CN" altLang="en-US" sz="1100" dirty="0" smtClean="0">
+                  <a:latin typeface="Microsoft YaHei" charset="-122"/>
+                  <a:ea typeface="Microsoft YaHei" charset="-122"/>
+                  <a:cs typeface="Microsoft YaHei" charset="-122"/>
+                </a:rPr>
+                <a:t>第一章 绪论</a:t>
+              </a:r>
+              <a:endParaRPr kumimoji="1" lang="zh-CN" altLang="en-US" sz="1100" dirty="0">
+                <a:latin typeface="Microsoft YaHei" charset="-122"/>
+                <a:ea typeface="Microsoft YaHei" charset="-122"/>
+                <a:cs typeface="Microsoft YaHei" charset="-122"/>
+              </a:endParaRPr>
+            </a:p>
+          </p:txBody>
+        </p:sp>
+      </p:grpSp>
+      <p:grpSp>
+        <p:nvGrpSpPr>
+          <p:cNvPr id="18" name="组 17"/>
+          <p:cNvGrpSpPr/>
+          <p:nvPr/>
+        </p:nvGrpSpPr>
+        <p:grpSpPr>
+          <a:xfrm>
+            <a:off x="5894304" y="2056269"/>
+            <a:ext cx="3040927" cy="371742"/>
+            <a:chOff x="1345042" y="5994113"/>
+            <a:chExt cx="924791" cy="852055"/>
+          </a:xfrm>
+        </p:grpSpPr>
+        <p:sp>
+          <p:nvSpPr>
+            <p:cNvPr id="19" name="矩形 18"/>
+            <p:cNvSpPr/>
+            <p:nvPr/>
+          </p:nvSpPr>
+          <p:spPr>
+            <a:xfrm>
+              <a:off x="1345042" y="5994113"/>
+              <a:ext cx="924791" cy="852055"/>
+            </a:xfrm>
+            <a:prstGeom prst="rect">
+              <a:avLst/>
+            </a:prstGeom>
+            <a:noFill/>
+            <a:ln>
+              <a:solidFill>
+                <a:schemeClr val="tx1"/>
+              </a:solidFill>
+            </a:ln>
+          </p:spPr>
+          <p:style>
+            <a:lnRef idx="2">
+              <a:schemeClr val="accent1">
+                <a:shade val="50000"/>
+              </a:schemeClr>
+            </a:lnRef>
+            <a:fillRef idx="1">
+              <a:schemeClr val="accent1"/>
+            </a:fillRef>
+            <a:effectRef idx="0">
+              <a:schemeClr val="accent1"/>
+            </a:effectRef>
+            <a:fontRef idx="minor">
+              <a:schemeClr val="lt1"/>
+            </a:fontRef>
+          </p:style>
+          <p:txBody>
+            <a:bodyPr rtlCol="0" anchor="ctr"/>
+            <a:lstStyle/>
+            <a:p>
+              <a:pPr algn="ctr"/>
+              <a:endParaRPr kumimoji="1" lang="zh-CN" altLang="en-US" sz="1600">
+                <a:latin typeface="Microsoft YaHei" charset="-122"/>
+                <a:ea typeface="Microsoft YaHei" charset="-122"/>
+                <a:cs typeface="Microsoft YaHei" charset="-122"/>
+              </a:endParaRPr>
+            </a:p>
+          </p:txBody>
+        </p:sp>
+        <p:sp>
+          <p:nvSpPr>
+            <p:cNvPr id="20" name="文本框 19"/>
+            <p:cNvSpPr txBox="1"/>
+            <p:nvPr/>
+          </p:nvSpPr>
+          <p:spPr>
+            <a:xfrm>
+              <a:off x="1557863" y="6120328"/>
+              <a:ext cx="497832" cy="599626"/>
+            </a:xfrm>
+            <a:prstGeom prst="rect">
+              <a:avLst/>
+            </a:prstGeom>
+            <a:noFill/>
+          </p:spPr>
+          <p:txBody>
+            <a:bodyPr wrap="none" rtlCol="0" anchor="ctr">
+              <a:spAutoFit/>
+            </a:bodyPr>
+            <a:lstStyle/>
+            <a:p>
+              <a:pPr algn="ctr"/>
+              <a:r>
+                <a:rPr kumimoji="1" lang="zh-CN" altLang="en-US" sz="1100" dirty="0" smtClean="0">
+                  <a:latin typeface="Microsoft YaHei" charset="-122"/>
+                  <a:ea typeface="Microsoft YaHei" charset="-122"/>
+                  <a:cs typeface="Microsoft YaHei" charset="-122"/>
+                </a:rPr>
+                <a:t>第一章 理论和文献综述</a:t>
+              </a:r>
+              <a:endParaRPr kumimoji="1" lang="zh-CN" altLang="en-US" sz="1100" dirty="0">
+                <a:latin typeface="Microsoft YaHei" charset="-122"/>
+                <a:ea typeface="Microsoft YaHei" charset="-122"/>
+                <a:cs typeface="Microsoft YaHei" charset="-122"/>
+              </a:endParaRPr>
+            </a:p>
+          </p:txBody>
+        </p:sp>
+      </p:grpSp>
+      <p:grpSp>
+        <p:nvGrpSpPr>
+          <p:cNvPr id="21" name="组 20"/>
+          <p:cNvGrpSpPr/>
+          <p:nvPr/>
+        </p:nvGrpSpPr>
+        <p:grpSpPr>
+          <a:xfrm>
+            <a:off x="5894304" y="2738606"/>
+            <a:ext cx="3040927" cy="371742"/>
+            <a:chOff x="1345042" y="5994113"/>
+            <a:chExt cx="924791" cy="852055"/>
+          </a:xfrm>
+        </p:grpSpPr>
+        <p:sp>
+          <p:nvSpPr>
+            <p:cNvPr id="22" name="矩形 21"/>
+            <p:cNvSpPr/>
+            <p:nvPr/>
+          </p:nvSpPr>
+          <p:spPr>
+            <a:xfrm>
+              <a:off x="1345042" y="5994113"/>
+              <a:ext cx="924791" cy="852055"/>
+            </a:xfrm>
+            <a:prstGeom prst="rect">
+              <a:avLst/>
+            </a:prstGeom>
+            <a:noFill/>
+            <a:ln>
+              <a:solidFill>
+                <a:schemeClr val="tx1"/>
+              </a:solidFill>
+            </a:ln>
+          </p:spPr>
+          <p:style>
+            <a:lnRef idx="2">
+              <a:schemeClr val="accent1">
+                <a:shade val="50000"/>
+              </a:schemeClr>
+            </a:lnRef>
+            <a:fillRef idx="1">
+              <a:schemeClr val="accent1"/>
+            </a:fillRef>
+            <a:effectRef idx="0">
+              <a:schemeClr val="accent1"/>
+            </a:effectRef>
+            <a:fontRef idx="minor">
+              <a:schemeClr val="lt1"/>
+            </a:fontRef>
+          </p:style>
+          <p:txBody>
+            <a:bodyPr rtlCol="0" anchor="ctr"/>
+            <a:lstStyle/>
+            <a:p>
+              <a:pPr algn="ctr"/>
+              <a:endParaRPr kumimoji="1" lang="zh-CN" altLang="en-US" sz="1600">
+                <a:latin typeface="Microsoft YaHei" charset="-122"/>
+                <a:ea typeface="Microsoft YaHei" charset="-122"/>
+                <a:cs typeface="Microsoft YaHei" charset="-122"/>
+              </a:endParaRPr>
+            </a:p>
+          </p:txBody>
+        </p:sp>
+        <p:sp>
+          <p:nvSpPr>
+            <p:cNvPr id="23" name="文本框 22"/>
+            <p:cNvSpPr txBox="1"/>
+            <p:nvPr/>
+          </p:nvSpPr>
+          <p:spPr>
+            <a:xfrm>
+              <a:off x="1392602" y="6120328"/>
+              <a:ext cx="828355" cy="599626"/>
+            </a:xfrm>
+            <a:prstGeom prst="rect">
+              <a:avLst/>
+            </a:prstGeom>
+            <a:noFill/>
+          </p:spPr>
+          <p:txBody>
+            <a:bodyPr wrap="none" rtlCol="0" anchor="ctr">
+              <a:spAutoFit/>
+            </a:bodyPr>
+            <a:lstStyle/>
+            <a:p>
+              <a:pPr algn="ctr"/>
+              <a:r>
+                <a:rPr kumimoji="1" lang="zh-CN" altLang="en-US" sz="1100" dirty="0" smtClean="0">
+                  <a:latin typeface="Microsoft YaHei" charset="-122"/>
+                  <a:ea typeface="Microsoft YaHei" charset="-122"/>
+                  <a:cs typeface="Microsoft YaHei" charset="-122"/>
+                </a:rPr>
+                <a:t>第三章 </a:t>
+              </a:r>
+              <a:r>
+                <a:rPr kumimoji="1" lang="en-US" altLang="zh-CN" sz="1100" dirty="0" smtClean="0">
+                  <a:latin typeface="Microsoft YaHei" charset="-122"/>
+                  <a:ea typeface="Microsoft YaHei" charset="-122"/>
+                  <a:cs typeface="Microsoft YaHei" charset="-122"/>
+                </a:rPr>
+                <a:t>A</a:t>
+              </a:r>
+              <a:r>
+                <a:rPr kumimoji="1" lang="zh-CN" altLang="en-US" sz="1100" dirty="0" smtClean="0">
+                  <a:latin typeface="Microsoft YaHei" charset="-122"/>
+                  <a:ea typeface="Microsoft YaHei" charset="-122"/>
+                  <a:cs typeface="Microsoft YaHei" charset="-122"/>
+                </a:rPr>
+                <a:t>公司产品规划管理的现状与问题</a:t>
+              </a:r>
+              <a:endParaRPr kumimoji="1" lang="zh-CN" altLang="en-US" sz="1100" dirty="0">
+                <a:latin typeface="Microsoft YaHei" charset="-122"/>
+                <a:ea typeface="Microsoft YaHei" charset="-122"/>
+                <a:cs typeface="Microsoft YaHei" charset="-122"/>
+              </a:endParaRPr>
+            </a:p>
+          </p:txBody>
+        </p:sp>
+      </p:grpSp>
+      <p:grpSp>
+        <p:nvGrpSpPr>
+          <p:cNvPr id="24" name="组 23"/>
+          <p:cNvGrpSpPr/>
+          <p:nvPr/>
+        </p:nvGrpSpPr>
+        <p:grpSpPr>
+          <a:xfrm>
+            <a:off x="5892136" y="3420943"/>
+            <a:ext cx="3040927" cy="371742"/>
+            <a:chOff x="1345042" y="5994113"/>
+            <a:chExt cx="924791" cy="852055"/>
+          </a:xfrm>
+        </p:grpSpPr>
+        <p:sp>
+          <p:nvSpPr>
+            <p:cNvPr id="25" name="矩形 24"/>
+            <p:cNvSpPr/>
+            <p:nvPr/>
+          </p:nvSpPr>
+          <p:spPr>
+            <a:xfrm>
+              <a:off x="1345042" y="5994113"/>
+              <a:ext cx="924791" cy="852055"/>
+            </a:xfrm>
+            <a:prstGeom prst="rect">
+              <a:avLst/>
+            </a:prstGeom>
+            <a:noFill/>
+            <a:ln>
+              <a:solidFill>
+                <a:schemeClr val="tx1"/>
+              </a:solidFill>
+            </a:ln>
+          </p:spPr>
+          <p:style>
+            <a:lnRef idx="2">
+              <a:schemeClr val="accent1">
+                <a:shade val="50000"/>
+              </a:schemeClr>
+            </a:lnRef>
+            <a:fillRef idx="1">
+              <a:schemeClr val="accent1"/>
+            </a:fillRef>
+            <a:effectRef idx="0">
+              <a:schemeClr val="accent1"/>
+            </a:effectRef>
+            <a:fontRef idx="minor">
+              <a:schemeClr val="lt1"/>
+            </a:fontRef>
+          </p:style>
+          <p:txBody>
+            <a:bodyPr rtlCol="0" anchor="ctr"/>
+            <a:lstStyle/>
+            <a:p>
+              <a:pPr algn="ctr"/>
+              <a:endParaRPr kumimoji="1" lang="zh-CN" altLang="en-US" sz="1600">
+                <a:latin typeface="Microsoft YaHei" charset="-122"/>
+                <a:ea typeface="Microsoft YaHei" charset="-122"/>
+                <a:cs typeface="Microsoft YaHei" charset="-122"/>
+              </a:endParaRPr>
+            </a:p>
+          </p:txBody>
+        </p:sp>
+        <p:sp>
+          <p:nvSpPr>
+            <p:cNvPr id="26" name="文本框 25"/>
+            <p:cNvSpPr txBox="1"/>
+            <p:nvPr/>
+          </p:nvSpPr>
+          <p:spPr>
+            <a:xfrm>
+              <a:off x="1468164" y="6120328"/>
+              <a:ext cx="677231" cy="599626"/>
+            </a:xfrm>
+            <a:prstGeom prst="rect">
+              <a:avLst/>
+            </a:prstGeom>
+            <a:noFill/>
+          </p:spPr>
+          <p:txBody>
+            <a:bodyPr wrap="none" rtlCol="0" anchor="ctr">
+              <a:spAutoFit/>
+            </a:bodyPr>
+            <a:lstStyle/>
+            <a:p>
+              <a:pPr algn="ctr"/>
+              <a:r>
+                <a:rPr kumimoji="1" lang="zh-CN" altLang="en-US" sz="1100" dirty="0" smtClean="0">
+                  <a:latin typeface="Microsoft YaHei" charset="-122"/>
+                  <a:ea typeface="Microsoft YaHei" charset="-122"/>
+                  <a:cs typeface="Microsoft YaHei" charset="-122"/>
+                </a:rPr>
+                <a:t>第四章 </a:t>
+              </a:r>
+              <a:r>
+                <a:rPr kumimoji="1" lang="en-US" altLang="zh-CN" sz="1100" dirty="0" smtClean="0">
+                  <a:latin typeface="Microsoft YaHei" charset="-122"/>
+                  <a:ea typeface="Microsoft YaHei" charset="-122"/>
+                  <a:cs typeface="Microsoft YaHei" charset="-122"/>
+                </a:rPr>
+                <a:t>A</a:t>
+              </a:r>
+              <a:r>
+                <a:rPr kumimoji="1" lang="zh-CN" altLang="en-US" sz="1100" dirty="0" smtClean="0">
+                  <a:latin typeface="Microsoft YaHei" charset="-122"/>
+                  <a:ea typeface="Microsoft YaHei" charset="-122"/>
+                  <a:cs typeface="Microsoft YaHei" charset="-122"/>
+                </a:rPr>
+                <a:t>公司产品规划方案设计</a:t>
+              </a:r>
+              <a:endParaRPr kumimoji="1" lang="zh-CN" altLang="en-US" sz="1100" dirty="0">
+                <a:latin typeface="Microsoft YaHei" charset="-122"/>
+                <a:ea typeface="Microsoft YaHei" charset="-122"/>
+                <a:cs typeface="Microsoft YaHei" charset="-122"/>
+              </a:endParaRPr>
+            </a:p>
+          </p:txBody>
+        </p:sp>
+      </p:grpSp>
+      <p:grpSp>
+        <p:nvGrpSpPr>
+          <p:cNvPr id="27" name="组 26"/>
+          <p:cNvGrpSpPr/>
+          <p:nvPr/>
+        </p:nvGrpSpPr>
+        <p:grpSpPr>
+          <a:xfrm>
+            <a:off x="5889972" y="4103280"/>
+            <a:ext cx="3040927" cy="371742"/>
+            <a:chOff x="1345042" y="5994113"/>
+            <a:chExt cx="924791" cy="852055"/>
+          </a:xfrm>
+        </p:grpSpPr>
+        <p:sp>
+          <p:nvSpPr>
+            <p:cNvPr id="28" name="矩形 27"/>
+            <p:cNvSpPr/>
+            <p:nvPr/>
+          </p:nvSpPr>
+          <p:spPr>
+            <a:xfrm>
+              <a:off x="1345042" y="5994113"/>
+              <a:ext cx="924791" cy="852055"/>
+            </a:xfrm>
+            <a:prstGeom prst="rect">
+              <a:avLst/>
+            </a:prstGeom>
+            <a:noFill/>
+            <a:ln>
+              <a:solidFill>
+                <a:schemeClr val="tx1"/>
+              </a:solidFill>
+            </a:ln>
+          </p:spPr>
+          <p:style>
+            <a:lnRef idx="2">
+              <a:schemeClr val="accent1">
+                <a:shade val="50000"/>
+              </a:schemeClr>
+            </a:lnRef>
+            <a:fillRef idx="1">
+              <a:schemeClr val="accent1"/>
+            </a:fillRef>
+            <a:effectRef idx="0">
+              <a:schemeClr val="accent1"/>
+            </a:effectRef>
+            <a:fontRef idx="minor">
+              <a:schemeClr val="lt1"/>
+            </a:fontRef>
+          </p:style>
+          <p:txBody>
+            <a:bodyPr rtlCol="0" anchor="ctr"/>
+            <a:lstStyle/>
+            <a:p>
+              <a:pPr algn="ctr"/>
+              <a:endParaRPr kumimoji="1" lang="zh-CN" altLang="en-US" sz="1600">
+                <a:latin typeface="Microsoft YaHei" charset="-122"/>
+                <a:ea typeface="Microsoft YaHei" charset="-122"/>
+                <a:cs typeface="Microsoft YaHei" charset="-122"/>
+              </a:endParaRPr>
+            </a:p>
+          </p:txBody>
+        </p:sp>
+        <p:sp>
+          <p:nvSpPr>
+            <p:cNvPr id="29" name="文本框 28"/>
+            <p:cNvSpPr txBox="1"/>
+            <p:nvPr/>
+          </p:nvSpPr>
+          <p:spPr>
+            <a:xfrm>
+              <a:off x="1484985" y="6120328"/>
+              <a:ext cx="643594" cy="599626"/>
+            </a:xfrm>
+            <a:prstGeom prst="rect">
+              <a:avLst/>
+            </a:prstGeom>
+            <a:noFill/>
+          </p:spPr>
+          <p:txBody>
+            <a:bodyPr wrap="none" rtlCol="0" anchor="ctr">
+              <a:spAutoFit/>
+            </a:bodyPr>
+            <a:lstStyle/>
+            <a:p>
+              <a:pPr algn="ctr"/>
+              <a:r>
+                <a:rPr kumimoji="1" lang="zh-CN" altLang="en-US" sz="1100" dirty="0" smtClean="0">
+                  <a:latin typeface="Microsoft YaHei" charset="-122"/>
+                  <a:ea typeface="Microsoft YaHei" charset="-122"/>
+                  <a:cs typeface="Microsoft YaHei" charset="-122"/>
+                </a:rPr>
+                <a:t>第五章 方案设计的难点和风险</a:t>
+              </a:r>
+              <a:endParaRPr kumimoji="1" lang="zh-CN" altLang="en-US" sz="1100" dirty="0">
+                <a:latin typeface="Microsoft YaHei" charset="-122"/>
+                <a:ea typeface="Microsoft YaHei" charset="-122"/>
+                <a:cs typeface="Microsoft YaHei" charset="-122"/>
+              </a:endParaRPr>
+            </a:p>
+          </p:txBody>
+        </p:sp>
+      </p:grpSp>
+      <p:grpSp>
+        <p:nvGrpSpPr>
+          <p:cNvPr id="30" name="组 29"/>
+          <p:cNvGrpSpPr/>
+          <p:nvPr/>
+        </p:nvGrpSpPr>
+        <p:grpSpPr>
+          <a:xfrm>
+            <a:off x="5894303" y="4781728"/>
+            <a:ext cx="3040927" cy="371742"/>
+            <a:chOff x="1345042" y="5994113"/>
+            <a:chExt cx="924791" cy="852055"/>
+          </a:xfrm>
+        </p:grpSpPr>
+        <p:sp>
+          <p:nvSpPr>
+            <p:cNvPr id="31" name="矩形 30"/>
+            <p:cNvSpPr/>
+            <p:nvPr/>
+          </p:nvSpPr>
+          <p:spPr>
+            <a:xfrm>
+              <a:off x="1345042" y="5994113"/>
+              <a:ext cx="924791" cy="852055"/>
+            </a:xfrm>
+            <a:prstGeom prst="rect">
+              <a:avLst/>
+            </a:prstGeom>
+            <a:noFill/>
+            <a:ln>
+              <a:solidFill>
+                <a:schemeClr val="tx1"/>
+              </a:solidFill>
+            </a:ln>
+          </p:spPr>
+          <p:style>
+            <a:lnRef idx="2">
+              <a:schemeClr val="accent1">
+                <a:shade val="50000"/>
+              </a:schemeClr>
+            </a:lnRef>
+            <a:fillRef idx="1">
+              <a:schemeClr val="accent1"/>
+            </a:fillRef>
+            <a:effectRef idx="0">
+              <a:schemeClr val="accent1"/>
+            </a:effectRef>
+            <a:fontRef idx="minor">
+              <a:schemeClr val="lt1"/>
+            </a:fontRef>
+          </p:style>
+          <p:txBody>
+            <a:bodyPr rtlCol="0" anchor="ctr"/>
+            <a:lstStyle/>
+            <a:p>
+              <a:pPr algn="ctr"/>
+              <a:endParaRPr kumimoji="1" lang="zh-CN" altLang="en-US" sz="1600">
+                <a:latin typeface="Microsoft YaHei" charset="-122"/>
+                <a:ea typeface="Microsoft YaHei" charset="-122"/>
+                <a:cs typeface="Microsoft YaHei" charset="-122"/>
+              </a:endParaRPr>
+            </a:p>
+          </p:txBody>
+        </p:sp>
+        <p:sp>
+          <p:nvSpPr>
+            <p:cNvPr id="32" name="文本框 31"/>
+            <p:cNvSpPr txBox="1"/>
+            <p:nvPr/>
+          </p:nvSpPr>
+          <p:spPr>
+            <a:xfrm>
+              <a:off x="1643667" y="6120328"/>
+              <a:ext cx="326233" cy="599626"/>
+            </a:xfrm>
+            <a:prstGeom prst="rect">
+              <a:avLst/>
+            </a:prstGeom>
+            <a:noFill/>
+          </p:spPr>
+          <p:txBody>
+            <a:bodyPr wrap="none" rtlCol="0" anchor="ctr">
+              <a:spAutoFit/>
+            </a:bodyPr>
+            <a:lstStyle/>
+            <a:p>
+              <a:pPr algn="ctr"/>
+              <a:r>
+                <a:rPr kumimoji="1" lang="zh-CN" altLang="en-US" sz="1100" dirty="0" smtClean="0">
+                  <a:latin typeface="Microsoft YaHei" charset="-122"/>
+                  <a:ea typeface="Microsoft YaHei" charset="-122"/>
+                  <a:cs typeface="Microsoft YaHei" charset="-122"/>
+                </a:rPr>
+                <a:t>第六章 结束语</a:t>
+              </a:r>
+              <a:endParaRPr kumimoji="1" lang="zh-CN" altLang="en-US" sz="1100" dirty="0">
+                <a:latin typeface="Microsoft YaHei" charset="-122"/>
+                <a:ea typeface="Microsoft YaHei" charset="-122"/>
+                <a:cs typeface="Microsoft YaHei" charset="-122"/>
+              </a:endParaRPr>
+            </a:p>
+          </p:txBody>
+        </p:sp>
+      </p:grpSp>
+      <p:grpSp>
+        <p:nvGrpSpPr>
+          <p:cNvPr id="33" name="组 32"/>
+          <p:cNvGrpSpPr/>
+          <p:nvPr/>
+        </p:nvGrpSpPr>
+        <p:grpSpPr>
+          <a:xfrm>
+            <a:off x="2932162" y="1373932"/>
+            <a:ext cx="1212566" cy="371742"/>
+            <a:chOff x="1345042" y="5994113"/>
+            <a:chExt cx="924791" cy="852055"/>
+          </a:xfrm>
+        </p:grpSpPr>
+        <p:sp>
+          <p:nvSpPr>
+            <p:cNvPr id="34" name="矩形 33"/>
+            <p:cNvSpPr/>
+            <p:nvPr/>
+          </p:nvSpPr>
+          <p:spPr>
+            <a:xfrm>
+              <a:off x="1345042" y="5994113"/>
+              <a:ext cx="924791" cy="852055"/>
+            </a:xfrm>
+            <a:prstGeom prst="rect">
+              <a:avLst/>
+            </a:prstGeom>
+            <a:noFill/>
+            <a:ln>
+              <a:solidFill>
+                <a:schemeClr val="tx1"/>
+              </a:solidFill>
+            </a:ln>
+          </p:spPr>
+          <p:style>
+            <a:lnRef idx="2">
+              <a:schemeClr val="accent1">
+                <a:shade val="50000"/>
+              </a:schemeClr>
+            </a:lnRef>
+            <a:fillRef idx="1">
+              <a:schemeClr val="accent1"/>
+            </a:fillRef>
+            <a:effectRef idx="0">
+              <a:schemeClr val="accent1"/>
+            </a:effectRef>
+            <a:fontRef idx="minor">
+              <a:schemeClr val="lt1"/>
+            </a:fontRef>
+          </p:style>
+          <p:txBody>
+            <a:bodyPr rtlCol="0" anchor="ctr"/>
+            <a:lstStyle/>
+            <a:p>
+              <a:pPr algn="ctr"/>
+              <a:endParaRPr kumimoji="1" lang="zh-CN" altLang="en-US" sz="1600">
+                <a:latin typeface="Microsoft YaHei" charset="-122"/>
+                <a:ea typeface="Microsoft YaHei" charset="-122"/>
+                <a:cs typeface="Microsoft YaHei" charset="-122"/>
+              </a:endParaRPr>
+            </a:p>
+          </p:txBody>
+        </p:sp>
+        <p:sp>
+          <p:nvSpPr>
+            <p:cNvPr id="35" name="文本框 34"/>
+            <p:cNvSpPr txBox="1"/>
+            <p:nvPr/>
+          </p:nvSpPr>
+          <p:spPr>
+            <a:xfrm>
+              <a:off x="1628771" y="6120328"/>
+              <a:ext cx="356011" cy="599626"/>
+            </a:xfrm>
+            <a:prstGeom prst="rect">
+              <a:avLst/>
+            </a:prstGeom>
+            <a:noFill/>
+          </p:spPr>
+          <p:txBody>
+            <a:bodyPr wrap="none" rtlCol="0" anchor="ctr">
+              <a:spAutoFit/>
+            </a:bodyPr>
+            <a:lstStyle/>
+            <a:p>
+              <a:pPr algn="ctr"/>
+              <a:r>
+                <a:rPr kumimoji="1" lang="zh-CN" altLang="en-US" sz="1100" dirty="0" smtClean="0">
+                  <a:latin typeface="Microsoft YaHei" charset="-122"/>
+                  <a:ea typeface="Microsoft YaHei" charset="-122"/>
+                  <a:cs typeface="Microsoft YaHei" charset="-122"/>
+                </a:rPr>
+                <a:t>开始</a:t>
+              </a:r>
+              <a:endParaRPr kumimoji="1" lang="zh-CN" altLang="en-US" sz="1100" dirty="0">
+                <a:latin typeface="Microsoft YaHei" charset="-122"/>
+                <a:ea typeface="Microsoft YaHei" charset="-122"/>
+                <a:cs typeface="Microsoft YaHei" charset="-122"/>
+              </a:endParaRPr>
+            </a:p>
+          </p:txBody>
+        </p:sp>
+      </p:grpSp>
+      <p:grpSp>
+        <p:nvGrpSpPr>
+          <p:cNvPr id="36" name="组 35"/>
+          <p:cNvGrpSpPr/>
+          <p:nvPr/>
+        </p:nvGrpSpPr>
+        <p:grpSpPr>
+          <a:xfrm>
+            <a:off x="2931295" y="2055206"/>
+            <a:ext cx="1212566" cy="371742"/>
+            <a:chOff x="1345042" y="5994113"/>
+            <a:chExt cx="924791" cy="852055"/>
+          </a:xfrm>
+        </p:grpSpPr>
+        <p:sp>
+          <p:nvSpPr>
+            <p:cNvPr id="37" name="矩形 36"/>
+            <p:cNvSpPr/>
+            <p:nvPr/>
+          </p:nvSpPr>
+          <p:spPr>
+            <a:xfrm>
+              <a:off x="1345042" y="5994113"/>
+              <a:ext cx="924791" cy="852055"/>
+            </a:xfrm>
+            <a:prstGeom prst="rect">
+              <a:avLst/>
+            </a:prstGeom>
+            <a:noFill/>
+            <a:ln>
+              <a:solidFill>
+                <a:schemeClr val="tx1"/>
+              </a:solidFill>
+            </a:ln>
+          </p:spPr>
+          <p:style>
+            <a:lnRef idx="2">
+              <a:schemeClr val="accent1">
+                <a:shade val="50000"/>
+              </a:schemeClr>
+            </a:lnRef>
+            <a:fillRef idx="1">
+              <a:schemeClr val="accent1"/>
+            </a:fillRef>
+            <a:effectRef idx="0">
+              <a:schemeClr val="accent1"/>
+            </a:effectRef>
+            <a:fontRef idx="minor">
+              <a:schemeClr val="lt1"/>
+            </a:fontRef>
+          </p:style>
+          <p:txBody>
+            <a:bodyPr rtlCol="0" anchor="ctr"/>
+            <a:lstStyle/>
+            <a:p>
+              <a:pPr algn="ctr"/>
+              <a:endParaRPr kumimoji="1" lang="zh-CN" altLang="en-US" sz="1600">
+                <a:latin typeface="Microsoft YaHei" charset="-122"/>
+                <a:ea typeface="Microsoft YaHei" charset="-122"/>
+                <a:cs typeface="Microsoft YaHei" charset="-122"/>
+              </a:endParaRPr>
+            </a:p>
+          </p:txBody>
+        </p:sp>
+        <p:sp>
+          <p:nvSpPr>
+            <p:cNvPr id="38" name="文本框 37"/>
+            <p:cNvSpPr txBox="1"/>
+            <p:nvPr/>
+          </p:nvSpPr>
+          <p:spPr>
+            <a:xfrm>
+              <a:off x="1359811" y="6120328"/>
+              <a:ext cx="893941" cy="599626"/>
+            </a:xfrm>
+            <a:prstGeom prst="rect">
+              <a:avLst/>
+            </a:prstGeom>
+            <a:noFill/>
+          </p:spPr>
+          <p:txBody>
+            <a:bodyPr wrap="none" rtlCol="0" anchor="ctr">
+              <a:spAutoFit/>
+            </a:bodyPr>
+            <a:lstStyle/>
+            <a:p>
+              <a:pPr algn="ctr"/>
+              <a:r>
+                <a:rPr kumimoji="1" lang="zh-CN" altLang="en-US" sz="1100" dirty="0" smtClean="0">
+                  <a:latin typeface="Microsoft YaHei" charset="-122"/>
+                  <a:ea typeface="Microsoft YaHei" charset="-122"/>
+                  <a:cs typeface="Microsoft YaHei" charset="-122"/>
+                </a:rPr>
+                <a:t>理论和研究现状</a:t>
+              </a:r>
+              <a:endParaRPr kumimoji="1" lang="zh-CN" altLang="en-US" sz="1100" dirty="0">
+                <a:latin typeface="Microsoft YaHei" charset="-122"/>
+                <a:ea typeface="Microsoft YaHei" charset="-122"/>
+                <a:cs typeface="Microsoft YaHei" charset="-122"/>
+              </a:endParaRPr>
+            </a:p>
+          </p:txBody>
+        </p:sp>
+      </p:grpSp>
+      <p:grpSp>
+        <p:nvGrpSpPr>
+          <p:cNvPr id="39" name="组 38"/>
+          <p:cNvGrpSpPr/>
+          <p:nvPr/>
+        </p:nvGrpSpPr>
+        <p:grpSpPr>
+          <a:xfrm>
+            <a:off x="2931295" y="2738606"/>
+            <a:ext cx="1212566" cy="371742"/>
+            <a:chOff x="1345042" y="5994113"/>
+            <a:chExt cx="924791" cy="852055"/>
+          </a:xfrm>
+        </p:grpSpPr>
+        <p:sp>
+          <p:nvSpPr>
+            <p:cNvPr id="40" name="矩形 39"/>
+            <p:cNvSpPr/>
+            <p:nvPr/>
+          </p:nvSpPr>
+          <p:spPr>
+            <a:xfrm>
+              <a:off x="1345042" y="5994113"/>
+              <a:ext cx="924791" cy="852055"/>
+            </a:xfrm>
+            <a:prstGeom prst="rect">
+              <a:avLst/>
+            </a:prstGeom>
+            <a:noFill/>
+            <a:ln>
+              <a:solidFill>
+                <a:schemeClr val="tx1"/>
+              </a:solidFill>
+            </a:ln>
+          </p:spPr>
+          <p:style>
+            <a:lnRef idx="2">
+              <a:schemeClr val="accent1">
+                <a:shade val="50000"/>
+              </a:schemeClr>
+            </a:lnRef>
+            <a:fillRef idx="1">
+              <a:schemeClr val="accent1"/>
+            </a:fillRef>
+            <a:effectRef idx="0">
+              <a:schemeClr val="accent1"/>
+            </a:effectRef>
+            <a:fontRef idx="minor">
+              <a:schemeClr val="lt1"/>
+            </a:fontRef>
+          </p:style>
+          <p:txBody>
+            <a:bodyPr rtlCol="0" anchor="ctr"/>
+            <a:lstStyle/>
+            <a:p>
+              <a:pPr algn="ctr"/>
+              <a:endParaRPr kumimoji="1" lang="zh-CN" altLang="en-US" sz="1600">
+                <a:latin typeface="Microsoft YaHei" charset="-122"/>
+                <a:ea typeface="Microsoft YaHei" charset="-122"/>
+                <a:cs typeface="Microsoft YaHei" charset="-122"/>
+              </a:endParaRPr>
+            </a:p>
+          </p:txBody>
+        </p:sp>
+        <p:sp>
+          <p:nvSpPr>
+            <p:cNvPr id="41" name="文本框 40"/>
+            <p:cNvSpPr txBox="1"/>
+            <p:nvPr/>
+          </p:nvSpPr>
+          <p:spPr>
+            <a:xfrm>
+              <a:off x="1521193" y="6120328"/>
+              <a:ext cx="571183" cy="599626"/>
+            </a:xfrm>
+            <a:prstGeom prst="rect">
+              <a:avLst/>
+            </a:prstGeom>
+            <a:noFill/>
+          </p:spPr>
+          <p:txBody>
+            <a:bodyPr wrap="none" rtlCol="0" anchor="ctr">
+              <a:spAutoFit/>
+            </a:bodyPr>
+            <a:lstStyle/>
+            <a:p>
+              <a:pPr algn="ctr"/>
+              <a:r>
+                <a:rPr kumimoji="1" lang="zh-CN" altLang="en-US" sz="1100" dirty="0" smtClean="0">
+                  <a:latin typeface="Microsoft YaHei" charset="-122"/>
+                  <a:ea typeface="Microsoft YaHei" charset="-122"/>
+                  <a:cs typeface="Microsoft YaHei" charset="-122"/>
+                </a:rPr>
+                <a:t>分析问题</a:t>
+              </a:r>
+              <a:endParaRPr kumimoji="1" lang="zh-CN" altLang="en-US" sz="1100" dirty="0">
+                <a:latin typeface="Microsoft YaHei" charset="-122"/>
+                <a:ea typeface="Microsoft YaHei" charset="-122"/>
+                <a:cs typeface="Microsoft YaHei" charset="-122"/>
+              </a:endParaRPr>
+            </a:p>
+          </p:txBody>
+        </p:sp>
+      </p:grpSp>
+      <p:grpSp>
+        <p:nvGrpSpPr>
+          <p:cNvPr id="42" name="组 41"/>
+          <p:cNvGrpSpPr/>
+          <p:nvPr/>
+        </p:nvGrpSpPr>
+        <p:grpSpPr>
+          <a:xfrm>
+            <a:off x="2931295" y="3786604"/>
+            <a:ext cx="1212566" cy="371742"/>
+            <a:chOff x="1345042" y="5994113"/>
+            <a:chExt cx="924791" cy="852055"/>
+          </a:xfrm>
+        </p:grpSpPr>
+        <p:sp>
+          <p:nvSpPr>
+            <p:cNvPr id="43" name="矩形 42"/>
+            <p:cNvSpPr/>
+            <p:nvPr/>
+          </p:nvSpPr>
+          <p:spPr>
+            <a:xfrm>
+              <a:off x="1345042" y="5994113"/>
+              <a:ext cx="924791" cy="852055"/>
+            </a:xfrm>
+            <a:prstGeom prst="rect">
+              <a:avLst/>
+            </a:prstGeom>
+            <a:noFill/>
+            <a:ln>
+              <a:solidFill>
+                <a:schemeClr val="tx1"/>
+              </a:solidFill>
+            </a:ln>
+          </p:spPr>
+          <p:style>
+            <a:lnRef idx="2">
+              <a:schemeClr val="accent1">
+                <a:shade val="50000"/>
+              </a:schemeClr>
+            </a:lnRef>
+            <a:fillRef idx="1">
+              <a:schemeClr val="accent1"/>
+            </a:fillRef>
+            <a:effectRef idx="0">
+              <a:schemeClr val="accent1"/>
+            </a:effectRef>
+            <a:fontRef idx="minor">
+              <a:schemeClr val="lt1"/>
+            </a:fontRef>
+          </p:style>
+          <p:txBody>
+            <a:bodyPr rtlCol="0" anchor="ctr"/>
+            <a:lstStyle/>
+            <a:p>
+              <a:pPr algn="ctr"/>
+              <a:endParaRPr kumimoji="1" lang="zh-CN" altLang="en-US" sz="1600">
+                <a:latin typeface="Microsoft YaHei" charset="-122"/>
+                <a:ea typeface="Microsoft YaHei" charset="-122"/>
+                <a:cs typeface="Microsoft YaHei" charset="-122"/>
+              </a:endParaRPr>
+            </a:p>
+          </p:txBody>
+        </p:sp>
+        <p:sp>
+          <p:nvSpPr>
+            <p:cNvPr id="44" name="文本框 43"/>
+            <p:cNvSpPr txBox="1"/>
+            <p:nvPr/>
+          </p:nvSpPr>
+          <p:spPr>
+            <a:xfrm>
+              <a:off x="1521190" y="6120328"/>
+              <a:ext cx="571183" cy="599626"/>
+            </a:xfrm>
+            <a:prstGeom prst="rect">
+              <a:avLst/>
+            </a:prstGeom>
+            <a:noFill/>
+          </p:spPr>
+          <p:txBody>
+            <a:bodyPr wrap="none" rtlCol="0" anchor="ctr">
+              <a:spAutoFit/>
+            </a:bodyPr>
+            <a:lstStyle/>
+            <a:p>
+              <a:pPr algn="ctr"/>
+              <a:r>
+                <a:rPr kumimoji="1" lang="zh-CN" altLang="en-US" sz="1100" dirty="0" smtClean="0">
+                  <a:latin typeface="Microsoft YaHei" charset="-122"/>
+                  <a:ea typeface="Microsoft YaHei" charset="-122"/>
+                  <a:cs typeface="Microsoft YaHei" charset="-122"/>
+                </a:rPr>
+                <a:t>解决问题</a:t>
+              </a:r>
+              <a:endParaRPr kumimoji="1" lang="zh-CN" altLang="en-US" sz="1100" dirty="0">
+                <a:latin typeface="Microsoft YaHei" charset="-122"/>
+                <a:ea typeface="Microsoft YaHei" charset="-122"/>
+                <a:cs typeface="Microsoft YaHei" charset="-122"/>
+              </a:endParaRPr>
+            </a:p>
+          </p:txBody>
+        </p:sp>
+      </p:grpSp>
+      <p:grpSp>
+        <p:nvGrpSpPr>
+          <p:cNvPr id="45" name="组 44"/>
+          <p:cNvGrpSpPr/>
+          <p:nvPr/>
+        </p:nvGrpSpPr>
+        <p:grpSpPr>
+          <a:xfrm>
+            <a:off x="2931295" y="4787667"/>
+            <a:ext cx="1212566" cy="371742"/>
+            <a:chOff x="1345042" y="5994113"/>
+            <a:chExt cx="924791" cy="852055"/>
+          </a:xfrm>
+        </p:grpSpPr>
+        <p:sp>
+          <p:nvSpPr>
+            <p:cNvPr id="46" name="矩形 45"/>
+            <p:cNvSpPr/>
+            <p:nvPr/>
+          </p:nvSpPr>
+          <p:spPr>
+            <a:xfrm>
+              <a:off x="1345042" y="5994113"/>
+              <a:ext cx="924791" cy="852055"/>
+            </a:xfrm>
+            <a:prstGeom prst="rect">
+              <a:avLst/>
+            </a:prstGeom>
+            <a:noFill/>
+            <a:ln>
+              <a:solidFill>
+                <a:schemeClr val="tx1"/>
+              </a:solidFill>
+            </a:ln>
+          </p:spPr>
+          <p:style>
+            <a:lnRef idx="2">
+              <a:schemeClr val="accent1">
+                <a:shade val="50000"/>
+              </a:schemeClr>
+            </a:lnRef>
+            <a:fillRef idx="1">
+              <a:schemeClr val="accent1"/>
+            </a:fillRef>
+            <a:effectRef idx="0">
+              <a:schemeClr val="accent1"/>
+            </a:effectRef>
+            <a:fontRef idx="minor">
+              <a:schemeClr val="lt1"/>
+            </a:fontRef>
+          </p:style>
+          <p:txBody>
+            <a:bodyPr rtlCol="0" anchor="ctr"/>
+            <a:lstStyle/>
+            <a:p>
+              <a:pPr algn="ctr"/>
+              <a:endParaRPr kumimoji="1" lang="zh-CN" altLang="en-US" sz="1600">
+                <a:latin typeface="Microsoft YaHei" charset="-122"/>
+                <a:ea typeface="Microsoft YaHei" charset="-122"/>
+                <a:cs typeface="Microsoft YaHei" charset="-122"/>
+              </a:endParaRPr>
+            </a:p>
+          </p:txBody>
+        </p:sp>
+        <p:sp>
+          <p:nvSpPr>
+            <p:cNvPr id="47" name="文本框 46"/>
+            <p:cNvSpPr txBox="1"/>
+            <p:nvPr/>
+          </p:nvSpPr>
+          <p:spPr>
+            <a:xfrm>
+              <a:off x="1629386" y="6120328"/>
+              <a:ext cx="354789" cy="599626"/>
+            </a:xfrm>
+            <a:prstGeom prst="rect">
+              <a:avLst/>
+            </a:prstGeom>
+            <a:noFill/>
+          </p:spPr>
+          <p:txBody>
+            <a:bodyPr wrap="none" rtlCol="0" anchor="ctr">
+              <a:spAutoFit/>
+            </a:bodyPr>
+            <a:lstStyle/>
+            <a:p>
+              <a:pPr algn="ctr"/>
+              <a:r>
+                <a:rPr kumimoji="1" lang="zh-CN" altLang="en-US" sz="1100" dirty="0" smtClean="0">
+                  <a:latin typeface="Microsoft YaHei" charset="-122"/>
+                  <a:ea typeface="Microsoft YaHei" charset="-122"/>
+                  <a:cs typeface="Microsoft YaHei" charset="-122"/>
+                </a:rPr>
+                <a:t>结束</a:t>
+              </a:r>
+              <a:endParaRPr kumimoji="1" lang="zh-CN" altLang="en-US" sz="1100" dirty="0">
+                <a:latin typeface="Microsoft YaHei" charset="-122"/>
+                <a:ea typeface="Microsoft YaHei" charset="-122"/>
+                <a:cs typeface="Microsoft YaHei" charset="-122"/>
+              </a:endParaRPr>
+            </a:p>
+          </p:txBody>
+        </p:sp>
+      </p:grpSp>
+      <p:cxnSp>
+        <p:nvCxnSpPr>
+          <p:cNvPr id="52" name="直线连接符 51"/>
+          <p:cNvCxnSpPr>
+            <a:stCxn id="34" idx="3"/>
+            <a:endCxn id="14" idx="1"/>
+          </p:cNvCxnSpPr>
+          <p:nvPr/>
+        </p:nvCxnSpPr>
+        <p:spPr>
+          <a:xfrm>
+            <a:off x="4144728" y="1559803"/>
+            <a:ext cx="1749576" cy="0"/>
+          </a:xfrm>
+          <a:prstGeom prst="line">
+            <a:avLst/>
+          </a:prstGeom>
+          <a:ln>
+            <a:solidFill>
+              <a:schemeClr val="tx1"/>
+            </a:solidFill>
+            <a:prstDash val="dash"/>
+          </a:ln>
+        </p:spPr>
+        <p:style>
+          <a:lnRef idx="1">
+            <a:schemeClr val="accent1"/>
+          </a:lnRef>
+          <a:fillRef idx="0">
+            <a:schemeClr val="accent1"/>
+          </a:fillRef>
+          <a:effectRef idx="0">
+            <a:schemeClr val="accent1"/>
+          </a:effectRef>
+          <a:fontRef idx="minor">
+            <a:schemeClr val="tx1"/>
+          </a:fontRef>
+        </p:style>
+      </p:cxnSp>
+      <p:cxnSp>
+        <p:nvCxnSpPr>
+          <p:cNvPr id="53" name="直线连接符 52"/>
+          <p:cNvCxnSpPr/>
+          <p:nvPr/>
+        </p:nvCxnSpPr>
+        <p:spPr>
+          <a:xfrm>
+            <a:off x="4144728" y="2241077"/>
+            <a:ext cx="1749576" cy="0"/>
+          </a:xfrm>
+          <a:prstGeom prst="line">
+            <a:avLst/>
+          </a:prstGeom>
+          <a:ln>
+            <a:solidFill>
+              <a:schemeClr val="tx1"/>
+            </a:solidFill>
+            <a:prstDash val="dash"/>
+          </a:ln>
+        </p:spPr>
+        <p:style>
+          <a:lnRef idx="1">
+            <a:schemeClr val="accent1"/>
+          </a:lnRef>
+          <a:fillRef idx="0">
+            <a:schemeClr val="accent1"/>
+          </a:fillRef>
+          <a:effectRef idx="0">
+            <a:schemeClr val="accent1"/>
+          </a:effectRef>
+          <a:fontRef idx="minor">
+            <a:schemeClr val="tx1"/>
+          </a:fontRef>
+        </p:style>
+      </p:cxnSp>
+      <p:cxnSp>
+        <p:nvCxnSpPr>
+          <p:cNvPr id="54" name="直线连接符 53"/>
+          <p:cNvCxnSpPr/>
+          <p:nvPr/>
+        </p:nvCxnSpPr>
+        <p:spPr>
+          <a:xfrm>
+            <a:off x="4144728" y="2924477"/>
+            <a:ext cx="1749576" cy="0"/>
+          </a:xfrm>
+          <a:prstGeom prst="line">
+            <a:avLst/>
+          </a:prstGeom>
+          <a:ln>
+            <a:solidFill>
+              <a:schemeClr val="tx1"/>
+            </a:solidFill>
+            <a:prstDash val="dash"/>
+          </a:ln>
+        </p:spPr>
+        <p:style>
+          <a:lnRef idx="1">
+            <a:schemeClr val="accent1"/>
+          </a:lnRef>
+          <a:fillRef idx="0">
+            <a:schemeClr val="accent1"/>
+          </a:fillRef>
+          <a:effectRef idx="0">
+            <a:schemeClr val="accent1"/>
+          </a:effectRef>
+          <a:fontRef idx="minor">
+            <a:schemeClr val="tx1"/>
+          </a:fontRef>
+        </p:style>
+      </p:cxnSp>
+      <p:cxnSp>
+        <p:nvCxnSpPr>
+          <p:cNvPr id="55" name="直线连接符 54"/>
+          <p:cNvCxnSpPr>
+            <a:stCxn id="43" idx="3"/>
+            <a:endCxn id="25" idx="1"/>
+          </p:cNvCxnSpPr>
+          <p:nvPr/>
+        </p:nvCxnSpPr>
+        <p:spPr>
+          <a:xfrm flipV="1">
+            <a:off x="4143861" y="3606814"/>
+            <a:ext cx="1748275" cy="365661"/>
+          </a:xfrm>
+          <a:prstGeom prst="line">
+            <a:avLst/>
+          </a:prstGeom>
+          <a:ln>
+            <a:solidFill>
+              <a:schemeClr val="tx1"/>
+            </a:solidFill>
+            <a:prstDash val="dash"/>
+          </a:ln>
+        </p:spPr>
+        <p:style>
+          <a:lnRef idx="1">
+            <a:schemeClr val="accent1"/>
+          </a:lnRef>
+          <a:fillRef idx="0">
+            <a:schemeClr val="accent1"/>
+          </a:fillRef>
+          <a:effectRef idx="0">
+            <a:schemeClr val="accent1"/>
+          </a:effectRef>
+          <a:fontRef idx="minor">
+            <a:schemeClr val="tx1"/>
+          </a:fontRef>
+        </p:style>
+      </p:cxnSp>
+      <p:cxnSp>
+        <p:nvCxnSpPr>
+          <p:cNvPr id="58" name="直线连接符 57"/>
+          <p:cNvCxnSpPr>
+            <a:stCxn id="43" idx="3"/>
+            <a:endCxn id="28" idx="1"/>
+          </p:cNvCxnSpPr>
+          <p:nvPr/>
+        </p:nvCxnSpPr>
+        <p:spPr>
+          <a:xfrm>
+            <a:off x="4143861" y="3972475"/>
+            <a:ext cx="1746111" cy="316676"/>
+          </a:xfrm>
+          <a:prstGeom prst="line">
+            <a:avLst/>
+          </a:prstGeom>
+          <a:ln>
+            <a:solidFill>
+              <a:schemeClr val="tx1"/>
+            </a:solidFill>
+            <a:prstDash val="dash"/>
+          </a:ln>
+        </p:spPr>
+        <p:style>
+          <a:lnRef idx="1">
+            <a:schemeClr val="accent1"/>
+          </a:lnRef>
+          <a:fillRef idx="0">
+            <a:schemeClr val="accent1"/>
+          </a:fillRef>
+          <a:effectRef idx="0">
+            <a:schemeClr val="accent1"/>
+          </a:effectRef>
+          <a:fontRef idx="minor">
+            <a:schemeClr val="tx1"/>
+          </a:fontRef>
+        </p:style>
+      </p:cxnSp>
+      <p:cxnSp>
+        <p:nvCxnSpPr>
+          <p:cNvPr id="61" name="直线连接符 60"/>
+          <p:cNvCxnSpPr/>
+          <p:nvPr/>
+        </p:nvCxnSpPr>
+        <p:spPr>
+          <a:xfrm>
+            <a:off x="4143861" y="4967599"/>
+            <a:ext cx="1749576" cy="0"/>
+          </a:xfrm>
+          <a:prstGeom prst="line">
+            <a:avLst/>
+          </a:prstGeom>
+          <a:ln>
+            <a:solidFill>
+              <a:schemeClr val="tx1"/>
+            </a:solidFill>
+            <a:prstDash val="dash"/>
+          </a:ln>
+        </p:spPr>
+        <p:style>
+          <a:lnRef idx="1">
+            <a:schemeClr val="accent1"/>
+          </a:lnRef>
+          <a:fillRef idx="0">
+            <a:schemeClr val="accent1"/>
+          </a:fillRef>
+          <a:effectRef idx="0">
+            <a:schemeClr val="accent1"/>
+          </a:effectRef>
+          <a:fontRef idx="minor">
+            <a:schemeClr val="tx1"/>
+          </a:fontRef>
+        </p:style>
+      </p:cxnSp>
+      <p:sp>
+        <p:nvSpPr>
+          <p:cNvPr id="62" name="文本框 61"/>
+          <p:cNvSpPr txBox="1"/>
+          <p:nvPr/>
+        </p:nvSpPr>
+        <p:spPr>
+          <a:xfrm>
+            <a:off x="4438203" y="1296442"/>
+            <a:ext cx="1082348" cy="246221"/>
+          </a:xfrm>
+          <a:prstGeom prst="rect">
+            <a:avLst/>
+          </a:prstGeom>
+          <a:noFill/>
+        </p:spPr>
+        <p:txBody>
+          <a:bodyPr wrap="none" rtlCol="0">
+            <a:spAutoFit/>
+          </a:bodyPr>
+          <a:lstStyle/>
+          <a:p>
+            <a:r>
+              <a:rPr kumimoji="1" lang="zh-CN" altLang="en-US" sz="1000" dirty="0" smtClean="0">
+                <a:latin typeface="Microsoft YaHei" charset="-122"/>
+                <a:ea typeface="Microsoft YaHei" charset="-122"/>
+                <a:cs typeface="Microsoft YaHei" charset="-122"/>
+              </a:rPr>
+              <a:t>背景</a:t>
+            </a:r>
+            <a:r>
+              <a:rPr kumimoji="1" lang="zh-CN" altLang="en-US" sz="1000" smtClean="0">
+                <a:latin typeface="Microsoft YaHei" charset="-122"/>
+                <a:ea typeface="Microsoft YaHei" charset="-122"/>
+                <a:cs typeface="Microsoft YaHei" charset="-122"/>
+              </a:rPr>
+              <a:t>和选题来源</a:t>
+            </a:r>
+            <a:endParaRPr kumimoji="1" lang="zh-CN" altLang="en-US" sz="1000">
+              <a:latin typeface="Microsoft YaHei" charset="-122"/>
+              <a:ea typeface="Microsoft YaHei" charset="-122"/>
+              <a:cs typeface="Microsoft YaHei" charset="-122"/>
+            </a:endParaRPr>
+          </a:p>
+        </p:txBody>
+      </p:sp>
+      <p:sp>
+        <p:nvSpPr>
+          <p:cNvPr id="63" name="文本框 62"/>
+          <p:cNvSpPr txBox="1"/>
+          <p:nvPr/>
+        </p:nvSpPr>
+        <p:spPr>
+          <a:xfrm>
+            <a:off x="4285982" y="1576944"/>
+            <a:ext cx="1467068" cy="246221"/>
+          </a:xfrm>
+          <a:prstGeom prst="rect">
+            <a:avLst/>
+          </a:prstGeom>
+          <a:noFill/>
+        </p:spPr>
+        <p:txBody>
+          <a:bodyPr wrap="none" rtlCol="0">
+            <a:spAutoFit/>
+          </a:bodyPr>
+          <a:lstStyle/>
+          <a:p>
+            <a:r>
+              <a:rPr kumimoji="1" lang="zh-CN" altLang="en-US" sz="1000" dirty="0" smtClean="0">
+                <a:latin typeface="Microsoft YaHei" charset="-122"/>
+                <a:ea typeface="Microsoft YaHei" charset="-122"/>
+                <a:cs typeface="Microsoft YaHei" charset="-122"/>
+              </a:rPr>
+              <a:t>研究意义、思路和方法</a:t>
+            </a:r>
+            <a:endParaRPr kumimoji="1" lang="zh-CN" altLang="en-US" sz="1000" dirty="0">
+              <a:latin typeface="Microsoft YaHei" charset="-122"/>
+              <a:ea typeface="Microsoft YaHei" charset="-122"/>
+              <a:cs typeface="Microsoft YaHei" charset="-122"/>
+            </a:endParaRPr>
+          </a:p>
+        </p:txBody>
+      </p:sp>
+      <p:sp>
+        <p:nvSpPr>
+          <p:cNvPr id="64" name="文本框 63"/>
+          <p:cNvSpPr txBox="1"/>
+          <p:nvPr/>
+        </p:nvSpPr>
+        <p:spPr>
+          <a:xfrm>
+            <a:off x="4283382" y="1987161"/>
+            <a:ext cx="1467068" cy="246221"/>
+          </a:xfrm>
+          <a:prstGeom prst="rect">
+            <a:avLst/>
+          </a:prstGeom>
+          <a:noFill/>
+        </p:spPr>
+        <p:txBody>
+          <a:bodyPr wrap="none" rtlCol="0">
+            <a:spAutoFit/>
+          </a:bodyPr>
+          <a:lstStyle/>
+          <a:p>
+            <a:r>
+              <a:rPr kumimoji="1" lang="zh-CN" altLang="en-US" sz="1000" dirty="0" smtClean="0">
+                <a:latin typeface="Microsoft YaHei" charset="-122"/>
+                <a:ea typeface="Microsoft YaHei" charset="-122"/>
+                <a:cs typeface="Microsoft YaHei" charset="-122"/>
+              </a:rPr>
+              <a:t>概念、理论、工具介绍</a:t>
+            </a:r>
+            <a:endParaRPr kumimoji="1" lang="zh-CN" altLang="en-US" sz="1000" dirty="0">
+              <a:latin typeface="Microsoft YaHei" charset="-122"/>
+              <a:ea typeface="Microsoft YaHei" charset="-122"/>
+              <a:cs typeface="Microsoft YaHei" charset="-122"/>
+            </a:endParaRPr>
+          </a:p>
+        </p:txBody>
+      </p:sp>
+      <p:sp>
+        <p:nvSpPr>
+          <p:cNvPr id="65" name="文本框 64"/>
+          <p:cNvSpPr txBox="1"/>
+          <p:nvPr/>
+        </p:nvSpPr>
+        <p:spPr>
+          <a:xfrm>
+            <a:off x="4301047" y="2274267"/>
+            <a:ext cx="1338828" cy="246221"/>
+          </a:xfrm>
+          <a:prstGeom prst="rect">
+            <a:avLst/>
+          </a:prstGeom>
+          <a:noFill/>
+        </p:spPr>
+        <p:txBody>
+          <a:bodyPr wrap="none" rtlCol="0">
+            <a:spAutoFit/>
+          </a:bodyPr>
+          <a:lstStyle/>
+          <a:p>
+            <a:r>
+              <a:rPr kumimoji="1" lang="zh-CN" altLang="en-US" sz="1000" dirty="0" smtClean="0">
+                <a:latin typeface="Microsoft YaHei" charset="-122"/>
+                <a:ea typeface="Microsoft YaHei" charset="-122"/>
+                <a:cs typeface="Microsoft YaHei" charset="-122"/>
+              </a:rPr>
+              <a:t>研究现状和文献综述</a:t>
+            </a:r>
+            <a:endParaRPr kumimoji="1" lang="zh-CN" altLang="en-US" sz="1000" dirty="0">
+              <a:latin typeface="Microsoft YaHei" charset="-122"/>
+              <a:ea typeface="Microsoft YaHei" charset="-122"/>
+              <a:cs typeface="Microsoft YaHei" charset="-122"/>
+            </a:endParaRPr>
+          </a:p>
+        </p:txBody>
+      </p:sp>
+      <p:sp>
+        <p:nvSpPr>
+          <p:cNvPr id="66" name="文本框 65"/>
+          <p:cNvSpPr txBox="1"/>
+          <p:nvPr/>
+        </p:nvSpPr>
+        <p:spPr>
+          <a:xfrm>
+            <a:off x="4134558" y="2647550"/>
+            <a:ext cx="1723549" cy="246221"/>
+          </a:xfrm>
+          <a:prstGeom prst="rect">
+            <a:avLst/>
+          </a:prstGeom>
+          <a:noFill/>
+        </p:spPr>
+        <p:txBody>
+          <a:bodyPr wrap="none" rtlCol="0">
+            <a:spAutoFit/>
+          </a:bodyPr>
+          <a:lstStyle/>
+          <a:p>
+            <a:r>
+              <a:rPr kumimoji="1" lang="zh-CN" altLang="en-US" sz="1000" dirty="0" smtClean="0">
+                <a:latin typeface="Microsoft YaHei" charset="-122"/>
+                <a:ea typeface="Microsoft YaHei" charset="-122"/>
+                <a:cs typeface="Microsoft YaHei" charset="-122"/>
+              </a:rPr>
+              <a:t>研究对象的行业分析和战略</a:t>
+            </a:r>
+            <a:endParaRPr kumimoji="1" lang="zh-CN" altLang="en-US" sz="1000" dirty="0">
+              <a:latin typeface="Microsoft YaHei" charset="-122"/>
+              <a:ea typeface="Microsoft YaHei" charset="-122"/>
+              <a:cs typeface="Microsoft YaHei" charset="-122"/>
+            </a:endParaRPr>
+          </a:p>
+        </p:txBody>
+      </p:sp>
+      <p:sp>
+        <p:nvSpPr>
+          <p:cNvPr id="67" name="文本框 66"/>
+          <p:cNvSpPr txBox="1"/>
+          <p:nvPr/>
+        </p:nvSpPr>
+        <p:spPr>
+          <a:xfrm>
+            <a:off x="4180058" y="2932171"/>
+            <a:ext cx="1640193" cy="246221"/>
+          </a:xfrm>
+          <a:prstGeom prst="rect">
+            <a:avLst/>
+          </a:prstGeom>
+          <a:noFill/>
+        </p:spPr>
+        <p:txBody>
+          <a:bodyPr wrap="none" rtlCol="0">
+            <a:spAutoFit/>
+          </a:bodyPr>
+          <a:lstStyle/>
+          <a:p>
+            <a:r>
+              <a:rPr kumimoji="1" lang="zh-CN" altLang="en-US" sz="1000" dirty="0" smtClean="0">
+                <a:latin typeface="Microsoft YaHei" charset="-122"/>
+                <a:ea typeface="Microsoft YaHei" charset="-122"/>
+                <a:cs typeface="Microsoft YaHei" charset="-122"/>
+              </a:rPr>
+              <a:t>产品规划</a:t>
+            </a:r>
+            <a:r>
+              <a:rPr kumimoji="1" lang="zh-CN" altLang="en-US" sz="1000" smtClean="0">
+                <a:latin typeface="Microsoft YaHei" charset="-122"/>
+                <a:ea typeface="Microsoft YaHei" charset="-122"/>
+                <a:cs typeface="Microsoft YaHei" charset="-122"/>
+              </a:rPr>
+              <a:t>管理现状和问题</a:t>
+            </a:r>
+            <a:endParaRPr kumimoji="1" lang="zh-CN" altLang="en-US" sz="1000" dirty="0">
+              <a:latin typeface="Microsoft YaHei" charset="-122"/>
+              <a:ea typeface="Microsoft YaHei" charset="-122"/>
+              <a:cs typeface="Microsoft YaHei" charset="-122"/>
+            </a:endParaRPr>
+          </a:p>
+        </p:txBody>
+      </p:sp>
+      <p:sp>
+        <p:nvSpPr>
+          <p:cNvPr id="68" name="文本框 67"/>
+          <p:cNvSpPr txBox="1"/>
+          <p:nvPr/>
+        </p:nvSpPr>
+        <p:spPr>
+          <a:xfrm rot="20840002">
+            <a:off x="4117369" y="3516001"/>
+            <a:ext cx="1851789" cy="246221"/>
+          </a:xfrm>
+          <a:prstGeom prst="rect">
+            <a:avLst/>
+          </a:prstGeom>
+          <a:noFill/>
+        </p:spPr>
+        <p:txBody>
+          <a:bodyPr wrap="none" rtlCol="0">
+            <a:spAutoFit/>
+          </a:bodyPr>
+          <a:lstStyle/>
+          <a:p>
+            <a:r>
+              <a:rPr kumimoji="1" lang="zh-CN" altLang="en-US" sz="1000" dirty="0" smtClean="0">
+                <a:latin typeface="Microsoft YaHei" charset="-122"/>
+                <a:ea typeface="Microsoft YaHei" charset="-122"/>
+                <a:cs typeface="Microsoft YaHei" charset="-122"/>
+              </a:rPr>
+              <a:t>市场定位、产品规划和路线图</a:t>
+            </a:r>
+            <a:endParaRPr kumimoji="1" lang="zh-CN" altLang="en-US" sz="1000" dirty="0">
+              <a:latin typeface="Microsoft YaHei" charset="-122"/>
+              <a:ea typeface="Microsoft YaHei" charset="-122"/>
+              <a:cs typeface="Microsoft YaHei" charset="-122"/>
+            </a:endParaRPr>
+          </a:p>
+        </p:txBody>
+      </p:sp>
+      <p:sp>
+        <p:nvSpPr>
+          <p:cNvPr id="69" name="文本框 68"/>
+          <p:cNvSpPr txBox="1"/>
+          <p:nvPr/>
+        </p:nvSpPr>
+        <p:spPr>
+          <a:xfrm rot="620944">
+            <a:off x="4093900" y="4126584"/>
+            <a:ext cx="1851789" cy="246221"/>
+          </a:xfrm>
+          <a:prstGeom prst="rect">
+            <a:avLst/>
+          </a:prstGeom>
+          <a:noFill/>
+        </p:spPr>
+        <p:txBody>
+          <a:bodyPr wrap="none" rtlCol="0">
+            <a:spAutoFit/>
+          </a:bodyPr>
+          <a:lstStyle/>
+          <a:p>
+            <a:r>
+              <a:rPr kumimoji="1" lang="zh-CN" altLang="en-US" sz="1000" dirty="0" smtClean="0">
+                <a:latin typeface="Microsoft YaHei" charset="-122"/>
+                <a:ea typeface="Microsoft YaHei" charset="-122"/>
+                <a:cs typeface="Microsoft YaHei" charset="-122"/>
+              </a:rPr>
+              <a:t>组织保障、机制、人才和文化</a:t>
+            </a:r>
+            <a:endParaRPr kumimoji="1" lang="zh-CN" altLang="en-US" sz="1000" dirty="0">
+              <a:latin typeface="Microsoft YaHei" charset="-122"/>
+              <a:ea typeface="Microsoft YaHei" charset="-122"/>
+              <a:cs typeface="Microsoft YaHei" charset="-122"/>
+            </a:endParaRPr>
+          </a:p>
+        </p:txBody>
+      </p:sp>
+      <p:sp>
+        <p:nvSpPr>
+          <p:cNvPr id="70" name="文本框 69"/>
+          <p:cNvSpPr txBox="1"/>
+          <p:nvPr/>
+        </p:nvSpPr>
+        <p:spPr>
+          <a:xfrm>
+            <a:off x="4672642" y="3843230"/>
+            <a:ext cx="697627" cy="246221"/>
+          </a:xfrm>
+          <a:prstGeom prst="rect">
+            <a:avLst/>
+          </a:prstGeom>
+          <a:noFill/>
+        </p:spPr>
+        <p:txBody>
+          <a:bodyPr wrap="none" rtlCol="0">
+            <a:spAutoFit/>
+          </a:bodyPr>
+          <a:lstStyle/>
+          <a:p>
+            <a:r>
+              <a:rPr kumimoji="1" lang="zh-CN" altLang="en-US" sz="1000" dirty="0" smtClean="0">
+                <a:latin typeface="Microsoft YaHei" charset="-122"/>
+                <a:ea typeface="Microsoft YaHei" charset="-122"/>
+                <a:cs typeface="Microsoft YaHei" charset="-122"/>
+              </a:rPr>
+              <a:t>整体思路</a:t>
+            </a:r>
+            <a:endParaRPr kumimoji="1" lang="zh-CN" altLang="en-US" sz="1000" dirty="0">
+              <a:latin typeface="Microsoft YaHei" charset="-122"/>
+              <a:ea typeface="Microsoft YaHei" charset="-122"/>
+              <a:cs typeface="Microsoft YaHei" charset="-122"/>
+            </a:endParaRPr>
+          </a:p>
+        </p:txBody>
+      </p:sp>
+      <p:sp>
+        <p:nvSpPr>
+          <p:cNvPr id="71" name="文本框 70"/>
+          <p:cNvSpPr txBox="1"/>
+          <p:nvPr/>
+        </p:nvSpPr>
+        <p:spPr>
+          <a:xfrm>
+            <a:off x="4429287" y="4704537"/>
+            <a:ext cx="1082348" cy="246221"/>
+          </a:xfrm>
+          <a:prstGeom prst="rect">
+            <a:avLst/>
+          </a:prstGeom>
+          <a:noFill/>
+        </p:spPr>
+        <p:txBody>
+          <a:bodyPr wrap="none" rtlCol="0">
+            <a:spAutoFit/>
+          </a:bodyPr>
+          <a:lstStyle/>
+          <a:p>
+            <a:r>
+              <a:rPr kumimoji="1" lang="zh-CN" altLang="en-US" sz="1000" smtClean="0">
+                <a:latin typeface="Microsoft YaHei" charset="-122"/>
+                <a:ea typeface="Microsoft YaHei" charset="-122"/>
+                <a:cs typeface="Microsoft YaHei" charset="-122"/>
+              </a:rPr>
+              <a:t>全文回顾和总结</a:t>
+            </a:r>
+            <a:endParaRPr kumimoji="1" lang="zh-CN" altLang="en-US" sz="1000" dirty="0">
+              <a:latin typeface="Microsoft YaHei" charset="-122"/>
+              <a:ea typeface="Microsoft YaHei" charset="-122"/>
+              <a:cs typeface="Microsoft YaHei" charset="-122"/>
+            </a:endParaRPr>
+          </a:p>
+        </p:txBody>
+      </p:sp>
+      <p:sp>
+        <p:nvSpPr>
+          <p:cNvPr id="72" name="文本框 71"/>
+          <p:cNvSpPr txBox="1"/>
+          <p:nvPr/>
+        </p:nvSpPr>
+        <p:spPr>
+          <a:xfrm>
+            <a:off x="4455158" y="4995049"/>
+            <a:ext cx="954107" cy="246221"/>
+          </a:xfrm>
+          <a:prstGeom prst="rect">
+            <a:avLst/>
+          </a:prstGeom>
+          <a:noFill/>
+        </p:spPr>
+        <p:txBody>
+          <a:bodyPr wrap="none" rtlCol="0">
+            <a:spAutoFit/>
+          </a:bodyPr>
+          <a:lstStyle/>
+          <a:p>
+            <a:r>
+              <a:rPr kumimoji="1" lang="zh-CN" altLang="en-US" sz="1000" dirty="0" smtClean="0">
+                <a:latin typeface="Microsoft YaHei" charset="-122"/>
+                <a:ea typeface="Microsoft YaHei" charset="-122"/>
+                <a:cs typeface="Microsoft YaHei" charset="-122"/>
+              </a:rPr>
+              <a:t>创新性和不足</a:t>
+            </a:r>
+            <a:endParaRPr kumimoji="1" lang="zh-CN" altLang="en-US" sz="1000" dirty="0">
+              <a:latin typeface="Microsoft YaHei" charset="-122"/>
+              <a:ea typeface="Microsoft YaHei" charset="-122"/>
+              <a:cs typeface="Microsoft YaHei" charset="-122"/>
+            </a:endParaRPr>
+          </a:p>
+        </p:txBody>
+      </p:sp>
+    </p:spTree>
+    <p:extLst>
+      <p:ext uri="{BB962C8B-B14F-4D97-AF65-F5344CB8AC3E}">
+        <p14:creationId xmlns:p14="http://schemas.microsoft.com/office/powerpoint/2010/main" val="227702831"/>
+      </p:ext>
+    </p:extLst>
+  </p:cSld>
+  <p:clrMapOvr>
+    <a:masterClrMapping/>
+  </p:clrMapOvr>
+</p:sld>
+</file>
+
+<file path=ppt/slides/slide4.xml><?xml version="1.0" encoding="utf-8"?>
+<p:sld xmlns:a="http://schemas.openxmlformats.org/drawingml/2006/main" xmlns:r="http://schemas.openxmlformats.org/officeDocument/2006/relationships" xmlns:p="http://schemas.openxmlformats.org/presentationml/2006/main">
+  <p:cSld>
+    <p:spTree>
+      <p:nvGrpSpPr>
+        <p:cNvPr id="1" name=""/>
+        <p:cNvGrpSpPr/>
+        <p:nvPr/>
+      </p:nvGrpSpPr>
+      <p:grpSpPr>
+        <a:xfrm>
+          <a:off x="0" y="0"/>
+          <a:ext cx="0" cy="0"/>
+          <a:chOff x="0" y="0"/>
+          <a:chExt cx="0" cy="0"/>
+        </a:xfrm>
+      </p:grpSpPr>
+      <p:grpSp>
+        <p:nvGrpSpPr>
+          <p:cNvPr id="5" name="组 4"/>
+          <p:cNvGrpSpPr/>
+          <p:nvPr/>
+        </p:nvGrpSpPr>
+        <p:grpSpPr>
+          <a:xfrm>
+            <a:off x="3566740" y="1010250"/>
+            <a:ext cx="2023569" cy="371742"/>
+            <a:chOff x="1345042" y="5994113"/>
+            <a:chExt cx="924791" cy="852055"/>
+          </a:xfrm>
+        </p:grpSpPr>
+        <p:sp>
+          <p:nvSpPr>
+            <p:cNvPr id="6" name="矩形 5"/>
+            <p:cNvSpPr/>
+            <p:nvPr/>
+          </p:nvSpPr>
+          <p:spPr>
+            <a:xfrm>
+              <a:off x="1345042" y="5994113"/>
+              <a:ext cx="924791" cy="852055"/>
+            </a:xfrm>
+            <a:prstGeom prst="rect">
+              <a:avLst/>
+            </a:prstGeom>
+            <a:noFill/>
+            <a:ln>
+              <a:solidFill>
+                <a:schemeClr val="tx1"/>
+              </a:solidFill>
+            </a:ln>
+          </p:spPr>
+          <p:style>
+            <a:lnRef idx="2">
+              <a:schemeClr val="accent1">
+                <a:shade val="50000"/>
+              </a:schemeClr>
+            </a:lnRef>
+            <a:fillRef idx="1">
+              <a:schemeClr val="accent1"/>
+            </a:fillRef>
+            <a:effectRef idx="0">
+              <a:schemeClr val="accent1"/>
+            </a:effectRef>
+            <a:fontRef idx="minor">
+              <a:schemeClr val="lt1"/>
+            </a:fontRef>
+          </p:style>
+          <p:txBody>
+            <a:bodyPr rtlCol="0" anchor="ctr"/>
+            <a:lstStyle/>
+            <a:p>
+              <a:pPr algn="ctr"/>
+              <a:endParaRPr kumimoji="1" lang="zh-CN" altLang="en-US" sz="1600">
+                <a:latin typeface="Microsoft YaHei" charset="-122"/>
+                <a:ea typeface="Microsoft YaHei" charset="-122"/>
+                <a:cs typeface="Microsoft YaHei" charset="-122"/>
+              </a:endParaRPr>
+            </a:p>
+          </p:txBody>
+        </p:sp>
+        <p:sp>
+          <p:nvSpPr>
+            <p:cNvPr id="7" name="文本框 6"/>
+            <p:cNvSpPr txBox="1"/>
+            <p:nvPr/>
+          </p:nvSpPr>
+          <p:spPr>
+            <a:xfrm>
+              <a:off x="1506711" y="6120328"/>
+              <a:ext cx="600136" cy="599626"/>
+            </a:xfrm>
+            <a:prstGeom prst="rect">
+              <a:avLst/>
+            </a:prstGeom>
+            <a:noFill/>
+          </p:spPr>
+          <p:txBody>
+            <a:bodyPr wrap="none" rtlCol="0" anchor="ctr">
+              <a:spAutoFit/>
+            </a:bodyPr>
+            <a:lstStyle/>
+            <a:p>
+              <a:pPr algn="ctr"/>
+              <a:r>
+                <a:rPr kumimoji="1" lang="zh-CN" altLang="en-US" sz="1100" dirty="0" smtClean="0">
+                  <a:latin typeface="Microsoft YaHei" charset="-122"/>
+                  <a:ea typeface="Microsoft YaHei" charset="-122"/>
+                  <a:cs typeface="Microsoft YaHei" charset="-122"/>
+                </a:rPr>
+                <a:t>目标市场定位分析</a:t>
+              </a:r>
+              <a:endParaRPr kumimoji="1" lang="zh-CN" altLang="en-US" sz="1100" dirty="0">
+                <a:latin typeface="Microsoft YaHei" charset="-122"/>
+                <a:ea typeface="Microsoft YaHei" charset="-122"/>
+                <a:cs typeface="Microsoft YaHei" charset="-122"/>
+              </a:endParaRPr>
+            </a:p>
+          </p:txBody>
+        </p:sp>
+      </p:grpSp>
+      <p:grpSp>
+        <p:nvGrpSpPr>
+          <p:cNvPr id="8" name="组 7"/>
+          <p:cNvGrpSpPr/>
+          <p:nvPr/>
+        </p:nvGrpSpPr>
+        <p:grpSpPr>
+          <a:xfrm>
+            <a:off x="6638986" y="1010250"/>
+            <a:ext cx="2023569" cy="371742"/>
+            <a:chOff x="1345042" y="5994113"/>
+            <a:chExt cx="924791" cy="852055"/>
+          </a:xfrm>
+        </p:grpSpPr>
+        <p:sp>
+          <p:nvSpPr>
+            <p:cNvPr id="9" name="矩形 8"/>
+            <p:cNvSpPr/>
+            <p:nvPr/>
+          </p:nvSpPr>
+          <p:spPr>
+            <a:xfrm>
+              <a:off x="1345042" y="5994113"/>
+              <a:ext cx="924791" cy="852055"/>
+            </a:xfrm>
+            <a:prstGeom prst="rect">
+              <a:avLst/>
+            </a:prstGeom>
+            <a:noFill/>
+            <a:ln>
+              <a:solidFill>
+                <a:schemeClr val="tx1"/>
+              </a:solidFill>
+            </a:ln>
+          </p:spPr>
+          <p:style>
+            <a:lnRef idx="2">
+              <a:schemeClr val="accent1">
+                <a:shade val="50000"/>
+              </a:schemeClr>
+            </a:lnRef>
+            <a:fillRef idx="1">
+              <a:schemeClr val="accent1"/>
+            </a:fillRef>
+            <a:effectRef idx="0">
+              <a:schemeClr val="accent1"/>
+            </a:effectRef>
+            <a:fontRef idx="minor">
+              <a:schemeClr val="lt1"/>
+            </a:fontRef>
+          </p:style>
+          <p:txBody>
+            <a:bodyPr rtlCol="0" anchor="ctr"/>
+            <a:lstStyle/>
+            <a:p>
+              <a:pPr algn="ctr"/>
+              <a:endParaRPr kumimoji="1" lang="zh-CN" altLang="en-US" sz="1600">
+                <a:latin typeface="Microsoft YaHei" charset="-122"/>
+                <a:ea typeface="Microsoft YaHei" charset="-122"/>
+                <a:cs typeface="Microsoft YaHei" charset="-122"/>
+              </a:endParaRPr>
+            </a:p>
+          </p:txBody>
+        </p:sp>
+        <p:sp>
+          <p:nvSpPr>
+            <p:cNvPr id="10" name="文本框 9"/>
+            <p:cNvSpPr txBox="1"/>
+            <p:nvPr/>
+          </p:nvSpPr>
+          <p:spPr>
+            <a:xfrm>
+              <a:off x="1474478" y="6120328"/>
+              <a:ext cx="664604" cy="599626"/>
+            </a:xfrm>
+            <a:prstGeom prst="rect">
+              <a:avLst/>
+            </a:prstGeom>
+            <a:noFill/>
+          </p:spPr>
+          <p:txBody>
+            <a:bodyPr wrap="none" rtlCol="0" anchor="ctr">
+              <a:spAutoFit/>
+            </a:bodyPr>
+            <a:lstStyle/>
+            <a:p>
+              <a:pPr algn="ctr"/>
+              <a:r>
+                <a:rPr kumimoji="1" lang="zh-CN" altLang="en-US" sz="1100" dirty="0" smtClean="0">
+                  <a:latin typeface="Microsoft YaHei" charset="-122"/>
+                  <a:ea typeface="Microsoft YaHei" charset="-122"/>
+                  <a:cs typeface="Microsoft YaHei" charset="-122"/>
+                </a:rPr>
+                <a:t>产品规划与综合评价</a:t>
+              </a:r>
+              <a:endParaRPr kumimoji="1" lang="zh-CN" altLang="en-US" sz="1100" dirty="0">
+                <a:latin typeface="Microsoft YaHei" charset="-122"/>
+                <a:ea typeface="Microsoft YaHei" charset="-122"/>
+                <a:cs typeface="Microsoft YaHei" charset="-122"/>
+              </a:endParaRPr>
+            </a:p>
+          </p:txBody>
+        </p:sp>
+      </p:grpSp>
+      <p:grpSp>
+        <p:nvGrpSpPr>
+          <p:cNvPr id="11" name="组 10"/>
+          <p:cNvGrpSpPr/>
+          <p:nvPr/>
+        </p:nvGrpSpPr>
+        <p:grpSpPr>
+          <a:xfrm>
+            <a:off x="5132304" y="1962750"/>
+            <a:ext cx="2023569" cy="371742"/>
+            <a:chOff x="1345042" y="5994113"/>
+            <a:chExt cx="924791" cy="852055"/>
+          </a:xfrm>
+        </p:grpSpPr>
+        <p:sp>
+          <p:nvSpPr>
+            <p:cNvPr id="12" name="矩形 11"/>
+            <p:cNvSpPr/>
+            <p:nvPr/>
+          </p:nvSpPr>
+          <p:spPr>
+            <a:xfrm>
+              <a:off x="1345042" y="5994113"/>
+              <a:ext cx="924791" cy="852055"/>
+            </a:xfrm>
+            <a:prstGeom prst="rect">
+              <a:avLst/>
+            </a:prstGeom>
+            <a:noFill/>
+            <a:ln>
+              <a:solidFill>
+                <a:schemeClr val="tx1"/>
+              </a:solidFill>
+            </a:ln>
+          </p:spPr>
+          <p:style>
+            <a:lnRef idx="2">
+              <a:schemeClr val="accent1">
+                <a:shade val="50000"/>
+              </a:schemeClr>
+            </a:lnRef>
+            <a:fillRef idx="1">
+              <a:schemeClr val="accent1"/>
+            </a:fillRef>
+            <a:effectRef idx="0">
+              <a:schemeClr val="accent1"/>
+            </a:effectRef>
+            <a:fontRef idx="minor">
+              <a:schemeClr val="lt1"/>
+            </a:fontRef>
+          </p:style>
+          <p:txBody>
+            <a:bodyPr rtlCol="0" anchor="ctr"/>
+            <a:lstStyle/>
+            <a:p>
+              <a:pPr algn="ctr"/>
+              <a:endParaRPr kumimoji="1" lang="zh-CN" altLang="en-US" sz="1600">
+                <a:latin typeface="Microsoft YaHei" charset="-122"/>
+                <a:ea typeface="Microsoft YaHei" charset="-122"/>
+                <a:cs typeface="Microsoft YaHei" charset="-122"/>
+              </a:endParaRPr>
+            </a:p>
+          </p:txBody>
+        </p:sp>
+        <p:sp>
+          <p:nvSpPr>
+            <p:cNvPr id="13" name="文本框 12"/>
+            <p:cNvSpPr txBox="1"/>
+            <p:nvPr/>
+          </p:nvSpPr>
+          <p:spPr>
+            <a:xfrm>
+              <a:off x="1571178" y="6120328"/>
+              <a:ext cx="471200" cy="599626"/>
+            </a:xfrm>
+            <a:prstGeom prst="rect">
+              <a:avLst/>
+            </a:prstGeom>
+            <a:noFill/>
+          </p:spPr>
+          <p:txBody>
+            <a:bodyPr wrap="none" rtlCol="0" anchor="ctr">
+              <a:spAutoFit/>
+            </a:bodyPr>
+            <a:lstStyle/>
+            <a:p>
+              <a:pPr algn="ctr"/>
+              <a:r>
+                <a:rPr kumimoji="1" lang="zh-CN" altLang="en-US" sz="1100" dirty="0" smtClean="0">
+                  <a:latin typeface="Microsoft YaHei" charset="-122"/>
+                  <a:ea typeface="Microsoft YaHei" charset="-122"/>
+                  <a:cs typeface="Microsoft YaHei" charset="-122"/>
+                </a:rPr>
+                <a:t>市场综合分析</a:t>
+              </a:r>
+              <a:endParaRPr kumimoji="1" lang="zh-CN" altLang="en-US" sz="1100" dirty="0">
+                <a:latin typeface="Microsoft YaHei" charset="-122"/>
+                <a:ea typeface="Microsoft YaHei" charset="-122"/>
+                <a:cs typeface="Microsoft YaHei" charset="-122"/>
+              </a:endParaRPr>
+            </a:p>
+          </p:txBody>
+        </p:sp>
+      </p:grpSp>
+      <p:grpSp>
+        <p:nvGrpSpPr>
+          <p:cNvPr id="14" name="组 13"/>
+          <p:cNvGrpSpPr/>
+          <p:nvPr/>
+        </p:nvGrpSpPr>
+        <p:grpSpPr>
+          <a:xfrm>
+            <a:off x="3565299" y="2782500"/>
+            <a:ext cx="2023569" cy="2631164"/>
+            <a:chOff x="1345042" y="5960918"/>
+            <a:chExt cx="924791" cy="918447"/>
+          </a:xfrm>
+        </p:grpSpPr>
+        <p:sp>
+          <p:nvSpPr>
+            <p:cNvPr id="15" name="矩形 14"/>
+            <p:cNvSpPr/>
+            <p:nvPr/>
+          </p:nvSpPr>
+          <p:spPr>
+            <a:xfrm>
+              <a:off x="1345042" y="5994112"/>
+              <a:ext cx="924791" cy="852055"/>
+            </a:xfrm>
+            <a:prstGeom prst="rect">
+              <a:avLst/>
+            </a:prstGeom>
+            <a:noFill/>
+            <a:ln>
+              <a:solidFill>
+                <a:schemeClr val="tx1"/>
+              </a:solidFill>
+            </a:ln>
+          </p:spPr>
+          <p:style>
+            <a:lnRef idx="2">
+              <a:schemeClr val="accent1">
+                <a:shade val="50000"/>
+              </a:schemeClr>
+            </a:lnRef>
+            <a:fillRef idx="1">
+              <a:schemeClr val="accent1"/>
+            </a:fillRef>
+            <a:effectRef idx="0">
+              <a:schemeClr val="accent1"/>
+            </a:effectRef>
+            <a:fontRef idx="minor">
+              <a:schemeClr val="lt1"/>
+            </a:fontRef>
+          </p:style>
+          <p:txBody>
+            <a:bodyPr rtlCol="0" anchor="ctr"/>
+            <a:lstStyle/>
+            <a:p>
+              <a:pPr algn="ctr"/>
+              <a:endParaRPr kumimoji="1" lang="zh-CN" altLang="en-US" sz="1600">
+                <a:latin typeface="Microsoft YaHei" charset="-122"/>
+                <a:ea typeface="Microsoft YaHei" charset="-122"/>
+                <a:cs typeface="Microsoft YaHei" charset="-122"/>
+              </a:endParaRPr>
+            </a:p>
+          </p:txBody>
+        </p:sp>
+        <p:sp>
+          <p:nvSpPr>
+            <p:cNvPr id="16" name="文本框 15"/>
+            <p:cNvSpPr txBox="1"/>
+            <p:nvPr/>
+          </p:nvSpPr>
+          <p:spPr>
+            <a:xfrm>
+              <a:off x="1506714" y="5960918"/>
+              <a:ext cx="600136" cy="918447"/>
+            </a:xfrm>
+            <a:prstGeom prst="rect">
+              <a:avLst/>
+            </a:prstGeom>
+            <a:noFill/>
+          </p:spPr>
+          <p:txBody>
+            <a:bodyPr wrap="none" rtlCol="0" anchor="ctr">
+              <a:spAutoFit/>
+            </a:bodyPr>
+            <a:lstStyle/>
+            <a:p>
+              <a:pPr algn="ctr">
+                <a:lnSpc>
+                  <a:spcPct val="150000"/>
+                </a:lnSpc>
+              </a:pPr>
+              <a:r>
+                <a:rPr kumimoji="1" lang="zh-CN" altLang="en-US" sz="1100" dirty="0" smtClean="0">
+                  <a:latin typeface="Microsoft YaHei" charset="-122"/>
+                  <a:ea typeface="Microsoft YaHei" charset="-122"/>
+                  <a:cs typeface="Microsoft YaHei" charset="-122"/>
+                </a:rPr>
+                <a:t>环境分析</a:t>
+              </a:r>
+              <a:endParaRPr kumimoji="1" lang="en-US" altLang="zh-CN" sz="1100" dirty="0" smtClean="0">
+                <a:latin typeface="Microsoft YaHei" charset="-122"/>
+                <a:ea typeface="Microsoft YaHei" charset="-122"/>
+                <a:cs typeface="Microsoft YaHei" charset="-122"/>
+              </a:endParaRPr>
+            </a:p>
+            <a:p>
+              <a:pPr algn="ctr">
+                <a:lnSpc>
+                  <a:spcPct val="150000"/>
+                </a:lnSpc>
+              </a:pPr>
+              <a:r>
+                <a:rPr kumimoji="1" lang="zh-CN" altLang="en-US" sz="1100" dirty="0" smtClean="0">
+                  <a:latin typeface="Microsoft YaHei" charset="-122"/>
+                  <a:ea typeface="Microsoft YaHei" charset="-122"/>
+                  <a:cs typeface="Microsoft YaHei" charset="-122"/>
+                </a:rPr>
+                <a:t>竞争分析</a:t>
+              </a:r>
+              <a:endParaRPr kumimoji="1" lang="en-US" altLang="zh-CN" sz="1100" dirty="0" smtClean="0">
+                <a:latin typeface="Microsoft YaHei" charset="-122"/>
+                <a:ea typeface="Microsoft YaHei" charset="-122"/>
+                <a:cs typeface="Microsoft YaHei" charset="-122"/>
+              </a:endParaRPr>
+            </a:p>
+            <a:p>
+              <a:pPr algn="ctr">
+                <a:lnSpc>
+                  <a:spcPct val="150000"/>
+                </a:lnSpc>
+              </a:pPr>
+              <a:r>
+                <a:rPr kumimoji="1" lang="zh-CN" altLang="en-US" sz="1100" dirty="0" smtClean="0">
+                  <a:latin typeface="Microsoft YaHei" charset="-122"/>
+                  <a:ea typeface="Microsoft YaHei" charset="-122"/>
+                  <a:cs typeface="Microsoft YaHei" charset="-122"/>
+                </a:rPr>
+                <a:t>自身分析</a:t>
+              </a:r>
+              <a:endParaRPr kumimoji="1" lang="en-US" altLang="zh-CN" sz="1100" dirty="0" smtClean="0">
+                <a:latin typeface="Microsoft YaHei" charset="-122"/>
+                <a:ea typeface="Microsoft YaHei" charset="-122"/>
+                <a:cs typeface="Microsoft YaHei" charset="-122"/>
+              </a:endParaRPr>
+            </a:p>
+            <a:p>
+              <a:pPr algn="ctr">
+                <a:lnSpc>
+                  <a:spcPct val="150000"/>
+                </a:lnSpc>
+              </a:pPr>
+              <a:r>
+                <a:rPr kumimoji="1" lang="zh-CN" altLang="en-US" sz="1100" dirty="0" smtClean="0">
+                  <a:latin typeface="Microsoft YaHei" charset="-122"/>
+                  <a:ea typeface="Microsoft YaHei" charset="-122"/>
+                  <a:cs typeface="Microsoft YaHei" charset="-122"/>
+                </a:rPr>
+                <a:t>市场分析</a:t>
+              </a:r>
+              <a:endParaRPr kumimoji="1" lang="en-US" altLang="zh-CN" sz="1100" dirty="0" smtClean="0">
+                <a:latin typeface="Microsoft YaHei" charset="-122"/>
+                <a:ea typeface="Microsoft YaHei" charset="-122"/>
+                <a:cs typeface="Microsoft YaHei" charset="-122"/>
+              </a:endParaRPr>
+            </a:p>
+            <a:p>
+              <a:pPr algn="ctr">
+                <a:lnSpc>
+                  <a:spcPct val="150000"/>
+                </a:lnSpc>
+              </a:pPr>
+              <a:r>
+                <a:rPr kumimoji="1" lang="en-US" altLang="zh-CN" sz="1100" dirty="0" smtClean="0">
+                  <a:latin typeface="Microsoft YaHei" charset="-122"/>
+                  <a:ea typeface="Microsoft YaHei" charset="-122"/>
+                  <a:cs typeface="Microsoft YaHei" charset="-122"/>
+                </a:rPr>
+                <a:t>SWOT</a:t>
+              </a:r>
+              <a:r>
+                <a:rPr kumimoji="1" lang="zh-CN" altLang="en-US" sz="1100" dirty="0" smtClean="0">
+                  <a:latin typeface="Microsoft YaHei" charset="-122"/>
+                  <a:ea typeface="Microsoft YaHei" charset="-122"/>
+                  <a:cs typeface="Microsoft YaHei" charset="-122"/>
+                </a:rPr>
+                <a:t>分析</a:t>
+              </a:r>
+              <a:endParaRPr kumimoji="1" lang="en-US" altLang="zh-CN" sz="1100" dirty="0" smtClean="0">
+                <a:latin typeface="Microsoft YaHei" charset="-122"/>
+                <a:ea typeface="Microsoft YaHei" charset="-122"/>
+                <a:cs typeface="Microsoft YaHei" charset="-122"/>
+              </a:endParaRPr>
+            </a:p>
+            <a:p>
+              <a:pPr algn="ctr">
+                <a:lnSpc>
+                  <a:spcPct val="150000"/>
+                </a:lnSpc>
+              </a:pPr>
+              <a:r>
+                <a:rPr kumimoji="1" lang="zh-CN" altLang="en-US" sz="1100" dirty="0" smtClean="0">
+                  <a:latin typeface="Microsoft YaHei" charset="-122"/>
+                  <a:ea typeface="Microsoft YaHei" charset="-122"/>
+                  <a:cs typeface="Microsoft YaHei" charset="-122"/>
+                </a:rPr>
+                <a:t>市场地图</a:t>
+              </a:r>
+              <a:endParaRPr kumimoji="1" lang="en-US" altLang="zh-CN" sz="1100" dirty="0" smtClean="0">
+                <a:latin typeface="Microsoft YaHei" charset="-122"/>
+                <a:ea typeface="Microsoft YaHei" charset="-122"/>
+                <a:cs typeface="Microsoft YaHei" charset="-122"/>
+              </a:endParaRPr>
+            </a:p>
+            <a:p>
+              <a:pPr algn="ctr">
+                <a:lnSpc>
+                  <a:spcPct val="150000"/>
+                </a:lnSpc>
+              </a:pPr>
+              <a:r>
+                <a:rPr kumimoji="1" lang="zh-CN" altLang="en-US" sz="1100" dirty="0" smtClean="0">
+                  <a:latin typeface="Microsoft YaHei" charset="-122"/>
+                  <a:ea typeface="Microsoft YaHei" charset="-122"/>
+                  <a:cs typeface="Microsoft YaHei" charset="-122"/>
+                </a:rPr>
+                <a:t>业务设计</a:t>
+              </a:r>
+              <a:endParaRPr kumimoji="1" lang="en-US" altLang="zh-CN" sz="1100" dirty="0" smtClean="0">
+                <a:latin typeface="Microsoft YaHei" charset="-122"/>
+                <a:ea typeface="Microsoft YaHei" charset="-122"/>
+                <a:cs typeface="Microsoft YaHei" charset="-122"/>
+              </a:endParaRPr>
+            </a:p>
+            <a:p>
+              <a:pPr algn="ctr">
+                <a:lnSpc>
+                  <a:spcPct val="150000"/>
+                </a:lnSpc>
+              </a:pPr>
+              <a:r>
+                <a:rPr kumimoji="1" lang="zh-CN" altLang="en-US" sz="1100" dirty="0" smtClean="0">
+                  <a:latin typeface="Microsoft YaHei" charset="-122"/>
+                  <a:ea typeface="Microsoft YaHei" charset="-122"/>
+                  <a:cs typeface="Microsoft YaHei" charset="-122"/>
+                </a:rPr>
+                <a:t>市场评估总体判断</a:t>
+              </a:r>
+              <a:endParaRPr kumimoji="1" lang="en-US" altLang="zh-CN" sz="1100" dirty="0" smtClean="0">
+                <a:latin typeface="Microsoft YaHei" charset="-122"/>
+                <a:ea typeface="Microsoft YaHei" charset="-122"/>
+                <a:cs typeface="Microsoft YaHei" charset="-122"/>
+              </a:endParaRPr>
+            </a:p>
+          </p:txBody>
+        </p:sp>
+      </p:grpSp>
+      <p:grpSp>
+        <p:nvGrpSpPr>
+          <p:cNvPr id="20" name="组 19"/>
+          <p:cNvGrpSpPr/>
+          <p:nvPr/>
+        </p:nvGrpSpPr>
+        <p:grpSpPr>
+          <a:xfrm>
+            <a:off x="6638986" y="2877594"/>
+            <a:ext cx="2023569" cy="1164479"/>
+            <a:chOff x="1345042" y="5994112"/>
+            <a:chExt cx="924791" cy="852055"/>
+          </a:xfrm>
+        </p:grpSpPr>
+        <p:sp>
+          <p:nvSpPr>
+            <p:cNvPr id="21" name="矩形 20"/>
+            <p:cNvSpPr/>
+            <p:nvPr/>
+          </p:nvSpPr>
+          <p:spPr>
+            <a:xfrm>
+              <a:off x="1345042" y="5994112"/>
+              <a:ext cx="924791" cy="852055"/>
+            </a:xfrm>
+            <a:prstGeom prst="rect">
+              <a:avLst/>
+            </a:prstGeom>
+            <a:noFill/>
+            <a:ln>
+              <a:solidFill>
+                <a:schemeClr val="tx1"/>
+              </a:solidFill>
+            </a:ln>
+          </p:spPr>
+          <p:style>
+            <a:lnRef idx="2">
+              <a:schemeClr val="accent1">
+                <a:shade val="50000"/>
+              </a:schemeClr>
+            </a:lnRef>
+            <a:fillRef idx="1">
+              <a:schemeClr val="accent1"/>
+            </a:fillRef>
+            <a:effectRef idx="0">
+              <a:schemeClr val="accent1"/>
+            </a:effectRef>
+            <a:fontRef idx="minor">
+              <a:schemeClr val="lt1"/>
+            </a:fontRef>
+          </p:style>
+          <p:txBody>
+            <a:bodyPr rtlCol="0" anchor="ctr"/>
+            <a:lstStyle/>
+            <a:p>
+              <a:pPr algn="ctr"/>
+              <a:endParaRPr kumimoji="1" lang="zh-CN" altLang="en-US" sz="1600">
+                <a:latin typeface="Microsoft YaHei" charset="-122"/>
+                <a:ea typeface="Microsoft YaHei" charset="-122"/>
+                <a:cs typeface="Microsoft YaHei" charset="-122"/>
+              </a:endParaRPr>
+            </a:p>
+          </p:txBody>
+        </p:sp>
+        <p:sp>
+          <p:nvSpPr>
+            <p:cNvPr id="22" name="文本框 21"/>
+            <p:cNvSpPr txBox="1"/>
+            <p:nvPr/>
+          </p:nvSpPr>
+          <p:spPr>
+            <a:xfrm>
+              <a:off x="1635651" y="6271077"/>
+              <a:ext cx="342265" cy="298129"/>
+            </a:xfrm>
+            <a:prstGeom prst="rect">
+              <a:avLst/>
+            </a:prstGeom>
+            <a:noFill/>
+          </p:spPr>
+          <p:txBody>
+            <a:bodyPr wrap="none" rtlCol="0" anchor="ctr">
+              <a:spAutoFit/>
+            </a:bodyPr>
+            <a:lstStyle/>
+            <a:p>
+              <a:pPr algn="ctr">
+                <a:lnSpc>
+                  <a:spcPct val="150000"/>
+                </a:lnSpc>
+              </a:pPr>
+              <a:r>
+                <a:rPr kumimoji="1" lang="zh-CN" altLang="en-US" sz="1100" dirty="0" smtClean="0">
+                  <a:latin typeface="Microsoft YaHei" charset="-122"/>
+                  <a:ea typeface="Microsoft YaHei" charset="-122"/>
+                  <a:cs typeface="Microsoft YaHei" charset="-122"/>
+                </a:rPr>
+                <a:t>市场细分</a:t>
+              </a:r>
+              <a:endParaRPr kumimoji="1" lang="en-US" altLang="zh-CN" sz="1100" dirty="0" smtClean="0">
+                <a:latin typeface="Microsoft YaHei" charset="-122"/>
+                <a:ea typeface="Microsoft YaHei" charset="-122"/>
+                <a:cs typeface="Microsoft YaHei" charset="-122"/>
+              </a:endParaRPr>
+            </a:p>
+            <a:p>
+              <a:pPr algn="ctr">
+                <a:lnSpc>
+                  <a:spcPct val="150000"/>
+                </a:lnSpc>
+              </a:pPr>
+              <a:r>
+                <a:rPr kumimoji="1" lang="zh-CN" altLang="en-US" sz="1100" dirty="0" smtClean="0">
+                  <a:latin typeface="Microsoft YaHei" charset="-122"/>
+                  <a:ea typeface="Microsoft YaHei" charset="-122"/>
+                  <a:cs typeface="Microsoft YaHei" charset="-122"/>
+                </a:rPr>
+                <a:t>组合分析</a:t>
+              </a:r>
+              <a:endParaRPr kumimoji="1" lang="en-US" altLang="zh-CN" sz="1100" dirty="0" smtClean="0">
+                <a:latin typeface="Microsoft YaHei" charset="-122"/>
+                <a:ea typeface="Microsoft YaHei" charset="-122"/>
+                <a:cs typeface="Microsoft YaHei" charset="-122"/>
+              </a:endParaRPr>
+            </a:p>
+            <a:p>
+              <a:pPr algn="ctr">
+                <a:lnSpc>
+                  <a:spcPct val="150000"/>
+                </a:lnSpc>
+              </a:pPr>
+              <a:r>
+                <a:rPr kumimoji="1" lang="zh-CN" altLang="en-US" sz="1100" dirty="0" smtClean="0">
+                  <a:latin typeface="Microsoft YaHei" charset="-122"/>
+                  <a:ea typeface="Microsoft YaHei" charset="-122"/>
+                  <a:cs typeface="Microsoft YaHei" charset="-122"/>
+                </a:rPr>
+                <a:t>业务计划</a:t>
+              </a:r>
+              <a:endParaRPr kumimoji="1" lang="en-US" altLang="zh-CN" sz="1100" dirty="0" smtClean="0">
+                <a:latin typeface="Microsoft YaHei" charset="-122"/>
+                <a:ea typeface="Microsoft YaHei" charset="-122"/>
+                <a:cs typeface="Microsoft YaHei" charset="-122"/>
+              </a:endParaRPr>
+            </a:p>
+          </p:txBody>
+        </p:sp>
+      </p:grpSp>
+      <p:cxnSp>
+        <p:nvCxnSpPr>
+          <p:cNvPr id="24" name="直线箭头连接符 23"/>
+          <p:cNvCxnSpPr/>
+          <p:nvPr/>
+        </p:nvCxnSpPr>
+        <p:spPr>
+          <a:xfrm flipV="1">
+            <a:off x="4336656" y="1381992"/>
+            <a:ext cx="2876" cy="1495602"/>
+          </a:xfrm>
+          <a:prstGeom prst="straightConnector1">
+            <a:avLst/>
+          </a:prstGeom>
+          <a:ln>
+            <a:solidFill>
+              <a:schemeClr val="tx1"/>
+            </a:solidFill>
+            <a:tailEnd type="triangle"/>
+          </a:ln>
+        </p:spPr>
+        <p:style>
+          <a:lnRef idx="1">
+            <a:schemeClr val="accent1"/>
+          </a:lnRef>
+          <a:fillRef idx="0">
+            <a:schemeClr val="accent1"/>
+          </a:fillRef>
+          <a:effectRef idx="0">
+            <a:schemeClr val="accent1"/>
+          </a:effectRef>
+          <a:fontRef idx="minor">
+            <a:schemeClr val="tx1"/>
+          </a:fontRef>
+        </p:style>
+      </p:cxnSp>
+      <p:cxnSp>
+        <p:nvCxnSpPr>
+          <p:cNvPr id="26" name="直线箭头连接符 25"/>
+          <p:cNvCxnSpPr/>
+          <p:nvPr/>
+        </p:nvCxnSpPr>
+        <p:spPr>
+          <a:xfrm flipV="1">
+            <a:off x="5372410" y="1381992"/>
+            <a:ext cx="2876" cy="580758"/>
+          </a:xfrm>
+          <a:prstGeom prst="straightConnector1">
+            <a:avLst/>
+          </a:prstGeom>
+          <a:ln>
+            <a:solidFill>
+              <a:schemeClr val="tx1"/>
+            </a:solidFill>
+            <a:tailEnd type="triangle"/>
+          </a:ln>
+        </p:spPr>
+        <p:style>
+          <a:lnRef idx="1">
+            <a:schemeClr val="accent1"/>
+          </a:lnRef>
+          <a:fillRef idx="0">
+            <a:schemeClr val="accent1"/>
+          </a:fillRef>
+          <a:effectRef idx="0">
+            <a:schemeClr val="accent1"/>
+          </a:effectRef>
+          <a:fontRef idx="minor">
+            <a:schemeClr val="tx1"/>
+          </a:fontRef>
+        </p:style>
+      </p:cxnSp>
+      <p:cxnSp>
+        <p:nvCxnSpPr>
+          <p:cNvPr id="28" name="直线箭头连接符 27"/>
+          <p:cNvCxnSpPr/>
+          <p:nvPr/>
+        </p:nvCxnSpPr>
+        <p:spPr>
+          <a:xfrm flipV="1">
+            <a:off x="6896387" y="1365841"/>
+            <a:ext cx="2876" cy="580758"/>
+          </a:xfrm>
+          <a:prstGeom prst="straightConnector1">
+            <a:avLst/>
+          </a:prstGeom>
+          <a:ln>
+            <a:solidFill>
+              <a:schemeClr val="tx1"/>
+            </a:solidFill>
+            <a:tailEnd type="triangle"/>
+          </a:ln>
+        </p:spPr>
+        <p:style>
+          <a:lnRef idx="1">
+            <a:schemeClr val="accent1"/>
+          </a:lnRef>
+          <a:fillRef idx="0">
+            <a:schemeClr val="accent1"/>
+          </a:fillRef>
+          <a:effectRef idx="0">
+            <a:schemeClr val="accent1"/>
+          </a:effectRef>
+          <a:fontRef idx="minor">
+            <a:schemeClr val="tx1"/>
+          </a:fontRef>
+        </p:style>
+      </p:cxnSp>
+      <p:cxnSp>
+        <p:nvCxnSpPr>
+          <p:cNvPr id="29" name="直线箭头连接符 28"/>
+          <p:cNvCxnSpPr>
+            <a:endCxn id="21" idx="1"/>
+          </p:cNvCxnSpPr>
+          <p:nvPr/>
+        </p:nvCxnSpPr>
+        <p:spPr>
+          <a:xfrm>
+            <a:off x="5585999" y="3459833"/>
+            <a:ext cx="1052987" cy="1"/>
+          </a:xfrm>
+          <a:prstGeom prst="straightConnector1">
+            <a:avLst/>
+          </a:prstGeom>
+          <a:ln>
+            <a:solidFill>
+              <a:schemeClr val="tx1"/>
+            </a:solidFill>
+            <a:tailEnd type="triangle"/>
+          </a:ln>
+        </p:spPr>
+        <p:style>
+          <a:lnRef idx="1">
+            <a:schemeClr val="accent1"/>
+          </a:lnRef>
+          <a:fillRef idx="0">
+            <a:schemeClr val="accent1"/>
+          </a:fillRef>
+          <a:effectRef idx="0">
+            <a:schemeClr val="accent1"/>
+          </a:effectRef>
+          <a:fontRef idx="minor">
+            <a:schemeClr val="tx1"/>
+          </a:fontRef>
+        </p:style>
+      </p:cxnSp>
+      <p:cxnSp>
+        <p:nvCxnSpPr>
+          <p:cNvPr id="33" name="直线箭头连接符 32"/>
+          <p:cNvCxnSpPr/>
+          <p:nvPr/>
+        </p:nvCxnSpPr>
+        <p:spPr>
+          <a:xfrm>
+            <a:off x="8376454" y="1381992"/>
+            <a:ext cx="0" cy="1495602"/>
+          </a:xfrm>
+          <a:prstGeom prst="straightConnector1">
+            <a:avLst/>
+          </a:prstGeom>
+          <a:ln>
+            <a:solidFill>
+              <a:schemeClr val="tx1"/>
+            </a:solidFill>
+            <a:tailEnd type="triangle"/>
+          </a:ln>
+        </p:spPr>
+        <p:style>
+          <a:lnRef idx="1">
+            <a:schemeClr val="accent1"/>
+          </a:lnRef>
+          <a:fillRef idx="0">
+            <a:schemeClr val="accent1"/>
+          </a:fillRef>
+          <a:effectRef idx="0">
+            <a:schemeClr val="accent1"/>
+          </a:effectRef>
+          <a:fontRef idx="minor">
+            <a:schemeClr val="tx1"/>
+          </a:fontRef>
+        </p:style>
+      </p:cxnSp>
+      <p:cxnSp>
+        <p:nvCxnSpPr>
+          <p:cNvPr id="38" name="直线箭头连接符 37"/>
+          <p:cNvCxnSpPr>
+            <a:stCxn id="6" idx="3"/>
+            <a:endCxn id="9" idx="1"/>
+          </p:cNvCxnSpPr>
+          <p:nvPr/>
+        </p:nvCxnSpPr>
+        <p:spPr>
+          <a:xfrm>
+            <a:off x="5590309" y="1196121"/>
+            <a:ext cx="1048677" cy="0"/>
+          </a:xfrm>
+          <a:prstGeom prst="straightConnector1">
+            <a:avLst/>
+          </a:prstGeom>
+          <a:ln>
+            <a:solidFill>
+              <a:schemeClr val="tx1"/>
+            </a:solidFill>
+            <a:headEnd type="triangle"/>
+            <a:tailEnd type="triangle"/>
+          </a:ln>
+        </p:spPr>
+        <p:style>
+          <a:lnRef idx="1">
+            <a:schemeClr val="accent1"/>
+          </a:lnRef>
+          <a:fillRef idx="0">
+            <a:schemeClr val="accent1"/>
+          </a:fillRef>
+          <a:effectRef idx="0">
+            <a:schemeClr val="accent1"/>
+          </a:effectRef>
+          <a:fontRef idx="minor">
+            <a:schemeClr val="tx1"/>
+          </a:fontRef>
+        </p:style>
+      </p:cxnSp>
+      <p:sp>
+        <p:nvSpPr>
+          <p:cNvPr id="39" name="文本框 38"/>
+          <p:cNvSpPr txBox="1"/>
+          <p:nvPr/>
+        </p:nvSpPr>
+        <p:spPr>
+          <a:xfrm>
+            <a:off x="4968472" y="5525971"/>
+            <a:ext cx="2877711" cy="307777"/>
+          </a:xfrm>
+          <a:prstGeom prst="rect">
+            <a:avLst/>
+          </a:prstGeom>
+          <a:noFill/>
+        </p:spPr>
+        <p:txBody>
+          <a:bodyPr wrap="none" rtlCol="0">
+            <a:spAutoFit/>
+          </a:bodyPr>
+          <a:lstStyle/>
+          <a:p>
+            <a:r>
+              <a:rPr kumimoji="1" lang="zh-CN" altLang="en-US" sz="1400" dirty="0" smtClean="0"/>
+              <a:t>基于市场综合分析的产品规划过程</a:t>
+            </a:r>
+            <a:endParaRPr kumimoji="1" lang="zh-CN" altLang="en-US" sz="1400" dirty="0"/>
+          </a:p>
+        </p:txBody>
+      </p:sp>
+    </p:spTree>
+    <p:extLst>
+      <p:ext uri="{BB962C8B-B14F-4D97-AF65-F5344CB8AC3E}">
+        <p14:creationId xmlns:p14="http://schemas.microsoft.com/office/powerpoint/2010/main" val="1919932797"/>
+      </p:ext>
+    </p:extLst>
+  </p:cSld>
+  <p:clrMapOvr>
+    <a:masterClrMapping/>
+  </p:clrMapOvr>
+</p:sld>
+</file>
+
+<file path=ppt/slides/slide5.xml><?xml version="1.0" encoding="utf-8"?>
+<p:sld xmlns:a="http://schemas.openxmlformats.org/drawingml/2006/main" xmlns:r="http://schemas.openxmlformats.org/officeDocument/2006/relationships" xmlns:p="http://schemas.openxmlformats.org/presentationml/2006/main">
+  <p:cSld>
+    <p:spTree>
+      <p:nvGrpSpPr>
+        <p:cNvPr id="1" name=""/>
+        <p:cNvGrpSpPr/>
+        <p:nvPr/>
+      </p:nvGrpSpPr>
+      <p:grpSpPr>
+        <a:xfrm>
+          <a:off x="0" y="0"/>
+          <a:ext cx="0" cy="0"/>
+          <a:chOff x="0" y="0"/>
+          <a:chExt cx="0" cy="0"/>
+        </a:xfrm>
+      </p:grpSpPr>
+      <p:sp>
+        <p:nvSpPr>
+          <p:cNvPr id="14" name="文本框 13"/>
+          <p:cNvSpPr txBox="1"/>
+          <p:nvPr/>
+        </p:nvSpPr>
+        <p:spPr>
+          <a:xfrm>
+            <a:off x="3563073" y="5247658"/>
+            <a:ext cx="2518638" cy="307777"/>
+          </a:xfrm>
+          <a:prstGeom prst="rect">
+            <a:avLst/>
+          </a:prstGeom>
+          <a:noFill/>
+        </p:spPr>
+        <p:txBody>
+          <a:bodyPr wrap="none" rtlCol="0">
+            <a:spAutoFit/>
+          </a:bodyPr>
+          <a:lstStyle/>
+          <a:p>
+            <a:r>
+              <a:rPr kumimoji="1" lang="zh-CN" altLang="en-US" sz="1400" dirty="0" smtClean="0"/>
+              <a:t>产品规划与市场及研发的关系</a:t>
+            </a:r>
+            <a:endParaRPr kumimoji="1" lang="zh-CN" altLang="en-US" sz="1400" dirty="0"/>
+          </a:p>
+        </p:txBody>
+      </p:sp>
+      <p:grpSp>
+        <p:nvGrpSpPr>
+          <p:cNvPr id="21" name="组 20"/>
+          <p:cNvGrpSpPr/>
+          <p:nvPr/>
+        </p:nvGrpSpPr>
+        <p:grpSpPr>
+          <a:xfrm>
+            <a:off x="2533939" y="2306783"/>
+            <a:ext cx="4576907" cy="2036617"/>
+            <a:chOff x="4528993" y="2576947"/>
+            <a:chExt cx="4576907" cy="2763980"/>
+          </a:xfrm>
+        </p:grpSpPr>
+        <p:grpSp>
+          <p:nvGrpSpPr>
+            <p:cNvPr id="5" name="组 4"/>
+            <p:cNvGrpSpPr/>
+            <p:nvPr/>
+          </p:nvGrpSpPr>
+          <p:grpSpPr>
+            <a:xfrm>
+              <a:off x="4528993" y="2576947"/>
+              <a:ext cx="843107" cy="2763980"/>
+              <a:chOff x="1345042" y="5994112"/>
+              <a:chExt cx="924791" cy="852055"/>
+            </a:xfrm>
+          </p:grpSpPr>
+          <p:sp>
+            <p:nvSpPr>
+              <p:cNvPr id="6" name="矩形 5"/>
+              <p:cNvSpPr/>
+              <p:nvPr/>
+            </p:nvSpPr>
+            <p:spPr>
+              <a:xfrm>
+                <a:off x="1345042" y="5994112"/>
+                <a:ext cx="924791" cy="852055"/>
+              </a:xfrm>
+              <a:prstGeom prst="rect">
+                <a:avLst/>
+              </a:prstGeom>
+              <a:noFill/>
+              <a:ln>
+                <a:solidFill>
+                  <a:schemeClr val="tx1"/>
+                </a:solidFill>
+              </a:ln>
+            </p:spPr>
+            <p:style>
+              <a:lnRef idx="2">
+                <a:schemeClr val="accent1">
+                  <a:shade val="50000"/>
+                </a:schemeClr>
+              </a:lnRef>
+              <a:fillRef idx="1">
+                <a:schemeClr val="accent1"/>
+              </a:fillRef>
+              <a:effectRef idx="0">
+                <a:schemeClr val="accent1"/>
+              </a:effectRef>
+              <a:fontRef idx="minor">
+                <a:schemeClr val="lt1"/>
+              </a:fontRef>
+            </p:style>
+            <p:txBody>
+              <a:bodyPr rtlCol="0" anchor="ctr"/>
+              <a:lstStyle/>
+              <a:p>
+                <a:pPr algn="ctr"/>
+                <a:endParaRPr kumimoji="1" lang="zh-CN" altLang="en-US" sz="1600">
+                  <a:latin typeface="Microsoft YaHei" charset="-122"/>
+                  <a:ea typeface="Microsoft YaHei" charset="-122"/>
+                  <a:cs typeface="Microsoft YaHei" charset="-122"/>
+                </a:endParaRPr>
+              </a:p>
+            </p:txBody>
+          </p:sp>
+          <p:sp>
+            <p:nvSpPr>
+              <p:cNvPr id="7" name="文本框 6"/>
+              <p:cNvSpPr txBox="1"/>
+              <p:nvPr/>
+            </p:nvSpPr>
+            <p:spPr>
+              <a:xfrm>
+                <a:off x="1628757" y="6203742"/>
+                <a:ext cx="607672" cy="432794"/>
+              </a:xfrm>
+              <a:prstGeom prst="rect">
+                <a:avLst/>
+              </a:prstGeom>
+              <a:noFill/>
+            </p:spPr>
+            <p:txBody>
+              <a:bodyPr vert="eaVert" wrap="square" rtlCol="0" anchor="ctr" anchorCtr="0">
+                <a:noAutofit/>
+              </a:bodyPr>
+              <a:lstStyle/>
+              <a:p>
+                <a:pPr algn="ctr">
+                  <a:lnSpc>
+                    <a:spcPct val="150000"/>
+                  </a:lnSpc>
+                </a:pPr>
+                <a:r>
+                  <a:rPr kumimoji="1" lang="zh-CN" altLang="en-US" sz="1600" dirty="0" smtClean="0">
+                    <a:latin typeface="Microsoft YaHei" charset="-122"/>
+                    <a:ea typeface="Microsoft YaHei" charset="-122"/>
+                    <a:cs typeface="Microsoft YaHei" charset="-122"/>
+                  </a:rPr>
+                  <a:t>市场分析</a:t>
+                </a:r>
+                <a:endParaRPr kumimoji="1" lang="en-US" altLang="zh-CN" sz="1600" dirty="0" smtClean="0">
+                  <a:latin typeface="Microsoft YaHei" charset="-122"/>
+                  <a:ea typeface="Microsoft YaHei" charset="-122"/>
+                  <a:cs typeface="Microsoft YaHei" charset="-122"/>
+                </a:endParaRPr>
+              </a:p>
+            </p:txBody>
+          </p:sp>
+        </p:grpSp>
+        <p:grpSp>
+          <p:nvGrpSpPr>
+            <p:cNvPr id="8" name="组 7"/>
+            <p:cNvGrpSpPr/>
+            <p:nvPr/>
+          </p:nvGrpSpPr>
+          <p:grpSpPr>
+            <a:xfrm>
+              <a:off x="6395893" y="2576947"/>
+              <a:ext cx="843107" cy="2763980"/>
+              <a:chOff x="1345042" y="5994112"/>
+              <a:chExt cx="924791" cy="852055"/>
+            </a:xfrm>
+          </p:grpSpPr>
+          <p:sp>
+            <p:nvSpPr>
+              <p:cNvPr id="9" name="矩形 8"/>
+              <p:cNvSpPr/>
+              <p:nvPr/>
+            </p:nvSpPr>
+            <p:spPr>
+              <a:xfrm>
+                <a:off x="1345042" y="5994112"/>
+                <a:ext cx="924791" cy="852055"/>
+              </a:xfrm>
+              <a:prstGeom prst="rect">
+                <a:avLst/>
+              </a:prstGeom>
+              <a:noFill/>
+              <a:ln>
+                <a:solidFill>
+                  <a:schemeClr val="tx1"/>
+                </a:solidFill>
+              </a:ln>
+            </p:spPr>
+            <p:style>
+              <a:lnRef idx="2">
+                <a:schemeClr val="accent1">
+                  <a:shade val="50000"/>
+                </a:schemeClr>
+              </a:lnRef>
+              <a:fillRef idx="1">
+                <a:schemeClr val="accent1"/>
+              </a:fillRef>
+              <a:effectRef idx="0">
+                <a:schemeClr val="accent1"/>
+              </a:effectRef>
+              <a:fontRef idx="minor">
+                <a:schemeClr val="lt1"/>
+              </a:fontRef>
+            </p:style>
+            <p:txBody>
+              <a:bodyPr rtlCol="0" anchor="ctr"/>
+              <a:lstStyle/>
+              <a:p>
+                <a:pPr algn="ctr"/>
+                <a:endParaRPr kumimoji="1" lang="zh-CN" altLang="en-US" sz="1600">
+                  <a:latin typeface="Microsoft YaHei" charset="-122"/>
+                  <a:ea typeface="Microsoft YaHei" charset="-122"/>
+                  <a:cs typeface="Microsoft YaHei" charset="-122"/>
+                </a:endParaRPr>
+              </a:p>
+            </p:txBody>
+          </p:sp>
+          <p:sp>
+            <p:nvSpPr>
+              <p:cNvPr id="10" name="文本框 9"/>
+              <p:cNvSpPr txBox="1"/>
+              <p:nvPr/>
+            </p:nvSpPr>
+            <p:spPr>
+              <a:xfrm>
+                <a:off x="1639542" y="6203742"/>
+                <a:ext cx="607672" cy="432794"/>
+              </a:xfrm>
+              <a:prstGeom prst="rect">
+                <a:avLst/>
+              </a:prstGeom>
+              <a:noFill/>
+            </p:spPr>
+            <p:txBody>
+              <a:bodyPr vert="eaVert" wrap="square" rtlCol="0" anchor="ctr" anchorCtr="0">
+                <a:noAutofit/>
+              </a:bodyPr>
+              <a:lstStyle/>
+              <a:p>
+                <a:pPr algn="ctr">
+                  <a:lnSpc>
+                    <a:spcPct val="150000"/>
+                  </a:lnSpc>
+                </a:pPr>
+                <a:r>
+                  <a:rPr kumimoji="1" lang="zh-CN" altLang="en-US" sz="1600" dirty="0" smtClean="0">
+                    <a:latin typeface="Microsoft YaHei" charset="-122"/>
+                    <a:ea typeface="Microsoft YaHei" charset="-122"/>
+                    <a:cs typeface="Microsoft YaHei" charset="-122"/>
+                  </a:rPr>
+                  <a:t>产品规划</a:t>
+                </a:r>
+                <a:endParaRPr kumimoji="1" lang="en-US" altLang="zh-CN" sz="1600" dirty="0" smtClean="0">
+                  <a:latin typeface="Microsoft YaHei" charset="-122"/>
+                  <a:ea typeface="Microsoft YaHei" charset="-122"/>
+                  <a:cs typeface="Microsoft YaHei" charset="-122"/>
+                </a:endParaRPr>
+              </a:p>
+            </p:txBody>
+          </p:sp>
+        </p:grpSp>
+        <p:grpSp>
+          <p:nvGrpSpPr>
+            <p:cNvPr id="11" name="组 10"/>
+            <p:cNvGrpSpPr/>
+            <p:nvPr/>
+          </p:nvGrpSpPr>
+          <p:grpSpPr>
+            <a:xfrm>
+              <a:off x="8262793" y="2576947"/>
+              <a:ext cx="843107" cy="2763980"/>
+              <a:chOff x="1345042" y="5994112"/>
+              <a:chExt cx="924791" cy="852055"/>
+            </a:xfrm>
+          </p:grpSpPr>
+          <p:sp>
+            <p:nvSpPr>
+              <p:cNvPr id="12" name="矩形 11"/>
+              <p:cNvSpPr/>
+              <p:nvPr/>
+            </p:nvSpPr>
+            <p:spPr>
+              <a:xfrm>
+                <a:off x="1345042" y="5994112"/>
+                <a:ext cx="924791" cy="852055"/>
+              </a:xfrm>
+              <a:prstGeom prst="rect">
+                <a:avLst/>
+              </a:prstGeom>
+              <a:noFill/>
+              <a:ln>
+                <a:solidFill>
+                  <a:schemeClr val="tx1"/>
+                </a:solidFill>
+              </a:ln>
+            </p:spPr>
+            <p:style>
+              <a:lnRef idx="2">
+                <a:schemeClr val="accent1">
+                  <a:shade val="50000"/>
+                </a:schemeClr>
+              </a:lnRef>
+              <a:fillRef idx="1">
+                <a:schemeClr val="accent1"/>
+              </a:fillRef>
+              <a:effectRef idx="0">
+                <a:schemeClr val="accent1"/>
+              </a:effectRef>
+              <a:fontRef idx="minor">
+                <a:schemeClr val="lt1"/>
+              </a:fontRef>
+            </p:style>
+            <p:txBody>
+              <a:bodyPr rtlCol="0" anchor="ctr"/>
+              <a:lstStyle/>
+              <a:p>
+                <a:pPr algn="ctr"/>
+                <a:endParaRPr kumimoji="1" lang="zh-CN" altLang="en-US" sz="1600">
+                  <a:latin typeface="Microsoft YaHei" charset="-122"/>
+                  <a:ea typeface="Microsoft YaHei" charset="-122"/>
+                  <a:cs typeface="Microsoft YaHei" charset="-122"/>
+                </a:endParaRPr>
+              </a:p>
+            </p:txBody>
+          </p:sp>
+          <p:sp>
+            <p:nvSpPr>
+              <p:cNvPr id="13" name="文本框 12"/>
+              <p:cNvSpPr txBox="1"/>
+              <p:nvPr/>
+            </p:nvSpPr>
+            <p:spPr>
+              <a:xfrm>
+                <a:off x="1662161" y="6203742"/>
+                <a:ext cx="607672" cy="432794"/>
+              </a:xfrm>
+              <a:prstGeom prst="rect">
+                <a:avLst/>
+              </a:prstGeom>
+              <a:noFill/>
+            </p:spPr>
+            <p:txBody>
+              <a:bodyPr vert="eaVert" wrap="square" rtlCol="0" anchor="ctr" anchorCtr="0">
+                <a:noAutofit/>
+              </a:bodyPr>
+              <a:lstStyle/>
+              <a:p>
+                <a:pPr algn="ctr">
+                  <a:lnSpc>
+                    <a:spcPct val="150000"/>
+                  </a:lnSpc>
+                </a:pPr>
+                <a:r>
+                  <a:rPr kumimoji="1" lang="zh-CN" altLang="en-US" sz="1600" dirty="0" smtClean="0">
+                    <a:latin typeface="Microsoft YaHei" charset="-122"/>
+                    <a:ea typeface="Microsoft YaHei" charset="-122"/>
+                    <a:cs typeface="Microsoft YaHei" charset="-122"/>
+                  </a:rPr>
+                  <a:t>产品研发</a:t>
+                </a:r>
+                <a:endParaRPr kumimoji="1" lang="en-US" altLang="zh-CN" sz="1600" dirty="0" smtClean="0">
+                  <a:latin typeface="Microsoft YaHei" charset="-122"/>
+                  <a:ea typeface="Microsoft YaHei" charset="-122"/>
+                  <a:cs typeface="Microsoft YaHei" charset="-122"/>
+                </a:endParaRPr>
+              </a:p>
+            </p:txBody>
+          </p:sp>
+        </p:grpSp>
+        <p:cxnSp>
+          <p:nvCxnSpPr>
+            <p:cNvPr id="16" name="直线箭头连接符 15"/>
+            <p:cNvCxnSpPr>
+              <a:stCxn id="6" idx="3"/>
+              <a:endCxn id="9" idx="1"/>
+            </p:cNvCxnSpPr>
+            <p:nvPr/>
+          </p:nvCxnSpPr>
+          <p:spPr>
+            <a:xfrm>
+              <a:off x="5372100" y="3958937"/>
+              <a:ext cx="1023793" cy="0"/>
+            </a:xfrm>
+            <a:prstGeom prst="straightConnector1">
+              <a:avLst/>
+            </a:prstGeom>
+            <a:ln>
+              <a:solidFill>
+                <a:schemeClr val="tx1"/>
+              </a:solidFill>
+              <a:tailEnd type="triangle"/>
+            </a:ln>
+          </p:spPr>
+          <p:style>
+            <a:lnRef idx="1">
+              <a:schemeClr val="accent1"/>
+            </a:lnRef>
+            <a:fillRef idx="0">
+              <a:schemeClr val="accent1"/>
+            </a:fillRef>
+            <a:effectRef idx="0">
+              <a:schemeClr val="accent1"/>
+            </a:effectRef>
+            <a:fontRef idx="minor">
+              <a:schemeClr val="tx1"/>
+            </a:fontRef>
+          </p:style>
+        </p:cxnSp>
+        <p:cxnSp>
+          <p:nvCxnSpPr>
+            <p:cNvPr id="17" name="直线箭头连接符 16"/>
+            <p:cNvCxnSpPr/>
+            <p:nvPr/>
+          </p:nvCxnSpPr>
+          <p:spPr>
+            <a:xfrm>
+              <a:off x="7239000" y="3958937"/>
+              <a:ext cx="1023793" cy="0"/>
+            </a:xfrm>
+            <a:prstGeom prst="straightConnector1">
+              <a:avLst/>
+            </a:prstGeom>
+            <a:ln>
+              <a:solidFill>
+                <a:schemeClr val="tx1"/>
+              </a:solidFill>
+              <a:tailEnd type="triangle"/>
+            </a:ln>
+          </p:spPr>
+          <p:style>
+            <a:lnRef idx="1">
+              <a:schemeClr val="accent1"/>
+            </a:lnRef>
+            <a:fillRef idx="0">
+              <a:schemeClr val="accent1"/>
+            </a:fillRef>
+            <a:effectRef idx="0">
+              <a:schemeClr val="accent1"/>
+            </a:effectRef>
+            <a:fontRef idx="minor">
+              <a:schemeClr val="tx1"/>
+            </a:fontRef>
+          </p:style>
+        </p:cxnSp>
+        <p:sp>
+          <p:nvSpPr>
+            <p:cNvPr id="19" name="文本框 18"/>
+            <p:cNvSpPr txBox="1"/>
+            <p:nvPr/>
+          </p:nvSpPr>
+          <p:spPr>
+            <a:xfrm>
+              <a:off x="5451839" y="3513614"/>
+              <a:ext cx="902811" cy="307777"/>
+            </a:xfrm>
+            <a:prstGeom prst="rect">
+              <a:avLst/>
+            </a:prstGeom>
+            <a:noFill/>
+          </p:spPr>
+          <p:txBody>
+            <a:bodyPr wrap="none" rtlCol="0">
+              <a:spAutoFit/>
+            </a:bodyPr>
+            <a:lstStyle/>
+            <a:p>
+              <a:r>
+                <a:rPr kumimoji="1" lang="zh-CN" altLang="en-US" sz="1400" dirty="0" smtClean="0"/>
+                <a:t>目标市场</a:t>
+              </a:r>
+              <a:endParaRPr kumimoji="1" lang="zh-CN" altLang="en-US" sz="1400" dirty="0"/>
+            </a:p>
+          </p:txBody>
+        </p:sp>
+        <p:sp>
+          <p:nvSpPr>
+            <p:cNvPr id="20" name="文本框 19"/>
+            <p:cNvSpPr txBox="1"/>
+            <p:nvPr/>
+          </p:nvSpPr>
+          <p:spPr>
+            <a:xfrm>
+              <a:off x="7299074" y="3513613"/>
+              <a:ext cx="902811" cy="307777"/>
+            </a:xfrm>
+            <a:prstGeom prst="rect">
+              <a:avLst/>
+            </a:prstGeom>
+            <a:noFill/>
+          </p:spPr>
+          <p:txBody>
+            <a:bodyPr wrap="none" rtlCol="0">
+              <a:spAutoFit/>
+            </a:bodyPr>
+            <a:lstStyle/>
+            <a:p>
+              <a:r>
+                <a:rPr kumimoji="1" lang="zh-CN" altLang="en-US" sz="1400" dirty="0" smtClean="0"/>
+                <a:t>产品策略</a:t>
+              </a:r>
+              <a:endParaRPr kumimoji="1" lang="zh-CN" altLang="en-US" sz="1400" dirty="0"/>
+            </a:p>
+          </p:txBody>
+        </p:sp>
+      </p:grpSp>
+      <p:cxnSp>
+        <p:nvCxnSpPr>
+          <p:cNvPr id="23" name="曲线连接符 22"/>
+          <p:cNvCxnSpPr>
+            <a:stCxn id="6" idx="0"/>
+            <a:endCxn id="12" idx="0"/>
+          </p:cNvCxnSpPr>
+          <p:nvPr/>
+        </p:nvCxnSpPr>
+        <p:spPr>
+          <a:xfrm rot="5400000" flipH="1" flipV="1">
+            <a:off x="4822393" y="439883"/>
+            <a:ext cx="12700" cy="3733800"/>
+          </a:xfrm>
+          <a:prstGeom prst="curvedConnector3">
+            <a:avLst>
+              <a:gd name="adj1" fmla="val 4745457"/>
+            </a:avLst>
+          </a:prstGeom>
+          <a:ln>
+            <a:solidFill>
+              <a:schemeClr val="tx1"/>
+            </a:solidFill>
+            <a:prstDash val="dash"/>
+            <a:tailEnd type="triangle"/>
+          </a:ln>
+        </p:spPr>
+        <p:style>
+          <a:lnRef idx="1">
+            <a:schemeClr val="accent1"/>
+          </a:lnRef>
+          <a:fillRef idx="0">
+            <a:schemeClr val="accent1"/>
+          </a:fillRef>
+          <a:effectRef idx="0">
+            <a:schemeClr val="accent1"/>
+          </a:effectRef>
+          <a:fontRef idx="minor">
+            <a:schemeClr val="tx1"/>
+          </a:fontRef>
+        </p:style>
+      </p:cxnSp>
+      <p:cxnSp>
+        <p:nvCxnSpPr>
+          <p:cNvPr id="25" name="曲线连接符 24"/>
+          <p:cNvCxnSpPr>
+            <a:stCxn id="12" idx="2"/>
+            <a:endCxn id="6" idx="2"/>
+          </p:cNvCxnSpPr>
+          <p:nvPr/>
+        </p:nvCxnSpPr>
+        <p:spPr>
+          <a:xfrm rot="5400000">
+            <a:off x="4822393" y="2476500"/>
+            <a:ext cx="12700" cy="3733800"/>
+          </a:xfrm>
+          <a:prstGeom prst="curvedConnector3">
+            <a:avLst>
+              <a:gd name="adj1" fmla="val 4581819"/>
+            </a:avLst>
+          </a:prstGeom>
+          <a:ln>
+            <a:solidFill>
+              <a:schemeClr val="tx1"/>
+            </a:solidFill>
+            <a:prstDash val="solid"/>
+            <a:tailEnd type="triangle"/>
+          </a:ln>
+        </p:spPr>
+        <p:style>
+          <a:lnRef idx="1">
+            <a:schemeClr val="accent1"/>
+          </a:lnRef>
+          <a:fillRef idx="0">
+            <a:schemeClr val="accent1"/>
+          </a:fillRef>
+          <a:effectRef idx="0">
+            <a:schemeClr val="accent1"/>
+          </a:effectRef>
+          <a:fontRef idx="minor">
+            <a:schemeClr val="tx1"/>
+          </a:fontRef>
+        </p:style>
+      </p:cxnSp>
+      <p:sp>
+        <p:nvSpPr>
+          <p:cNvPr id="29" name="文本框 28"/>
+          <p:cNvSpPr txBox="1"/>
+          <p:nvPr/>
+        </p:nvSpPr>
+        <p:spPr>
+          <a:xfrm>
+            <a:off x="4101682" y="1899185"/>
+            <a:ext cx="1441420" cy="307777"/>
+          </a:xfrm>
+          <a:prstGeom prst="rect">
+            <a:avLst/>
+          </a:prstGeom>
+          <a:noFill/>
+        </p:spPr>
+        <p:txBody>
+          <a:bodyPr wrap="none" rtlCol="0">
+            <a:spAutoFit/>
+          </a:bodyPr>
+          <a:lstStyle/>
+          <a:p>
+            <a:r>
+              <a:rPr kumimoji="1" lang="zh-CN" altLang="en-US" sz="1400" smtClean="0"/>
+              <a:t>市场和客户信息</a:t>
+            </a:r>
+            <a:endParaRPr kumimoji="1" lang="zh-CN" altLang="en-US" sz="1400" dirty="0"/>
+          </a:p>
+        </p:txBody>
+      </p:sp>
+      <p:sp>
+        <p:nvSpPr>
+          <p:cNvPr id="30" name="文本框 29"/>
+          <p:cNvSpPr txBox="1"/>
+          <p:nvPr/>
+        </p:nvSpPr>
+        <p:spPr>
+          <a:xfrm>
+            <a:off x="4281218" y="4449063"/>
+            <a:ext cx="1082348" cy="307777"/>
+          </a:xfrm>
+          <a:prstGeom prst="rect">
+            <a:avLst/>
+          </a:prstGeom>
+          <a:noFill/>
+        </p:spPr>
+        <p:txBody>
+          <a:bodyPr wrap="none" rtlCol="0">
+            <a:spAutoFit/>
+          </a:bodyPr>
+          <a:lstStyle/>
+          <a:p>
+            <a:r>
+              <a:rPr kumimoji="1" lang="zh-CN" altLang="en-US" sz="1400" smtClean="0"/>
+              <a:t>产品和服务</a:t>
+            </a:r>
+            <a:endParaRPr kumimoji="1" lang="zh-CN" altLang="en-US" sz="1400" dirty="0"/>
+          </a:p>
+        </p:txBody>
+      </p:sp>
+    </p:spTree>
+    <p:extLst>
+      <p:ext uri="{BB962C8B-B14F-4D97-AF65-F5344CB8AC3E}">
+        <p14:creationId xmlns:p14="http://schemas.microsoft.com/office/powerpoint/2010/main" val="709057224"/>
+      </p:ext>
+    </p:extLst>
+  </p:cSld>
+  <p:clrMapOvr>
+    <a:masterClrMapping/>
+  </p:clrMapOvr>
+</p:sld>
+</file>
+
+<file path=ppt/slides/slide6.xml><?xml version="1.0" encoding="utf-8"?>
+<p:sld xmlns:a="http://schemas.openxmlformats.org/drawingml/2006/main" xmlns:r="http://schemas.openxmlformats.org/officeDocument/2006/relationships" xmlns:p="http://schemas.openxmlformats.org/presentationml/2006/main">
+  <p:cSld>
+    <p:spTree>
+      <p:nvGrpSpPr>
+        <p:cNvPr id="1" name=""/>
+        <p:cNvGrpSpPr/>
+        <p:nvPr/>
+      </p:nvGrpSpPr>
+      <p:grpSpPr>
+        <a:xfrm>
+          <a:off x="0" y="0"/>
+          <a:ext cx="0" cy="0"/>
+          <a:chOff x="0" y="0"/>
+          <a:chExt cx="0" cy="0"/>
+        </a:xfrm>
+      </p:grpSpPr>
+      <p:cxnSp>
+        <p:nvCxnSpPr>
+          <p:cNvPr id="5" name="直线箭头连接符 4"/>
+          <p:cNvCxnSpPr/>
+          <p:nvPr/>
+        </p:nvCxnSpPr>
+        <p:spPr>
+          <a:xfrm flipV="1">
+            <a:off x="3089748" y="1880755"/>
+            <a:ext cx="0" cy="2513912"/>
+          </a:xfrm>
+          <a:prstGeom prst="straightConnector1">
+            <a:avLst/>
+          </a:prstGeom>
+          <a:ln>
+            <a:solidFill>
+              <a:schemeClr val="tx1"/>
+            </a:solidFill>
+            <a:tailEnd type="triangle"/>
+          </a:ln>
+        </p:spPr>
+        <p:style>
+          <a:lnRef idx="1">
+            <a:schemeClr val="accent1"/>
+          </a:lnRef>
+          <a:fillRef idx="0">
+            <a:schemeClr val="accent1"/>
+          </a:fillRef>
+          <a:effectRef idx="0">
+            <a:schemeClr val="accent1"/>
+          </a:effectRef>
+          <a:fontRef idx="minor">
+            <a:schemeClr val="tx1"/>
+          </a:fontRef>
+        </p:style>
+      </p:cxnSp>
+      <p:cxnSp>
+        <p:nvCxnSpPr>
+          <p:cNvPr id="6" name="直线箭头连接符 5"/>
+          <p:cNvCxnSpPr/>
+          <p:nvPr/>
+        </p:nvCxnSpPr>
+        <p:spPr>
+          <a:xfrm>
+            <a:off x="3089748" y="4394666"/>
+            <a:ext cx="5576271" cy="688"/>
+          </a:xfrm>
+          <a:prstGeom prst="straightConnector1">
+            <a:avLst/>
+          </a:prstGeom>
+          <a:ln>
+            <a:solidFill>
+              <a:schemeClr val="tx1"/>
+            </a:solidFill>
+            <a:tailEnd type="triangle"/>
+          </a:ln>
+        </p:spPr>
+        <p:style>
+          <a:lnRef idx="1">
+            <a:schemeClr val="accent1"/>
+          </a:lnRef>
+          <a:fillRef idx="0">
+            <a:schemeClr val="accent1"/>
+          </a:fillRef>
+          <a:effectRef idx="0">
+            <a:schemeClr val="accent1"/>
+          </a:effectRef>
+          <a:fontRef idx="minor">
+            <a:schemeClr val="tx1"/>
+          </a:fontRef>
+        </p:style>
+      </p:cxnSp>
+      <p:cxnSp>
+        <p:nvCxnSpPr>
+          <p:cNvPr id="11" name="直线连接符 10"/>
+          <p:cNvCxnSpPr/>
+          <p:nvPr/>
+        </p:nvCxnSpPr>
+        <p:spPr>
+          <a:xfrm flipV="1">
+            <a:off x="3089748" y="4394666"/>
+            <a:ext cx="0" cy="343589"/>
+          </a:xfrm>
+          <a:prstGeom prst="line">
+            <a:avLst/>
+          </a:prstGeom>
+          <a:ln>
+            <a:solidFill>
+              <a:schemeClr val="tx1"/>
+            </a:solidFill>
+            <a:prstDash val="dash"/>
+          </a:ln>
+        </p:spPr>
+        <p:style>
+          <a:lnRef idx="1">
+            <a:schemeClr val="accent1"/>
+          </a:lnRef>
+          <a:fillRef idx="0">
+            <a:schemeClr val="accent1"/>
+          </a:fillRef>
+          <a:effectRef idx="0">
+            <a:schemeClr val="accent1"/>
+          </a:effectRef>
+          <a:fontRef idx="minor">
+            <a:schemeClr val="tx1"/>
+          </a:fontRef>
+        </p:style>
+      </p:cxnSp>
+      <p:cxnSp>
+        <p:nvCxnSpPr>
+          <p:cNvPr id="15" name="直线连接符 14"/>
+          <p:cNvCxnSpPr/>
+          <p:nvPr/>
+        </p:nvCxnSpPr>
+        <p:spPr>
+          <a:xfrm flipV="1">
+            <a:off x="3740912" y="4394665"/>
+            <a:ext cx="0" cy="343589"/>
+          </a:xfrm>
+          <a:prstGeom prst="line">
+            <a:avLst/>
+          </a:prstGeom>
+          <a:ln>
+            <a:solidFill>
+              <a:schemeClr val="tx1"/>
+            </a:solidFill>
+            <a:prstDash val="dash"/>
+          </a:ln>
+        </p:spPr>
+        <p:style>
+          <a:lnRef idx="1">
+            <a:schemeClr val="accent1"/>
+          </a:lnRef>
+          <a:fillRef idx="0">
+            <a:schemeClr val="accent1"/>
+          </a:fillRef>
+          <a:effectRef idx="0">
+            <a:schemeClr val="accent1"/>
+          </a:effectRef>
+          <a:fontRef idx="minor">
+            <a:schemeClr val="tx1"/>
+          </a:fontRef>
+        </p:style>
+      </p:cxnSp>
+      <p:cxnSp>
+        <p:nvCxnSpPr>
+          <p:cNvPr id="16" name="直线连接符 15"/>
+          <p:cNvCxnSpPr/>
+          <p:nvPr/>
+        </p:nvCxnSpPr>
+        <p:spPr>
+          <a:xfrm flipV="1">
+            <a:off x="4551219" y="3948546"/>
+            <a:ext cx="1" cy="446119"/>
+          </a:xfrm>
+          <a:prstGeom prst="line">
+            <a:avLst/>
+          </a:prstGeom>
+          <a:ln>
+            <a:solidFill>
+              <a:schemeClr val="tx1"/>
+            </a:solidFill>
+            <a:prstDash val="dash"/>
+          </a:ln>
+        </p:spPr>
+        <p:style>
+          <a:lnRef idx="1">
+            <a:schemeClr val="accent1"/>
+          </a:lnRef>
+          <a:fillRef idx="0">
+            <a:schemeClr val="accent1"/>
+          </a:fillRef>
+          <a:effectRef idx="0">
+            <a:schemeClr val="accent1"/>
+          </a:effectRef>
+          <a:fontRef idx="minor">
+            <a:schemeClr val="tx1"/>
+          </a:fontRef>
+        </p:style>
+      </p:cxnSp>
+      <p:cxnSp>
+        <p:nvCxnSpPr>
+          <p:cNvPr id="19" name="直线连接符 18"/>
+          <p:cNvCxnSpPr/>
+          <p:nvPr/>
+        </p:nvCxnSpPr>
+        <p:spPr>
+          <a:xfrm flipV="1">
+            <a:off x="5350951" y="3023411"/>
+            <a:ext cx="10575" cy="1371255"/>
+          </a:xfrm>
+          <a:prstGeom prst="line">
+            <a:avLst/>
+          </a:prstGeom>
+          <a:ln>
+            <a:solidFill>
+              <a:schemeClr val="tx1"/>
+            </a:solidFill>
+            <a:prstDash val="dash"/>
+          </a:ln>
+        </p:spPr>
+        <p:style>
+          <a:lnRef idx="1">
+            <a:schemeClr val="accent1"/>
+          </a:lnRef>
+          <a:fillRef idx="0">
+            <a:schemeClr val="accent1"/>
+          </a:fillRef>
+          <a:effectRef idx="0">
+            <a:schemeClr val="accent1"/>
+          </a:effectRef>
+          <a:fontRef idx="minor">
+            <a:schemeClr val="tx1"/>
+          </a:fontRef>
+        </p:style>
+      </p:cxnSp>
+      <p:cxnSp>
+        <p:nvCxnSpPr>
+          <p:cNvPr id="21" name="直线连接符 20"/>
+          <p:cNvCxnSpPr/>
+          <p:nvPr/>
+        </p:nvCxnSpPr>
+        <p:spPr>
+          <a:xfrm flipV="1">
+            <a:off x="7186678" y="3023410"/>
+            <a:ext cx="10575" cy="1371255"/>
+          </a:xfrm>
+          <a:prstGeom prst="line">
+            <a:avLst/>
+          </a:prstGeom>
+          <a:ln>
+            <a:solidFill>
+              <a:schemeClr val="tx1"/>
+            </a:solidFill>
+            <a:prstDash val="dash"/>
+          </a:ln>
+        </p:spPr>
+        <p:style>
+          <a:lnRef idx="1">
+            <a:schemeClr val="accent1"/>
+          </a:lnRef>
+          <a:fillRef idx="0">
+            <a:schemeClr val="accent1"/>
+          </a:fillRef>
+          <a:effectRef idx="0">
+            <a:schemeClr val="accent1"/>
+          </a:effectRef>
+          <a:fontRef idx="minor">
+            <a:schemeClr val="tx1"/>
+          </a:fontRef>
+        </p:style>
+      </p:cxnSp>
+      <p:cxnSp>
+        <p:nvCxnSpPr>
+          <p:cNvPr id="22" name="直线连接符 21"/>
+          <p:cNvCxnSpPr/>
+          <p:nvPr/>
+        </p:nvCxnSpPr>
+        <p:spPr>
+          <a:xfrm flipH="1" flipV="1">
+            <a:off x="8239992" y="3948546"/>
+            <a:ext cx="3095" cy="446119"/>
+          </a:xfrm>
+          <a:prstGeom prst="line">
+            <a:avLst/>
+          </a:prstGeom>
+          <a:ln>
+            <a:solidFill>
+              <a:schemeClr val="tx1"/>
+            </a:solidFill>
+            <a:prstDash val="dash"/>
+          </a:ln>
+        </p:spPr>
+        <p:style>
+          <a:lnRef idx="1">
+            <a:schemeClr val="accent1"/>
+          </a:lnRef>
+          <a:fillRef idx="0">
+            <a:schemeClr val="accent1"/>
+          </a:fillRef>
+          <a:effectRef idx="0">
+            <a:schemeClr val="accent1"/>
+          </a:effectRef>
+          <a:fontRef idx="minor">
+            <a:schemeClr val="tx1"/>
+          </a:fontRef>
+        </p:style>
+      </p:cxnSp>
+      <p:sp>
+        <p:nvSpPr>
+          <p:cNvPr id="29" name="任意形状 28"/>
+          <p:cNvSpPr/>
+          <p:nvPr/>
+        </p:nvSpPr>
+        <p:spPr>
+          <a:xfrm>
+            <a:off x="3751119" y="2597718"/>
+            <a:ext cx="4644822" cy="1787246"/>
+          </a:xfrm>
+          <a:custGeom>
+            <a:avLst/>
+            <a:gdLst>
+              <a:gd name="connsiteX0" fmla="*/ 0 w 4644822"/>
+              <a:gd name="connsiteY0" fmla="*/ 1787246 h 1787246"/>
+              <a:gd name="connsiteX1" fmla="*/ 800100 w 4644822"/>
+              <a:gd name="connsiteY1" fmla="*/ 1413173 h 1787246"/>
+              <a:gd name="connsiteX2" fmla="*/ 1579418 w 4644822"/>
+              <a:gd name="connsiteY2" fmla="*/ 457210 h 1787246"/>
+              <a:gd name="connsiteX3" fmla="*/ 2462645 w 4644822"/>
+              <a:gd name="connsiteY3" fmla="*/ 10 h 1787246"/>
+              <a:gd name="connsiteX4" fmla="*/ 3501736 w 4644822"/>
+              <a:gd name="connsiteY4" fmla="*/ 467601 h 1787246"/>
+              <a:gd name="connsiteX5" fmla="*/ 4509654 w 4644822"/>
+              <a:gd name="connsiteY5" fmla="*/ 1402782 h 1787246"/>
+              <a:gd name="connsiteX6" fmla="*/ 4634345 w 4644822"/>
+              <a:gd name="connsiteY6" fmla="*/ 1506691 h 1787246"/>
+            </a:gdLst>
+            <a:ahLst/>
+            <a:cxnLst>
+              <a:cxn ang="0">
+                <a:pos x="connsiteX0" y="connsiteY0"/>
+              </a:cxn>
+              <a:cxn ang="0">
+                <a:pos x="connsiteX1" y="connsiteY1"/>
+              </a:cxn>
+              <a:cxn ang="0">
+                <a:pos x="connsiteX2" y="connsiteY2"/>
+              </a:cxn>
+              <a:cxn ang="0">
+                <a:pos x="connsiteX3" y="connsiteY3"/>
+              </a:cxn>
+              <a:cxn ang="0">
+                <a:pos x="connsiteX4" y="connsiteY4"/>
+              </a:cxn>
+              <a:cxn ang="0">
+                <a:pos x="connsiteX5" y="connsiteY5"/>
+              </a:cxn>
+              <a:cxn ang="0">
+                <a:pos x="connsiteX6" y="connsiteY6"/>
+              </a:cxn>
+            </a:cxnLst>
+            <a:rect l="l" t="t" r="r" b="b"/>
+            <a:pathLst>
+              <a:path w="4644822" h="1787246">
+                <a:moveTo>
+                  <a:pt x="0" y="1787246"/>
+                </a:moveTo>
+                <a:cubicBezTo>
+                  <a:pt x="268432" y="1711046"/>
+                  <a:pt x="536864" y="1634846"/>
+                  <a:pt x="800100" y="1413173"/>
+                </a:cubicBezTo>
+                <a:cubicBezTo>
+                  <a:pt x="1063336" y="1191500"/>
+                  <a:pt x="1302327" y="692737"/>
+                  <a:pt x="1579418" y="457210"/>
+                </a:cubicBezTo>
+                <a:cubicBezTo>
+                  <a:pt x="1856509" y="221683"/>
+                  <a:pt x="2142259" y="-1722"/>
+                  <a:pt x="2462645" y="10"/>
+                </a:cubicBezTo>
+                <a:cubicBezTo>
+                  <a:pt x="2783031" y="1742"/>
+                  <a:pt x="3160568" y="233806"/>
+                  <a:pt x="3501736" y="467601"/>
+                </a:cubicBezTo>
+                <a:cubicBezTo>
+                  <a:pt x="3842904" y="701396"/>
+                  <a:pt x="4320886" y="1229600"/>
+                  <a:pt x="4509654" y="1402782"/>
+                </a:cubicBezTo>
+                <a:cubicBezTo>
+                  <a:pt x="4698422" y="1575964"/>
+                  <a:pt x="4634345" y="1506691"/>
+                  <a:pt x="4634345" y="1506691"/>
+                </a:cubicBezTo>
+              </a:path>
+            </a:pathLst>
+          </a:custGeom>
+          <a:noFill/>
+          <a:ln>
+            <a:solidFill>
+              <a:schemeClr val="tx1"/>
+            </a:solidFill>
+          </a:ln>
+        </p:spPr>
+        <p:style>
+          <a:lnRef idx="2">
+            <a:schemeClr val="accent1">
+              <a:shade val="50000"/>
+            </a:schemeClr>
+          </a:lnRef>
+          <a:fillRef idx="1">
+            <a:schemeClr val="accent1"/>
+          </a:fillRef>
+          <a:effectRef idx="0">
+            <a:schemeClr val="accent1"/>
+          </a:effectRef>
+          <a:fontRef idx="minor">
+            <a:schemeClr val="lt1"/>
+          </a:fontRef>
+        </p:style>
+        <p:txBody>
+          <a:bodyPr rtlCol="0" anchor="ctr"/>
+          <a:lstStyle/>
+          <a:p>
+            <a:pPr algn="ctr"/>
+            <a:endParaRPr kumimoji="1" lang="zh-CN" altLang="en-US"/>
+          </a:p>
+        </p:txBody>
+      </p:sp>
+      <p:sp>
+        <p:nvSpPr>
+          <p:cNvPr id="30" name="任意形状 29"/>
+          <p:cNvSpPr/>
+          <p:nvPr/>
+        </p:nvSpPr>
+        <p:spPr>
+          <a:xfrm>
+            <a:off x="3751119" y="3879267"/>
+            <a:ext cx="4675909" cy="671952"/>
+          </a:xfrm>
+          <a:custGeom>
+            <a:avLst/>
+            <a:gdLst>
+              <a:gd name="connsiteX0" fmla="*/ 0 w 4675909"/>
+              <a:gd name="connsiteY0" fmla="*/ 671952 h 671952"/>
+              <a:gd name="connsiteX1" fmla="*/ 446809 w 4675909"/>
+              <a:gd name="connsiteY1" fmla="*/ 516088 h 671952"/>
+              <a:gd name="connsiteX2" fmla="*/ 883227 w 4675909"/>
+              <a:gd name="connsiteY2" fmla="*/ 391397 h 671952"/>
+              <a:gd name="connsiteX3" fmla="*/ 1683327 w 4675909"/>
+              <a:gd name="connsiteY3" fmla="*/ 266706 h 671952"/>
+              <a:gd name="connsiteX4" fmla="*/ 2140527 w 4675909"/>
+              <a:gd name="connsiteY4" fmla="*/ 48497 h 671952"/>
+              <a:gd name="connsiteX5" fmla="*/ 2576945 w 4675909"/>
+              <a:gd name="connsiteY5" fmla="*/ 6933 h 671952"/>
+              <a:gd name="connsiteX6" fmla="*/ 2961409 w 4675909"/>
+              <a:gd name="connsiteY6" fmla="*/ 152406 h 671952"/>
+              <a:gd name="connsiteX7" fmla="*/ 3304309 w 4675909"/>
+              <a:gd name="connsiteY7" fmla="*/ 287488 h 671952"/>
+              <a:gd name="connsiteX8" fmla="*/ 3543300 w 4675909"/>
+              <a:gd name="connsiteY8" fmla="*/ 339442 h 671952"/>
+              <a:gd name="connsiteX9" fmla="*/ 4218709 w 4675909"/>
+              <a:gd name="connsiteY9" fmla="*/ 412179 h 671952"/>
+              <a:gd name="connsiteX10" fmla="*/ 4488873 w 4675909"/>
+              <a:gd name="connsiteY10" fmla="*/ 443352 h 671952"/>
+              <a:gd name="connsiteX11" fmla="*/ 4675909 w 4675909"/>
+              <a:gd name="connsiteY11" fmla="*/ 495306 h 671952"/>
+            </a:gdLst>
+            <a:ahLst/>
+            <a:cxnLst>
+              <a:cxn ang="0">
+                <a:pos x="connsiteX0" y="connsiteY0"/>
+              </a:cxn>
+              <a:cxn ang="0">
+                <a:pos x="connsiteX1" y="connsiteY1"/>
+              </a:cxn>
+              <a:cxn ang="0">
+                <a:pos x="connsiteX2" y="connsiteY2"/>
+              </a:cxn>
+              <a:cxn ang="0">
+                <a:pos x="connsiteX3" y="connsiteY3"/>
+              </a:cxn>
+              <a:cxn ang="0">
+                <a:pos x="connsiteX4" y="connsiteY4"/>
+              </a:cxn>
+              <a:cxn ang="0">
+                <a:pos x="connsiteX5" y="connsiteY5"/>
+              </a:cxn>
+              <a:cxn ang="0">
+                <a:pos x="connsiteX6" y="connsiteY6"/>
+              </a:cxn>
+              <a:cxn ang="0">
+                <a:pos x="connsiteX7" y="connsiteY7"/>
+              </a:cxn>
+              <a:cxn ang="0">
+                <a:pos x="connsiteX8" y="connsiteY8"/>
+              </a:cxn>
+              <a:cxn ang="0">
+                <a:pos x="connsiteX9" y="connsiteY9"/>
+              </a:cxn>
+              <a:cxn ang="0">
+                <a:pos x="connsiteX10" y="connsiteY10"/>
+              </a:cxn>
+              <a:cxn ang="0">
+                <a:pos x="connsiteX11" y="connsiteY11"/>
+              </a:cxn>
+            </a:cxnLst>
+            <a:rect l="l" t="t" r="r" b="b"/>
+            <a:pathLst>
+              <a:path w="4675909" h="671952">
+                <a:moveTo>
+                  <a:pt x="0" y="671952"/>
+                </a:moveTo>
+                <a:cubicBezTo>
+                  <a:pt x="149802" y="617399"/>
+                  <a:pt x="299605" y="562847"/>
+                  <a:pt x="446809" y="516088"/>
+                </a:cubicBezTo>
+                <a:cubicBezTo>
+                  <a:pt x="594014" y="469329"/>
+                  <a:pt x="677141" y="432961"/>
+                  <a:pt x="883227" y="391397"/>
+                </a:cubicBezTo>
+                <a:cubicBezTo>
+                  <a:pt x="1089313" y="349833"/>
+                  <a:pt x="1473777" y="323856"/>
+                  <a:pt x="1683327" y="266706"/>
+                </a:cubicBezTo>
+                <a:cubicBezTo>
+                  <a:pt x="1892877" y="209556"/>
+                  <a:pt x="1991591" y="91792"/>
+                  <a:pt x="2140527" y="48497"/>
+                </a:cubicBezTo>
+                <a:cubicBezTo>
+                  <a:pt x="2289463" y="5201"/>
+                  <a:pt x="2440131" y="-10385"/>
+                  <a:pt x="2576945" y="6933"/>
+                </a:cubicBezTo>
+                <a:cubicBezTo>
+                  <a:pt x="2713759" y="24251"/>
+                  <a:pt x="2961409" y="152406"/>
+                  <a:pt x="2961409" y="152406"/>
+                </a:cubicBezTo>
+                <a:cubicBezTo>
+                  <a:pt x="3082636" y="199165"/>
+                  <a:pt x="3207327" y="256315"/>
+                  <a:pt x="3304309" y="287488"/>
+                </a:cubicBezTo>
+                <a:cubicBezTo>
+                  <a:pt x="3401291" y="318661"/>
+                  <a:pt x="3390900" y="318660"/>
+                  <a:pt x="3543300" y="339442"/>
+                </a:cubicBezTo>
+                <a:cubicBezTo>
+                  <a:pt x="3695700" y="360224"/>
+                  <a:pt x="4218709" y="412179"/>
+                  <a:pt x="4218709" y="412179"/>
+                </a:cubicBezTo>
+                <a:cubicBezTo>
+                  <a:pt x="4376304" y="429497"/>
+                  <a:pt x="4412673" y="429498"/>
+                  <a:pt x="4488873" y="443352"/>
+                </a:cubicBezTo>
+                <a:cubicBezTo>
+                  <a:pt x="4565073" y="457206"/>
+                  <a:pt x="4675909" y="495306"/>
+                  <a:pt x="4675909" y="495306"/>
+                </a:cubicBezTo>
+              </a:path>
+            </a:pathLst>
+          </a:custGeom>
+          <a:noFill/>
+          <a:ln>
+            <a:solidFill>
+              <a:schemeClr val="tx1"/>
+            </a:solidFill>
+          </a:ln>
+        </p:spPr>
+        <p:style>
+          <a:lnRef idx="2">
+            <a:schemeClr val="accent1">
+              <a:shade val="50000"/>
+            </a:schemeClr>
+          </a:lnRef>
+          <a:fillRef idx="1">
+            <a:schemeClr val="accent1"/>
+          </a:fillRef>
+          <a:effectRef idx="0">
+            <a:schemeClr val="accent1"/>
+          </a:effectRef>
+          <a:fontRef idx="minor">
+            <a:schemeClr val="lt1"/>
+          </a:fontRef>
+        </p:style>
+        <p:txBody>
+          <a:bodyPr rtlCol="0" anchor="ctr"/>
+          <a:lstStyle/>
+          <a:p>
+            <a:pPr algn="ctr"/>
+            <a:endParaRPr kumimoji="1" lang="zh-CN" altLang="en-US"/>
+          </a:p>
+        </p:txBody>
+      </p:sp>
+      <p:sp>
+        <p:nvSpPr>
+          <p:cNvPr id="33" name="文本框 32"/>
+          <p:cNvSpPr txBox="1"/>
+          <p:nvPr/>
+        </p:nvSpPr>
+        <p:spPr>
+          <a:xfrm>
+            <a:off x="2817878" y="1546928"/>
+            <a:ext cx="466794" cy="261610"/>
+          </a:xfrm>
+          <a:prstGeom prst="rect">
+            <a:avLst/>
+          </a:prstGeom>
+          <a:noFill/>
+        </p:spPr>
+        <p:txBody>
+          <a:bodyPr wrap="none" rtlCol="0">
+            <a:spAutoFit/>
+          </a:bodyPr>
+          <a:lstStyle/>
+          <a:p>
+            <a:r>
+              <a:rPr kumimoji="1" lang="zh-CN" altLang="en-US" sz="1100" smtClean="0"/>
+              <a:t>销售</a:t>
+            </a:r>
+            <a:endParaRPr kumimoji="1" lang="zh-CN" altLang="en-US" sz="1100" dirty="0"/>
+          </a:p>
+        </p:txBody>
+      </p:sp>
+      <p:sp>
+        <p:nvSpPr>
+          <p:cNvPr id="34" name="文本框 33"/>
+          <p:cNvSpPr txBox="1"/>
+          <p:nvPr/>
+        </p:nvSpPr>
+        <p:spPr>
+          <a:xfrm>
+            <a:off x="8640403" y="4228256"/>
+            <a:ext cx="466794" cy="261610"/>
+          </a:xfrm>
+          <a:prstGeom prst="rect">
+            <a:avLst/>
+          </a:prstGeom>
+          <a:noFill/>
+        </p:spPr>
+        <p:txBody>
+          <a:bodyPr wrap="none" rtlCol="0">
+            <a:spAutoFit/>
+          </a:bodyPr>
+          <a:lstStyle/>
+          <a:p>
+            <a:r>
+              <a:rPr kumimoji="1" lang="zh-CN" altLang="en-US" sz="1100" dirty="0" smtClean="0"/>
+              <a:t>时间</a:t>
+            </a:r>
+            <a:endParaRPr kumimoji="1" lang="zh-CN" altLang="en-US" sz="1100" dirty="0"/>
+          </a:p>
+        </p:txBody>
+      </p:sp>
+      <p:sp>
+        <p:nvSpPr>
+          <p:cNvPr id="35" name="文本框 34"/>
+          <p:cNvSpPr txBox="1"/>
+          <p:nvPr/>
+        </p:nvSpPr>
+        <p:spPr>
+          <a:xfrm>
+            <a:off x="5723869" y="2251485"/>
+            <a:ext cx="889987" cy="261610"/>
+          </a:xfrm>
+          <a:prstGeom prst="rect">
+            <a:avLst/>
+          </a:prstGeom>
+          <a:noFill/>
+        </p:spPr>
+        <p:txBody>
+          <a:bodyPr wrap="none" rtlCol="0">
+            <a:spAutoFit/>
+          </a:bodyPr>
+          <a:lstStyle/>
+          <a:p>
+            <a:r>
+              <a:rPr kumimoji="1" lang="zh-CN" altLang="en-US" sz="1100" smtClean="0"/>
+              <a:t>销售量曲线</a:t>
+            </a:r>
+            <a:endParaRPr kumimoji="1" lang="zh-CN" altLang="en-US" sz="1100" dirty="0"/>
+          </a:p>
+        </p:txBody>
+      </p:sp>
+      <p:sp>
+        <p:nvSpPr>
+          <p:cNvPr id="36" name="文本框 35"/>
+          <p:cNvSpPr txBox="1"/>
+          <p:nvPr/>
+        </p:nvSpPr>
+        <p:spPr>
+          <a:xfrm>
+            <a:off x="5816092" y="3536366"/>
+            <a:ext cx="748923" cy="261610"/>
+          </a:xfrm>
+          <a:prstGeom prst="rect">
+            <a:avLst/>
+          </a:prstGeom>
+          <a:noFill/>
+        </p:spPr>
+        <p:txBody>
+          <a:bodyPr wrap="none" rtlCol="0">
+            <a:spAutoFit/>
+          </a:bodyPr>
+          <a:lstStyle/>
+          <a:p>
+            <a:r>
+              <a:rPr kumimoji="1" lang="zh-CN" altLang="en-US" sz="1100" dirty="0" smtClean="0"/>
+              <a:t>利润曲线</a:t>
+            </a:r>
+            <a:endParaRPr kumimoji="1" lang="zh-CN" altLang="en-US" sz="1100" dirty="0"/>
+          </a:p>
+        </p:txBody>
+      </p:sp>
+      <p:sp>
+        <p:nvSpPr>
+          <p:cNvPr id="37" name="文本框 36"/>
+          <p:cNvSpPr txBox="1"/>
+          <p:nvPr/>
+        </p:nvSpPr>
+        <p:spPr>
+          <a:xfrm>
+            <a:off x="3099955" y="4476643"/>
+            <a:ext cx="607859" cy="261610"/>
+          </a:xfrm>
+          <a:prstGeom prst="rect">
+            <a:avLst/>
+          </a:prstGeom>
+          <a:noFill/>
+        </p:spPr>
+        <p:txBody>
+          <a:bodyPr wrap="none" rtlCol="0">
+            <a:spAutoFit/>
+          </a:bodyPr>
+          <a:lstStyle/>
+          <a:p>
+            <a:r>
+              <a:rPr kumimoji="1" lang="zh-CN" altLang="en-US" sz="1100" dirty="0" smtClean="0"/>
+              <a:t>开发期</a:t>
+            </a:r>
+            <a:endParaRPr kumimoji="1" lang="zh-CN" altLang="en-US" sz="1100" dirty="0"/>
+          </a:p>
+        </p:txBody>
+      </p:sp>
+      <p:sp>
+        <p:nvSpPr>
+          <p:cNvPr id="38" name="文本框 37"/>
+          <p:cNvSpPr txBox="1"/>
+          <p:nvPr/>
+        </p:nvSpPr>
+        <p:spPr>
+          <a:xfrm>
+            <a:off x="3900407" y="4480816"/>
+            <a:ext cx="607859" cy="261610"/>
+          </a:xfrm>
+          <a:prstGeom prst="rect">
+            <a:avLst/>
+          </a:prstGeom>
+          <a:noFill/>
+        </p:spPr>
+        <p:txBody>
+          <a:bodyPr wrap="none" rtlCol="0">
+            <a:spAutoFit/>
+          </a:bodyPr>
+          <a:lstStyle/>
+          <a:p>
+            <a:r>
+              <a:rPr kumimoji="1" lang="zh-CN" altLang="en-US" sz="1100" dirty="0" smtClean="0"/>
+              <a:t>引入期</a:t>
+            </a:r>
+            <a:endParaRPr kumimoji="1" lang="zh-CN" altLang="en-US" sz="1100" dirty="0"/>
+          </a:p>
+        </p:txBody>
+      </p:sp>
+      <p:sp>
+        <p:nvSpPr>
+          <p:cNvPr id="39" name="文本框 38"/>
+          <p:cNvSpPr txBox="1"/>
+          <p:nvPr/>
+        </p:nvSpPr>
+        <p:spPr>
+          <a:xfrm>
+            <a:off x="4657554" y="4472497"/>
+            <a:ext cx="607859" cy="261610"/>
+          </a:xfrm>
+          <a:prstGeom prst="rect">
+            <a:avLst/>
+          </a:prstGeom>
+          <a:noFill/>
+        </p:spPr>
+        <p:txBody>
+          <a:bodyPr wrap="none" rtlCol="0">
+            <a:spAutoFit/>
+          </a:bodyPr>
+          <a:lstStyle/>
+          <a:p>
+            <a:r>
+              <a:rPr kumimoji="1" lang="zh-CN" altLang="en-US" sz="1100" dirty="0" smtClean="0"/>
+              <a:t>成长期</a:t>
+            </a:r>
+            <a:endParaRPr kumimoji="1" lang="zh-CN" altLang="en-US" sz="1100" dirty="0"/>
+          </a:p>
+        </p:txBody>
+      </p:sp>
+      <p:sp>
+        <p:nvSpPr>
+          <p:cNvPr id="40" name="文本框 39"/>
+          <p:cNvSpPr txBox="1"/>
+          <p:nvPr/>
+        </p:nvSpPr>
+        <p:spPr>
+          <a:xfrm>
+            <a:off x="5961113" y="4472497"/>
+            <a:ext cx="607859" cy="261610"/>
+          </a:xfrm>
+          <a:prstGeom prst="rect">
+            <a:avLst/>
+          </a:prstGeom>
+          <a:noFill/>
+        </p:spPr>
+        <p:txBody>
+          <a:bodyPr wrap="none" rtlCol="0">
+            <a:spAutoFit/>
+          </a:bodyPr>
+          <a:lstStyle/>
+          <a:p>
+            <a:r>
+              <a:rPr kumimoji="1" lang="zh-CN" altLang="en-US" sz="1100" smtClean="0"/>
+              <a:t>成熟期</a:t>
+            </a:r>
+            <a:endParaRPr kumimoji="1" lang="zh-CN" altLang="en-US" sz="1100" dirty="0"/>
+          </a:p>
+        </p:txBody>
+      </p:sp>
+      <p:sp>
+        <p:nvSpPr>
+          <p:cNvPr id="41" name="文本框 40"/>
+          <p:cNvSpPr txBox="1"/>
+          <p:nvPr/>
+        </p:nvSpPr>
+        <p:spPr>
+          <a:xfrm>
+            <a:off x="7412377" y="4477719"/>
+            <a:ext cx="607859" cy="261610"/>
+          </a:xfrm>
+          <a:prstGeom prst="rect">
+            <a:avLst/>
+          </a:prstGeom>
+          <a:noFill/>
+        </p:spPr>
+        <p:txBody>
+          <a:bodyPr wrap="none" rtlCol="0">
+            <a:spAutoFit/>
+          </a:bodyPr>
+          <a:lstStyle/>
+          <a:p>
+            <a:r>
+              <a:rPr kumimoji="1" lang="zh-CN" altLang="en-US" sz="1100" dirty="0" smtClean="0"/>
+              <a:t>衰退期</a:t>
+            </a:r>
+            <a:endParaRPr kumimoji="1" lang="zh-CN" altLang="en-US" sz="1100" dirty="0"/>
+          </a:p>
+        </p:txBody>
+      </p:sp>
+      <p:sp>
+        <p:nvSpPr>
+          <p:cNvPr id="42" name="文本框 41"/>
+          <p:cNvSpPr txBox="1"/>
+          <p:nvPr/>
+        </p:nvSpPr>
+        <p:spPr>
+          <a:xfrm>
+            <a:off x="5110770" y="4900363"/>
+            <a:ext cx="2159566" cy="307777"/>
+          </a:xfrm>
+          <a:prstGeom prst="rect">
+            <a:avLst/>
+          </a:prstGeom>
+          <a:noFill/>
+        </p:spPr>
+        <p:txBody>
+          <a:bodyPr wrap="none" rtlCol="0">
+            <a:spAutoFit/>
+          </a:bodyPr>
+          <a:lstStyle/>
+          <a:p>
+            <a:r>
+              <a:rPr kumimoji="1" lang="zh-CN" altLang="en-US" sz="1400" dirty="0" smtClean="0"/>
+              <a:t>典型的产品</a:t>
+            </a:r>
+            <a:r>
+              <a:rPr kumimoji="1" lang="zh-CN" altLang="en-US" sz="1400" smtClean="0"/>
+              <a:t>生命周期曲线</a:t>
+            </a:r>
+            <a:endParaRPr kumimoji="1" lang="zh-CN" altLang="en-US" sz="1400" dirty="0"/>
+          </a:p>
+        </p:txBody>
+      </p:sp>
+    </p:spTree>
+    <p:extLst>
+      <p:ext uri="{BB962C8B-B14F-4D97-AF65-F5344CB8AC3E}">
+        <p14:creationId xmlns:p14="http://schemas.microsoft.com/office/powerpoint/2010/main" val="737666543"/>
+      </p:ext>
+    </p:extLst>
+  </p:cSld>
+  <p:clrMapOvr>
+    <a:masterClrMapping/>
+  </p:clrMapOvr>
+</p:sld>
+</file>
+
+<file path=ppt/slides/slide7.xml><?xml version="1.0" encoding="utf-8"?>
+<p:sld xmlns:a="http://schemas.openxmlformats.org/drawingml/2006/main" xmlns:r="http://schemas.openxmlformats.org/officeDocument/2006/relationships" xmlns:p="http://schemas.openxmlformats.org/presentationml/2006/main">
+  <p:cSld>
+    <p:spTree>
+      <p:nvGrpSpPr>
+        <p:cNvPr id="1" name=""/>
+        <p:cNvGrpSpPr/>
+        <p:nvPr/>
+      </p:nvGrpSpPr>
+      <p:grpSpPr>
+        <a:xfrm>
+          <a:off x="0" y="0"/>
+          <a:ext cx="0" cy="0"/>
+          <a:chOff x="0" y="0"/>
+          <a:chExt cx="0" cy="0"/>
+        </a:xfrm>
+      </p:grpSpPr>
+      <p:grpSp>
+        <p:nvGrpSpPr>
+          <p:cNvPr id="5" name="组 4"/>
+          <p:cNvGrpSpPr/>
+          <p:nvPr/>
+        </p:nvGrpSpPr>
+        <p:grpSpPr>
+          <a:xfrm>
+            <a:off x="3372229" y="2400299"/>
+            <a:ext cx="663195" cy="2177771"/>
+            <a:chOff x="4374117" y="2366252"/>
+            <a:chExt cx="663195" cy="1941069"/>
+          </a:xfrm>
+        </p:grpSpPr>
+        <p:sp>
+          <p:nvSpPr>
+            <p:cNvPr id="6" name="矩形 5"/>
+            <p:cNvSpPr/>
+            <p:nvPr/>
+          </p:nvSpPr>
+          <p:spPr>
+            <a:xfrm>
+              <a:off x="4374117" y="2366252"/>
+              <a:ext cx="663195" cy="1941069"/>
+            </a:xfrm>
+            <a:prstGeom prst="rect">
+              <a:avLst/>
+            </a:prstGeom>
+            <a:noFill/>
+            <a:ln>
+              <a:solidFill>
+                <a:schemeClr val="tx1"/>
+              </a:solidFill>
+            </a:ln>
+          </p:spPr>
+          <p:style>
+            <a:lnRef idx="2">
+              <a:schemeClr val="accent1">
+                <a:shade val="50000"/>
+              </a:schemeClr>
+            </a:lnRef>
+            <a:fillRef idx="1">
+              <a:schemeClr val="accent1"/>
+            </a:fillRef>
+            <a:effectRef idx="0">
+              <a:schemeClr val="accent1"/>
+            </a:effectRef>
+            <a:fontRef idx="minor">
+              <a:schemeClr val="lt1"/>
+            </a:fontRef>
+          </p:style>
+          <p:txBody>
+            <a:bodyPr rtlCol="0" anchor="ctr"/>
+            <a:lstStyle/>
+            <a:p>
+              <a:pPr algn="ctr"/>
+              <a:endParaRPr kumimoji="1" lang="zh-CN" altLang="en-US" sz="1600">
+                <a:latin typeface="Microsoft YaHei" charset="-122"/>
+                <a:ea typeface="Microsoft YaHei" charset="-122"/>
+                <a:cs typeface="Microsoft YaHei" charset="-122"/>
+              </a:endParaRPr>
+            </a:p>
+          </p:txBody>
+        </p:sp>
+        <p:sp>
+          <p:nvSpPr>
+            <p:cNvPr id="7" name="文本框 6"/>
+            <p:cNvSpPr txBox="1"/>
+            <p:nvPr/>
+          </p:nvSpPr>
+          <p:spPr>
+            <a:xfrm>
+              <a:off x="4524540" y="2787561"/>
+              <a:ext cx="362347" cy="1200329"/>
+            </a:xfrm>
+            <a:prstGeom prst="rect">
+              <a:avLst/>
+            </a:prstGeom>
+            <a:noFill/>
+          </p:spPr>
+          <p:txBody>
+            <a:bodyPr wrap="square" rtlCol="0">
+              <a:spAutoFit/>
+            </a:bodyPr>
+            <a:lstStyle/>
+            <a:p>
+              <a:pPr algn="ctr"/>
+              <a:r>
+                <a:rPr kumimoji="1" lang="zh-CN" altLang="en-US" sz="1200" dirty="0" smtClean="0">
+                  <a:latin typeface="Microsoft YaHei" charset="-122"/>
+                  <a:ea typeface="Microsoft YaHei" charset="-122"/>
+                  <a:cs typeface="Microsoft YaHei" charset="-122"/>
+                </a:rPr>
+                <a:t>企业能力分析</a:t>
+              </a:r>
+              <a:endParaRPr kumimoji="1" lang="zh-CN" altLang="en-US" sz="1200" dirty="0">
+                <a:latin typeface="Microsoft YaHei" charset="-122"/>
+                <a:ea typeface="Microsoft YaHei" charset="-122"/>
+                <a:cs typeface="Microsoft YaHei" charset="-122"/>
+              </a:endParaRPr>
+            </a:p>
+          </p:txBody>
+        </p:sp>
+      </p:grpSp>
+      <p:grpSp>
+        <p:nvGrpSpPr>
+          <p:cNvPr id="8" name="组 7"/>
+          <p:cNvGrpSpPr/>
+          <p:nvPr/>
+        </p:nvGrpSpPr>
+        <p:grpSpPr>
+          <a:xfrm>
+            <a:off x="7545911" y="2452254"/>
+            <a:ext cx="663195" cy="2063471"/>
+            <a:chOff x="4374117" y="2468129"/>
+            <a:chExt cx="663195" cy="1839192"/>
+          </a:xfrm>
+        </p:grpSpPr>
+        <p:sp>
+          <p:nvSpPr>
+            <p:cNvPr id="9" name="矩形 8"/>
+            <p:cNvSpPr/>
+            <p:nvPr/>
+          </p:nvSpPr>
+          <p:spPr>
+            <a:xfrm>
+              <a:off x="4374117" y="2468129"/>
+              <a:ext cx="663195" cy="1839192"/>
+            </a:xfrm>
+            <a:prstGeom prst="rect">
+              <a:avLst/>
+            </a:prstGeom>
+            <a:noFill/>
+            <a:ln>
+              <a:solidFill>
+                <a:schemeClr val="tx1"/>
+              </a:solidFill>
+            </a:ln>
+          </p:spPr>
+          <p:style>
+            <a:lnRef idx="2">
+              <a:schemeClr val="accent1">
+                <a:shade val="50000"/>
+              </a:schemeClr>
+            </a:lnRef>
+            <a:fillRef idx="1">
+              <a:schemeClr val="accent1"/>
+            </a:fillRef>
+            <a:effectRef idx="0">
+              <a:schemeClr val="accent1"/>
+            </a:effectRef>
+            <a:fontRef idx="minor">
+              <a:schemeClr val="lt1"/>
+            </a:fontRef>
+          </p:style>
+          <p:txBody>
+            <a:bodyPr rtlCol="0" anchor="ctr"/>
+            <a:lstStyle/>
+            <a:p>
+              <a:pPr algn="ctr"/>
+              <a:endParaRPr kumimoji="1" lang="zh-CN" altLang="en-US" sz="1600">
+                <a:latin typeface="Microsoft YaHei" charset="-122"/>
+                <a:ea typeface="Microsoft YaHei" charset="-122"/>
+                <a:cs typeface="Microsoft YaHei" charset="-122"/>
+              </a:endParaRPr>
+            </a:p>
+          </p:txBody>
+        </p:sp>
+        <p:sp>
+          <p:nvSpPr>
+            <p:cNvPr id="10" name="文本框 9"/>
+            <p:cNvSpPr txBox="1"/>
+            <p:nvPr/>
+          </p:nvSpPr>
+          <p:spPr>
+            <a:xfrm>
+              <a:off x="4524540" y="2870670"/>
+              <a:ext cx="362347" cy="1200329"/>
+            </a:xfrm>
+            <a:prstGeom prst="rect">
+              <a:avLst/>
+            </a:prstGeom>
+            <a:noFill/>
+          </p:spPr>
+          <p:txBody>
+            <a:bodyPr wrap="square" rtlCol="0">
+              <a:spAutoFit/>
+            </a:bodyPr>
+            <a:lstStyle/>
+            <a:p>
+              <a:pPr algn="ctr"/>
+              <a:r>
+                <a:rPr kumimoji="1" lang="zh-CN" altLang="en-US" sz="1200" dirty="0" smtClean="0">
+                  <a:latin typeface="Microsoft YaHei" charset="-122"/>
+                  <a:ea typeface="Microsoft YaHei" charset="-122"/>
+                  <a:cs typeface="Microsoft YaHei" charset="-122"/>
+                </a:rPr>
+                <a:t>竞争对手分析</a:t>
+              </a:r>
+              <a:endParaRPr kumimoji="1" lang="zh-CN" altLang="en-US" sz="1200" dirty="0">
+                <a:latin typeface="Microsoft YaHei" charset="-122"/>
+                <a:ea typeface="Microsoft YaHei" charset="-122"/>
+                <a:cs typeface="Microsoft YaHei" charset="-122"/>
+              </a:endParaRPr>
+            </a:p>
+          </p:txBody>
+        </p:sp>
+      </p:grpSp>
+      <p:grpSp>
+        <p:nvGrpSpPr>
+          <p:cNvPr id="11" name="组 10"/>
+          <p:cNvGrpSpPr/>
+          <p:nvPr/>
+        </p:nvGrpSpPr>
+        <p:grpSpPr>
+          <a:xfrm>
+            <a:off x="4833321" y="2593632"/>
+            <a:ext cx="1909269" cy="371742"/>
+            <a:chOff x="1345042" y="5994113"/>
+            <a:chExt cx="924791" cy="852055"/>
+          </a:xfrm>
+        </p:grpSpPr>
+        <p:sp>
+          <p:nvSpPr>
+            <p:cNvPr id="12" name="矩形 11"/>
+            <p:cNvSpPr/>
+            <p:nvPr/>
+          </p:nvSpPr>
+          <p:spPr>
+            <a:xfrm>
+              <a:off x="1345042" y="5994113"/>
+              <a:ext cx="924791" cy="852055"/>
+            </a:xfrm>
+            <a:prstGeom prst="rect">
+              <a:avLst/>
+            </a:prstGeom>
+            <a:noFill/>
+            <a:ln>
+              <a:solidFill>
+                <a:schemeClr val="tx1"/>
+              </a:solidFill>
+            </a:ln>
+          </p:spPr>
+          <p:style>
+            <a:lnRef idx="2">
+              <a:schemeClr val="accent1">
+                <a:shade val="50000"/>
+              </a:schemeClr>
+            </a:lnRef>
+            <a:fillRef idx="1">
+              <a:schemeClr val="accent1"/>
+            </a:fillRef>
+            <a:effectRef idx="0">
+              <a:schemeClr val="accent1"/>
+            </a:effectRef>
+            <a:fontRef idx="minor">
+              <a:schemeClr val="lt1"/>
+            </a:fontRef>
+          </p:style>
+          <p:txBody>
+            <a:bodyPr rtlCol="0" anchor="ctr"/>
+            <a:lstStyle/>
+            <a:p>
+              <a:pPr algn="ctr"/>
+              <a:endParaRPr kumimoji="1" lang="zh-CN" altLang="en-US" sz="1600">
+                <a:latin typeface="Microsoft YaHei" charset="-122"/>
+                <a:ea typeface="Microsoft YaHei" charset="-122"/>
+                <a:cs typeface="Microsoft YaHei" charset="-122"/>
+              </a:endParaRPr>
+            </a:p>
+          </p:txBody>
+        </p:sp>
+        <p:sp>
+          <p:nvSpPr>
+            <p:cNvPr id="13" name="文本框 12"/>
+            <p:cNvSpPr txBox="1"/>
+            <p:nvPr/>
+          </p:nvSpPr>
+          <p:spPr>
+            <a:xfrm>
+              <a:off x="1595510" y="6120328"/>
+              <a:ext cx="422542" cy="599626"/>
+            </a:xfrm>
+            <a:prstGeom prst="rect">
+              <a:avLst/>
+            </a:prstGeom>
+            <a:noFill/>
+          </p:spPr>
+          <p:txBody>
+            <a:bodyPr wrap="none" rtlCol="0" anchor="ctr">
+              <a:spAutoFit/>
+            </a:bodyPr>
+            <a:lstStyle/>
+            <a:p>
+              <a:pPr algn="ctr"/>
+              <a:r>
+                <a:rPr kumimoji="1" lang="zh-CN" altLang="en-US" sz="1100" dirty="0" smtClean="0">
+                  <a:latin typeface="Microsoft YaHei" charset="-122"/>
+                  <a:ea typeface="Microsoft YaHei" charset="-122"/>
+                  <a:cs typeface="Microsoft YaHei" charset="-122"/>
+                </a:rPr>
+                <a:t>市场细分 </a:t>
+              </a:r>
+              <a:r>
+                <a:rPr kumimoji="1" lang="en-US" altLang="zh-CN" sz="1100" dirty="0" smtClean="0">
+                  <a:latin typeface="Microsoft YaHei" charset="-122"/>
+                  <a:ea typeface="Microsoft YaHei" charset="-122"/>
+                  <a:cs typeface="Microsoft YaHei" charset="-122"/>
+                </a:rPr>
+                <a:t>S</a:t>
+              </a:r>
+              <a:endParaRPr kumimoji="1" lang="zh-CN" altLang="en-US" sz="1100" dirty="0">
+                <a:latin typeface="Microsoft YaHei" charset="-122"/>
+                <a:ea typeface="Microsoft YaHei" charset="-122"/>
+                <a:cs typeface="Microsoft YaHei" charset="-122"/>
+              </a:endParaRPr>
+            </a:p>
+          </p:txBody>
+        </p:sp>
+      </p:grpSp>
+      <p:grpSp>
+        <p:nvGrpSpPr>
+          <p:cNvPr id="14" name="组 13"/>
+          <p:cNvGrpSpPr/>
+          <p:nvPr/>
+        </p:nvGrpSpPr>
+        <p:grpSpPr>
+          <a:xfrm>
+            <a:off x="4824286" y="1858179"/>
+            <a:ext cx="1909269" cy="371742"/>
+            <a:chOff x="1345042" y="5994113"/>
+            <a:chExt cx="924791" cy="852055"/>
+          </a:xfrm>
+        </p:grpSpPr>
+        <p:sp>
+          <p:nvSpPr>
+            <p:cNvPr id="15" name="矩形 14"/>
+            <p:cNvSpPr/>
+            <p:nvPr/>
+          </p:nvSpPr>
+          <p:spPr>
+            <a:xfrm>
+              <a:off x="1345042" y="5994113"/>
+              <a:ext cx="924791" cy="852055"/>
+            </a:xfrm>
+            <a:prstGeom prst="rect">
+              <a:avLst/>
+            </a:prstGeom>
+            <a:noFill/>
+            <a:ln>
+              <a:solidFill>
+                <a:schemeClr val="tx1"/>
+              </a:solidFill>
+            </a:ln>
+          </p:spPr>
+          <p:style>
+            <a:lnRef idx="2">
+              <a:schemeClr val="accent1">
+                <a:shade val="50000"/>
+              </a:schemeClr>
+            </a:lnRef>
+            <a:fillRef idx="1">
+              <a:schemeClr val="accent1"/>
+            </a:fillRef>
+            <a:effectRef idx="0">
+              <a:schemeClr val="accent1"/>
+            </a:effectRef>
+            <a:fontRef idx="minor">
+              <a:schemeClr val="lt1"/>
+            </a:fontRef>
+          </p:style>
+          <p:txBody>
+            <a:bodyPr rtlCol="0" anchor="ctr"/>
+            <a:lstStyle/>
+            <a:p>
+              <a:pPr algn="ctr"/>
+              <a:endParaRPr kumimoji="1" lang="zh-CN" altLang="en-US" sz="1600">
+                <a:latin typeface="Microsoft YaHei" charset="-122"/>
+                <a:ea typeface="Microsoft YaHei" charset="-122"/>
+                <a:cs typeface="Microsoft YaHei" charset="-122"/>
+              </a:endParaRPr>
+            </a:p>
+          </p:txBody>
+        </p:sp>
+        <p:sp>
+          <p:nvSpPr>
+            <p:cNvPr id="16" name="文本框 15"/>
+            <p:cNvSpPr txBox="1"/>
+            <p:nvPr/>
+          </p:nvSpPr>
+          <p:spPr>
+            <a:xfrm>
+              <a:off x="1625404" y="6120328"/>
+              <a:ext cx="362755" cy="599626"/>
+            </a:xfrm>
+            <a:prstGeom prst="rect">
+              <a:avLst/>
+            </a:prstGeom>
+            <a:noFill/>
+          </p:spPr>
+          <p:txBody>
+            <a:bodyPr wrap="none" rtlCol="0" anchor="ctr">
+              <a:spAutoFit/>
+            </a:bodyPr>
+            <a:lstStyle/>
+            <a:p>
+              <a:pPr algn="ctr"/>
+              <a:r>
+                <a:rPr kumimoji="1" lang="zh-CN" altLang="en-US" sz="1100" dirty="0" smtClean="0">
+                  <a:latin typeface="Microsoft YaHei" charset="-122"/>
+                  <a:ea typeface="Microsoft YaHei" charset="-122"/>
+                  <a:cs typeface="Microsoft YaHei" charset="-122"/>
+                </a:rPr>
+                <a:t>顾客分析</a:t>
+              </a:r>
+              <a:endParaRPr kumimoji="1" lang="zh-CN" altLang="en-US" sz="1100" dirty="0">
+                <a:latin typeface="Microsoft YaHei" charset="-122"/>
+                <a:ea typeface="Microsoft YaHei" charset="-122"/>
+                <a:cs typeface="Microsoft YaHei" charset="-122"/>
+              </a:endParaRPr>
+            </a:p>
+          </p:txBody>
+        </p:sp>
+      </p:grpSp>
+      <p:grpSp>
+        <p:nvGrpSpPr>
+          <p:cNvPr id="17" name="组 16"/>
+          <p:cNvGrpSpPr/>
+          <p:nvPr/>
+        </p:nvGrpSpPr>
+        <p:grpSpPr>
+          <a:xfrm>
+            <a:off x="4833321" y="3299011"/>
+            <a:ext cx="1909269" cy="371742"/>
+            <a:chOff x="1345042" y="5994113"/>
+            <a:chExt cx="924791" cy="852055"/>
+          </a:xfrm>
+        </p:grpSpPr>
+        <p:sp>
+          <p:nvSpPr>
+            <p:cNvPr id="18" name="矩形 17"/>
+            <p:cNvSpPr/>
+            <p:nvPr/>
+          </p:nvSpPr>
+          <p:spPr>
+            <a:xfrm>
+              <a:off x="1345042" y="5994113"/>
+              <a:ext cx="924791" cy="852055"/>
+            </a:xfrm>
+            <a:prstGeom prst="rect">
+              <a:avLst/>
+            </a:prstGeom>
+            <a:noFill/>
+            <a:ln>
+              <a:solidFill>
+                <a:schemeClr val="tx1"/>
+              </a:solidFill>
+            </a:ln>
+          </p:spPr>
+          <p:style>
+            <a:lnRef idx="2">
+              <a:schemeClr val="accent1">
+                <a:shade val="50000"/>
+              </a:schemeClr>
+            </a:lnRef>
+            <a:fillRef idx="1">
+              <a:schemeClr val="accent1"/>
+            </a:fillRef>
+            <a:effectRef idx="0">
+              <a:schemeClr val="accent1"/>
+            </a:effectRef>
+            <a:fontRef idx="minor">
+              <a:schemeClr val="lt1"/>
+            </a:fontRef>
+          </p:style>
+          <p:txBody>
+            <a:bodyPr rtlCol="0" anchor="ctr"/>
+            <a:lstStyle/>
+            <a:p>
+              <a:pPr algn="ctr"/>
+              <a:endParaRPr kumimoji="1" lang="zh-CN" altLang="en-US" sz="1600">
+                <a:latin typeface="Microsoft YaHei" charset="-122"/>
+                <a:ea typeface="Microsoft YaHei" charset="-122"/>
+                <a:cs typeface="Microsoft YaHei" charset="-122"/>
+              </a:endParaRPr>
+            </a:p>
+          </p:txBody>
+        </p:sp>
+        <p:sp>
+          <p:nvSpPr>
+            <p:cNvPr id="19" name="文本框 18"/>
+            <p:cNvSpPr txBox="1"/>
+            <p:nvPr/>
+          </p:nvSpPr>
+          <p:spPr>
+            <a:xfrm>
+              <a:off x="1527574" y="6120328"/>
+              <a:ext cx="558420" cy="599626"/>
+            </a:xfrm>
+            <a:prstGeom prst="rect">
+              <a:avLst/>
+            </a:prstGeom>
+            <a:noFill/>
+          </p:spPr>
+          <p:txBody>
+            <a:bodyPr wrap="none" rtlCol="0" anchor="ctr">
+              <a:spAutoFit/>
+            </a:bodyPr>
+            <a:lstStyle/>
+            <a:p>
+              <a:pPr algn="ctr"/>
+              <a:r>
+                <a:rPr kumimoji="1" lang="zh-CN" altLang="en-US" sz="1100" dirty="0" smtClean="0">
+                  <a:latin typeface="Microsoft YaHei" charset="-122"/>
+                  <a:ea typeface="Microsoft YaHei" charset="-122"/>
+                  <a:cs typeface="Microsoft YaHei" charset="-122"/>
+                </a:rPr>
+                <a:t>确定目标市场 </a:t>
+              </a:r>
+              <a:r>
+                <a:rPr kumimoji="1" lang="en-US" altLang="zh-CN" sz="1100" dirty="0" smtClean="0">
+                  <a:latin typeface="Microsoft YaHei" charset="-122"/>
+                  <a:ea typeface="Microsoft YaHei" charset="-122"/>
+                  <a:cs typeface="Microsoft YaHei" charset="-122"/>
+                </a:rPr>
+                <a:t>T</a:t>
+              </a:r>
+              <a:endParaRPr kumimoji="1" lang="zh-CN" altLang="en-US" sz="1100" dirty="0">
+                <a:latin typeface="Microsoft YaHei" charset="-122"/>
+                <a:ea typeface="Microsoft YaHei" charset="-122"/>
+                <a:cs typeface="Microsoft YaHei" charset="-122"/>
+              </a:endParaRPr>
+            </a:p>
+          </p:txBody>
+        </p:sp>
+      </p:grpSp>
+      <p:grpSp>
+        <p:nvGrpSpPr>
+          <p:cNvPr id="20" name="组 19"/>
+          <p:cNvGrpSpPr/>
+          <p:nvPr/>
+        </p:nvGrpSpPr>
+        <p:grpSpPr>
+          <a:xfrm>
+            <a:off x="4843712" y="3972362"/>
+            <a:ext cx="1909269" cy="371742"/>
+            <a:chOff x="1345042" y="5994113"/>
+            <a:chExt cx="924791" cy="852055"/>
+          </a:xfrm>
+        </p:grpSpPr>
+        <p:sp>
+          <p:nvSpPr>
+            <p:cNvPr id="21" name="矩形 20"/>
+            <p:cNvSpPr/>
+            <p:nvPr/>
+          </p:nvSpPr>
+          <p:spPr>
+            <a:xfrm>
+              <a:off x="1345042" y="5994113"/>
+              <a:ext cx="924791" cy="852055"/>
+            </a:xfrm>
+            <a:prstGeom prst="rect">
+              <a:avLst/>
+            </a:prstGeom>
+            <a:noFill/>
+            <a:ln>
+              <a:solidFill>
+                <a:schemeClr val="tx1"/>
+              </a:solidFill>
+            </a:ln>
+          </p:spPr>
+          <p:style>
+            <a:lnRef idx="2">
+              <a:schemeClr val="accent1">
+                <a:shade val="50000"/>
+              </a:schemeClr>
+            </a:lnRef>
+            <a:fillRef idx="1">
+              <a:schemeClr val="accent1"/>
+            </a:fillRef>
+            <a:effectRef idx="0">
+              <a:schemeClr val="accent1"/>
+            </a:effectRef>
+            <a:fontRef idx="minor">
+              <a:schemeClr val="lt1"/>
+            </a:fontRef>
+          </p:style>
+          <p:txBody>
+            <a:bodyPr rtlCol="0" anchor="ctr"/>
+            <a:lstStyle/>
+            <a:p>
+              <a:pPr algn="ctr"/>
+              <a:endParaRPr kumimoji="1" lang="zh-CN" altLang="en-US" sz="1600">
+                <a:latin typeface="Microsoft YaHei" charset="-122"/>
+                <a:ea typeface="Microsoft YaHei" charset="-122"/>
+                <a:cs typeface="Microsoft YaHei" charset="-122"/>
+              </a:endParaRPr>
+            </a:p>
+          </p:txBody>
+        </p:sp>
+        <p:sp>
+          <p:nvSpPr>
+            <p:cNvPr id="22" name="文本框 21"/>
+            <p:cNvSpPr txBox="1"/>
+            <p:nvPr/>
+          </p:nvSpPr>
+          <p:spPr>
+            <a:xfrm>
+              <a:off x="1526025" y="6120328"/>
+              <a:ext cx="561525" cy="599626"/>
+            </a:xfrm>
+            <a:prstGeom prst="rect">
+              <a:avLst/>
+            </a:prstGeom>
+            <a:noFill/>
+          </p:spPr>
+          <p:txBody>
+            <a:bodyPr wrap="none" rtlCol="0" anchor="ctr">
+              <a:spAutoFit/>
+            </a:bodyPr>
+            <a:lstStyle/>
+            <a:p>
+              <a:pPr algn="ctr"/>
+              <a:r>
+                <a:rPr kumimoji="1" lang="zh-CN" altLang="en-US" sz="1100" dirty="0" smtClean="0">
+                  <a:latin typeface="Microsoft YaHei" charset="-122"/>
+                  <a:ea typeface="Microsoft YaHei" charset="-122"/>
+                  <a:cs typeface="Microsoft YaHei" charset="-122"/>
+                </a:rPr>
+                <a:t>目标市场定位 </a:t>
+              </a:r>
+              <a:r>
+                <a:rPr kumimoji="1" lang="en-US" altLang="zh-CN" sz="1100" dirty="0" smtClean="0">
+                  <a:latin typeface="Microsoft YaHei" charset="-122"/>
+                  <a:ea typeface="Microsoft YaHei" charset="-122"/>
+                  <a:cs typeface="Microsoft YaHei" charset="-122"/>
+                </a:rPr>
+                <a:t>P</a:t>
+              </a:r>
+              <a:endParaRPr kumimoji="1" lang="zh-CN" altLang="en-US" sz="1100" dirty="0">
+                <a:latin typeface="Microsoft YaHei" charset="-122"/>
+                <a:ea typeface="Microsoft YaHei" charset="-122"/>
+                <a:cs typeface="Microsoft YaHei" charset="-122"/>
+              </a:endParaRPr>
+            </a:p>
+          </p:txBody>
+        </p:sp>
+      </p:grpSp>
+      <p:grpSp>
+        <p:nvGrpSpPr>
+          <p:cNvPr id="23" name="组 22"/>
+          <p:cNvGrpSpPr/>
+          <p:nvPr/>
+        </p:nvGrpSpPr>
+        <p:grpSpPr>
+          <a:xfrm>
+            <a:off x="4843712" y="4672566"/>
+            <a:ext cx="1909269" cy="371742"/>
+            <a:chOff x="1345042" y="5994113"/>
+            <a:chExt cx="924791" cy="852055"/>
+          </a:xfrm>
+        </p:grpSpPr>
+        <p:sp>
+          <p:nvSpPr>
+            <p:cNvPr id="24" name="矩形 23"/>
+            <p:cNvSpPr/>
+            <p:nvPr/>
+          </p:nvSpPr>
+          <p:spPr>
+            <a:xfrm>
+              <a:off x="1345042" y="5994113"/>
+              <a:ext cx="924791" cy="852055"/>
+            </a:xfrm>
+            <a:prstGeom prst="rect">
+              <a:avLst/>
+            </a:prstGeom>
+            <a:noFill/>
+            <a:ln>
+              <a:solidFill>
+                <a:schemeClr val="tx1"/>
+              </a:solidFill>
+            </a:ln>
+          </p:spPr>
+          <p:style>
+            <a:lnRef idx="2">
+              <a:schemeClr val="accent1">
+                <a:shade val="50000"/>
+              </a:schemeClr>
+            </a:lnRef>
+            <a:fillRef idx="1">
+              <a:schemeClr val="accent1"/>
+            </a:fillRef>
+            <a:effectRef idx="0">
+              <a:schemeClr val="accent1"/>
+            </a:effectRef>
+            <a:fontRef idx="minor">
+              <a:schemeClr val="lt1"/>
+            </a:fontRef>
+          </p:style>
+          <p:txBody>
+            <a:bodyPr rtlCol="0" anchor="ctr"/>
+            <a:lstStyle/>
+            <a:p>
+              <a:pPr algn="ctr"/>
+              <a:endParaRPr kumimoji="1" lang="zh-CN" altLang="en-US" sz="1600">
+                <a:latin typeface="Microsoft YaHei" charset="-122"/>
+                <a:ea typeface="Microsoft YaHei" charset="-122"/>
+                <a:cs typeface="Microsoft YaHei" charset="-122"/>
+              </a:endParaRPr>
+            </a:p>
+          </p:txBody>
+        </p:sp>
+        <p:sp>
+          <p:nvSpPr>
+            <p:cNvPr id="25" name="文本框 24"/>
+            <p:cNvSpPr txBox="1"/>
+            <p:nvPr/>
+          </p:nvSpPr>
+          <p:spPr>
+            <a:xfrm>
+              <a:off x="1693738" y="6120328"/>
+              <a:ext cx="226101" cy="599626"/>
+            </a:xfrm>
+            <a:prstGeom prst="rect">
+              <a:avLst/>
+            </a:prstGeom>
+            <a:noFill/>
+          </p:spPr>
+          <p:txBody>
+            <a:bodyPr wrap="none" rtlCol="0" anchor="ctr">
+              <a:spAutoFit/>
+            </a:bodyPr>
+            <a:lstStyle/>
+            <a:p>
+              <a:pPr algn="ctr"/>
+              <a:r>
+                <a:rPr kumimoji="1" lang="zh-CN" altLang="en-US" sz="1100" dirty="0" smtClean="0">
+                  <a:latin typeface="Microsoft YaHei" charset="-122"/>
+                  <a:ea typeface="Microsoft YaHei" charset="-122"/>
+                  <a:cs typeface="Microsoft YaHei" charset="-122"/>
+                </a:rPr>
+                <a:t>定制</a:t>
+              </a:r>
+              <a:endParaRPr kumimoji="1" lang="zh-CN" altLang="en-US" sz="1100" dirty="0">
+                <a:latin typeface="Microsoft YaHei" charset="-122"/>
+                <a:ea typeface="Microsoft YaHei" charset="-122"/>
+                <a:cs typeface="Microsoft YaHei" charset="-122"/>
+              </a:endParaRPr>
+            </a:p>
+          </p:txBody>
+        </p:sp>
+      </p:grpSp>
+      <p:cxnSp>
+        <p:nvCxnSpPr>
+          <p:cNvPr id="27" name="直线箭头连接符 26"/>
+          <p:cNvCxnSpPr>
+            <a:stCxn id="15" idx="2"/>
+            <a:endCxn id="12" idx="0"/>
+          </p:cNvCxnSpPr>
+          <p:nvPr/>
+        </p:nvCxnSpPr>
+        <p:spPr>
+          <a:xfrm>
+            <a:off x="5778921" y="2229921"/>
+            <a:ext cx="9035" cy="363711"/>
+          </a:xfrm>
+          <a:prstGeom prst="straightConnector1">
+            <a:avLst/>
+          </a:prstGeom>
+          <a:ln>
+            <a:solidFill>
+              <a:schemeClr val="tx1"/>
+            </a:solidFill>
+            <a:tailEnd type="triangle"/>
+          </a:ln>
+        </p:spPr>
+        <p:style>
+          <a:lnRef idx="1">
+            <a:schemeClr val="accent1"/>
+          </a:lnRef>
+          <a:fillRef idx="0">
+            <a:schemeClr val="accent1"/>
+          </a:fillRef>
+          <a:effectRef idx="0">
+            <a:schemeClr val="accent1"/>
+          </a:effectRef>
+          <a:fontRef idx="minor">
+            <a:schemeClr val="tx1"/>
+          </a:fontRef>
+        </p:style>
+      </p:cxnSp>
+      <p:cxnSp>
+        <p:nvCxnSpPr>
+          <p:cNvPr id="28" name="直线箭头连接符 27"/>
+          <p:cNvCxnSpPr>
+            <a:stCxn id="12" idx="2"/>
+            <a:endCxn id="18" idx="0"/>
+          </p:cNvCxnSpPr>
+          <p:nvPr/>
+        </p:nvCxnSpPr>
+        <p:spPr>
+          <a:xfrm>
+            <a:off x="5787956" y="2965374"/>
+            <a:ext cx="0" cy="333637"/>
+          </a:xfrm>
+          <a:prstGeom prst="straightConnector1">
+            <a:avLst/>
+          </a:prstGeom>
+          <a:ln>
+            <a:solidFill>
+              <a:schemeClr val="tx1"/>
+            </a:solidFill>
+            <a:tailEnd type="triangle"/>
+          </a:ln>
+        </p:spPr>
+        <p:style>
+          <a:lnRef idx="1">
+            <a:schemeClr val="accent1"/>
+          </a:lnRef>
+          <a:fillRef idx="0">
+            <a:schemeClr val="accent1"/>
+          </a:fillRef>
+          <a:effectRef idx="0">
+            <a:schemeClr val="accent1"/>
+          </a:effectRef>
+          <a:fontRef idx="minor">
+            <a:schemeClr val="tx1"/>
+          </a:fontRef>
+        </p:style>
+      </p:cxnSp>
+      <p:cxnSp>
+        <p:nvCxnSpPr>
+          <p:cNvPr id="31" name="直线箭头连接符 30"/>
+          <p:cNvCxnSpPr>
+            <a:stCxn id="18" idx="2"/>
+          </p:cNvCxnSpPr>
+          <p:nvPr/>
+        </p:nvCxnSpPr>
+        <p:spPr>
+          <a:xfrm flipH="1">
+            <a:off x="5786599" y="3670753"/>
+            <a:ext cx="1357" cy="308645"/>
+          </a:xfrm>
+          <a:prstGeom prst="straightConnector1">
+            <a:avLst/>
+          </a:prstGeom>
+          <a:ln>
+            <a:solidFill>
+              <a:schemeClr val="tx1"/>
+            </a:solidFill>
+            <a:tailEnd type="triangle"/>
+          </a:ln>
+        </p:spPr>
+        <p:style>
+          <a:lnRef idx="1">
+            <a:schemeClr val="accent1"/>
+          </a:lnRef>
+          <a:fillRef idx="0">
+            <a:schemeClr val="accent1"/>
+          </a:fillRef>
+          <a:effectRef idx="0">
+            <a:schemeClr val="accent1"/>
+          </a:effectRef>
+          <a:fontRef idx="minor">
+            <a:schemeClr val="tx1"/>
+          </a:fontRef>
+        </p:style>
+      </p:cxnSp>
+      <p:cxnSp>
+        <p:nvCxnSpPr>
+          <p:cNvPr id="33" name="直线箭头连接符 32"/>
+          <p:cNvCxnSpPr>
+            <a:stCxn id="21" idx="2"/>
+            <a:endCxn id="24" idx="0"/>
+          </p:cNvCxnSpPr>
+          <p:nvPr/>
+        </p:nvCxnSpPr>
+        <p:spPr>
+          <a:xfrm>
+            <a:off x="5798347" y="4344104"/>
+            <a:ext cx="0" cy="328462"/>
+          </a:xfrm>
+          <a:prstGeom prst="straightConnector1">
+            <a:avLst/>
+          </a:prstGeom>
+          <a:ln>
+            <a:solidFill>
+              <a:schemeClr val="tx1"/>
+            </a:solidFill>
+            <a:tailEnd type="triangle"/>
+          </a:ln>
+        </p:spPr>
+        <p:style>
+          <a:lnRef idx="1">
+            <a:schemeClr val="accent1"/>
+          </a:lnRef>
+          <a:fillRef idx="0">
+            <a:schemeClr val="accent1"/>
+          </a:fillRef>
+          <a:effectRef idx="0">
+            <a:schemeClr val="accent1"/>
+          </a:effectRef>
+          <a:fontRef idx="minor">
+            <a:schemeClr val="tx1"/>
+          </a:fontRef>
+        </p:style>
+      </p:cxnSp>
+      <p:cxnSp>
+        <p:nvCxnSpPr>
+          <p:cNvPr id="37" name="直线箭头连接符 36"/>
+          <p:cNvCxnSpPr>
+            <a:stCxn id="6" idx="3"/>
+            <a:endCxn id="12" idx="1"/>
+          </p:cNvCxnSpPr>
+          <p:nvPr/>
+        </p:nvCxnSpPr>
+        <p:spPr>
+          <a:xfrm flipV="1">
+            <a:off x="4035424" y="2779503"/>
+            <a:ext cx="797897" cy="709683"/>
+          </a:xfrm>
+          <a:prstGeom prst="straightConnector1">
+            <a:avLst/>
+          </a:prstGeom>
+          <a:ln>
+            <a:solidFill>
+              <a:schemeClr val="tx1"/>
+            </a:solidFill>
+            <a:tailEnd type="triangle"/>
+          </a:ln>
+        </p:spPr>
+        <p:style>
+          <a:lnRef idx="1">
+            <a:schemeClr val="accent1"/>
+          </a:lnRef>
+          <a:fillRef idx="0">
+            <a:schemeClr val="accent1"/>
+          </a:fillRef>
+          <a:effectRef idx="0">
+            <a:schemeClr val="accent1"/>
+          </a:effectRef>
+          <a:fontRef idx="minor">
+            <a:schemeClr val="tx1"/>
+          </a:fontRef>
+        </p:style>
+      </p:cxnSp>
+      <p:cxnSp>
+        <p:nvCxnSpPr>
+          <p:cNvPr id="38" name="直线箭头连接符 37"/>
+          <p:cNvCxnSpPr>
+            <a:stCxn id="6" idx="3"/>
+            <a:endCxn id="18" idx="1"/>
+          </p:cNvCxnSpPr>
+          <p:nvPr/>
+        </p:nvCxnSpPr>
+        <p:spPr>
+          <a:xfrm flipV="1">
+            <a:off x="4035424" y="3484882"/>
+            <a:ext cx="797897" cy="4304"/>
+          </a:xfrm>
+          <a:prstGeom prst="straightConnector1">
+            <a:avLst/>
+          </a:prstGeom>
+          <a:ln>
+            <a:solidFill>
+              <a:schemeClr val="tx1"/>
+            </a:solidFill>
+            <a:tailEnd type="triangle"/>
+          </a:ln>
+        </p:spPr>
+        <p:style>
+          <a:lnRef idx="1">
+            <a:schemeClr val="accent1"/>
+          </a:lnRef>
+          <a:fillRef idx="0">
+            <a:schemeClr val="accent1"/>
+          </a:fillRef>
+          <a:effectRef idx="0">
+            <a:schemeClr val="accent1"/>
+          </a:effectRef>
+          <a:fontRef idx="minor">
+            <a:schemeClr val="tx1"/>
+          </a:fontRef>
+        </p:style>
+      </p:cxnSp>
+      <p:cxnSp>
+        <p:nvCxnSpPr>
+          <p:cNvPr id="42" name="直线箭头连接符 41"/>
+          <p:cNvCxnSpPr>
+            <a:stCxn id="6" idx="3"/>
+            <a:endCxn id="21" idx="1"/>
+          </p:cNvCxnSpPr>
+          <p:nvPr/>
+        </p:nvCxnSpPr>
+        <p:spPr>
+          <a:xfrm>
+            <a:off x="4035424" y="3489186"/>
+            <a:ext cx="808288" cy="669047"/>
+          </a:xfrm>
+          <a:prstGeom prst="straightConnector1">
+            <a:avLst/>
+          </a:prstGeom>
+          <a:ln>
+            <a:solidFill>
+              <a:schemeClr val="tx1"/>
+            </a:solidFill>
+            <a:tailEnd type="triangle"/>
+          </a:ln>
+        </p:spPr>
+        <p:style>
+          <a:lnRef idx="1">
+            <a:schemeClr val="accent1"/>
+          </a:lnRef>
+          <a:fillRef idx="0">
+            <a:schemeClr val="accent1"/>
+          </a:fillRef>
+          <a:effectRef idx="0">
+            <a:schemeClr val="accent1"/>
+          </a:effectRef>
+          <a:fontRef idx="minor">
+            <a:schemeClr val="tx1"/>
+          </a:fontRef>
+        </p:style>
+      </p:cxnSp>
+      <p:cxnSp>
+        <p:nvCxnSpPr>
+          <p:cNvPr id="52" name="直线箭头连接符 51"/>
+          <p:cNvCxnSpPr>
+            <a:stCxn id="9" idx="1"/>
+            <a:endCxn id="12" idx="3"/>
+          </p:cNvCxnSpPr>
+          <p:nvPr/>
+        </p:nvCxnSpPr>
+        <p:spPr>
+          <a:xfrm flipH="1" flipV="1">
+            <a:off x="6742590" y="2779503"/>
+            <a:ext cx="803321" cy="704487"/>
+          </a:xfrm>
+          <a:prstGeom prst="straightConnector1">
+            <a:avLst/>
+          </a:prstGeom>
+          <a:ln>
+            <a:solidFill>
+              <a:schemeClr val="tx1"/>
+            </a:solidFill>
+            <a:tailEnd type="triangle"/>
+          </a:ln>
+        </p:spPr>
+        <p:style>
+          <a:lnRef idx="1">
+            <a:schemeClr val="accent1"/>
+          </a:lnRef>
+          <a:fillRef idx="0">
+            <a:schemeClr val="accent1"/>
+          </a:fillRef>
+          <a:effectRef idx="0">
+            <a:schemeClr val="accent1"/>
+          </a:effectRef>
+          <a:fontRef idx="minor">
+            <a:schemeClr val="tx1"/>
+          </a:fontRef>
+        </p:style>
+      </p:cxnSp>
+      <p:cxnSp>
+        <p:nvCxnSpPr>
+          <p:cNvPr id="53" name="直线箭头连接符 52"/>
+          <p:cNvCxnSpPr>
+            <a:stCxn id="9" idx="1"/>
+            <a:endCxn id="18" idx="3"/>
+          </p:cNvCxnSpPr>
+          <p:nvPr/>
+        </p:nvCxnSpPr>
+        <p:spPr>
+          <a:xfrm flipH="1">
+            <a:off x="6742590" y="3483990"/>
+            <a:ext cx="803321" cy="892"/>
+          </a:xfrm>
+          <a:prstGeom prst="straightConnector1">
+            <a:avLst/>
+          </a:prstGeom>
+          <a:ln>
+            <a:solidFill>
+              <a:schemeClr val="tx1"/>
+            </a:solidFill>
+            <a:tailEnd type="triangle"/>
+          </a:ln>
+        </p:spPr>
+        <p:style>
+          <a:lnRef idx="1">
+            <a:schemeClr val="accent1"/>
+          </a:lnRef>
+          <a:fillRef idx="0">
+            <a:schemeClr val="accent1"/>
+          </a:fillRef>
+          <a:effectRef idx="0">
+            <a:schemeClr val="accent1"/>
+          </a:effectRef>
+          <a:fontRef idx="minor">
+            <a:schemeClr val="tx1"/>
+          </a:fontRef>
+        </p:style>
+      </p:cxnSp>
+      <p:cxnSp>
+        <p:nvCxnSpPr>
+          <p:cNvPr id="56" name="直线箭头连接符 55"/>
+          <p:cNvCxnSpPr>
+            <a:stCxn id="9" idx="1"/>
+            <a:endCxn id="21" idx="3"/>
+          </p:cNvCxnSpPr>
+          <p:nvPr/>
+        </p:nvCxnSpPr>
+        <p:spPr>
+          <a:xfrm flipH="1">
+            <a:off x="6752981" y="3483990"/>
+            <a:ext cx="792930" cy="674243"/>
+          </a:xfrm>
+          <a:prstGeom prst="straightConnector1">
+            <a:avLst/>
+          </a:prstGeom>
+          <a:ln>
+            <a:solidFill>
+              <a:schemeClr val="tx1"/>
+            </a:solidFill>
+            <a:tailEnd type="triangle"/>
+          </a:ln>
+        </p:spPr>
+        <p:style>
+          <a:lnRef idx="1">
+            <a:schemeClr val="accent1"/>
+          </a:lnRef>
+          <a:fillRef idx="0">
+            <a:schemeClr val="accent1"/>
+          </a:fillRef>
+          <a:effectRef idx="0">
+            <a:schemeClr val="accent1"/>
+          </a:effectRef>
+          <a:fontRef idx="minor">
+            <a:schemeClr val="tx1"/>
+          </a:fontRef>
+        </p:style>
+      </p:cxnSp>
+      <p:sp>
+        <p:nvSpPr>
+          <p:cNvPr id="59" name="文本框 58"/>
+          <p:cNvSpPr txBox="1"/>
+          <p:nvPr/>
+        </p:nvSpPr>
+        <p:spPr>
+          <a:xfrm>
+            <a:off x="5003957" y="5218881"/>
+            <a:ext cx="1547218" cy="307777"/>
+          </a:xfrm>
+          <a:prstGeom prst="rect">
+            <a:avLst/>
+          </a:prstGeom>
+          <a:noFill/>
+        </p:spPr>
+        <p:txBody>
+          <a:bodyPr wrap="none" rtlCol="0">
+            <a:spAutoFit/>
+          </a:bodyPr>
+          <a:lstStyle/>
+          <a:p>
+            <a:r>
+              <a:rPr kumimoji="1" lang="en-US" altLang="zh-CN" sz="1400" dirty="0" smtClean="0"/>
+              <a:t>STP</a:t>
+            </a:r>
+            <a:r>
+              <a:rPr kumimoji="1" lang="zh-CN" altLang="en-US" sz="1400" dirty="0" smtClean="0"/>
+              <a:t>营销战略模型</a:t>
+            </a:r>
+            <a:endParaRPr kumimoji="1" lang="zh-CN" altLang="en-US" sz="1400" dirty="0"/>
+          </a:p>
+        </p:txBody>
+      </p:sp>
+    </p:spTree>
+    <p:extLst>
+      <p:ext uri="{BB962C8B-B14F-4D97-AF65-F5344CB8AC3E}">
+        <p14:creationId xmlns:p14="http://schemas.microsoft.com/office/powerpoint/2010/main" val="368465207"/>
+      </p:ext>
+    </p:extLst>
+  </p:cSld>
+  <p:clrMapOvr>
+    <a:masterClrMapping/>
+  </p:clrMapOvr>
+</p:sld>
+</file>
+
+<file path=ppt/slides/slide8.xml><?xml version="1.0" encoding="utf-8"?>
+<p:sld xmlns:a="http://schemas.openxmlformats.org/drawingml/2006/main" xmlns:r="http://schemas.openxmlformats.org/officeDocument/2006/relationships" xmlns:p="http://schemas.openxmlformats.org/presentationml/2006/main">
+  <p:cSld>
+    <p:spTree>
+      <p:nvGrpSpPr>
+        <p:cNvPr id="1" name=""/>
+        <p:cNvGrpSpPr/>
+        <p:nvPr/>
+      </p:nvGrpSpPr>
+      <p:grpSpPr>
+        <a:xfrm>
+          <a:off x="0" y="0"/>
+          <a:ext cx="0" cy="0"/>
+          <a:chOff x="0" y="0"/>
+          <a:chExt cx="0" cy="0"/>
+        </a:xfrm>
+      </p:grpSpPr>
+      <p:graphicFrame>
+        <p:nvGraphicFramePr>
+          <p:cNvPr id="5" name="表格 4"/>
+          <p:cNvGraphicFramePr>
+            <a:graphicFrameLocks noGrp="1"/>
+          </p:cNvGraphicFramePr>
+          <p:nvPr>
+            <p:extLst>
+              <p:ext uri="{D42A27DB-BD31-4B8C-83A1-F6EECF244321}">
+                <p14:modId xmlns:p14="http://schemas.microsoft.com/office/powerpoint/2010/main" val="1941809610"/>
+              </p:ext>
+            </p:extLst>
+          </p:nvPr>
+        </p:nvGraphicFramePr>
+        <p:xfrm>
+          <a:off x="1782618" y="2119745"/>
+          <a:ext cx="8128000" cy="2716876"/>
+        </p:xfrm>
+        <a:graphic>
+          <a:graphicData uri="http://schemas.openxmlformats.org/drawingml/2006/table">
+            <a:tbl>
+              <a:tblPr firstRow="1" bandRow="1">
+                <a:tableStyleId>{073A0DAA-6AF3-43AB-8588-CEC1D06C72B9}</a:tableStyleId>
+              </a:tblPr>
+              <a:tblGrid>
+                <a:gridCol w="2032000"/>
+                <a:gridCol w="2032000"/>
+                <a:gridCol w="2032000"/>
+                <a:gridCol w="2032000"/>
+              </a:tblGrid>
+              <a:tr h="327334">
+                <a:tc>
+                  <a:txBody>
+                    <a:bodyPr/>
+                    <a:lstStyle/>
+                    <a:p>
+                      <a:pPr algn="ctr"/>
+                      <a:r>
+                        <a:rPr lang="zh-CN" altLang="en-US" sz="1400" b="0" dirty="0" smtClean="0">
+                          <a:latin typeface="Microsoft YaHei" charset="-122"/>
+                          <a:ea typeface="Microsoft YaHei" charset="-122"/>
+                          <a:cs typeface="Microsoft YaHei" charset="-122"/>
+                        </a:rPr>
+                        <a:t>地理变量</a:t>
+                      </a:r>
+                      <a:endParaRPr lang="zh-CN" altLang="en-US" sz="1400" b="0" dirty="0">
+                        <a:latin typeface="Microsoft YaHei" charset="-122"/>
+                        <a:ea typeface="Microsoft YaHei" charset="-122"/>
+                        <a:cs typeface="Microsoft YaHei" charset="-122"/>
+                      </a:endParaRPr>
+                    </a:p>
+                  </a:txBody>
+                  <a:tcPr/>
+                </a:tc>
+                <a:tc>
+                  <a:txBody>
+                    <a:bodyPr/>
+                    <a:lstStyle/>
+                    <a:p>
+                      <a:pPr algn="ctr"/>
+                      <a:r>
+                        <a:rPr lang="zh-CN" altLang="en-US" sz="1400" b="0" dirty="0" smtClean="0">
+                          <a:latin typeface="Microsoft YaHei" charset="-122"/>
+                          <a:ea typeface="Microsoft YaHei" charset="-122"/>
+                          <a:cs typeface="Microsoft YaHei" charset="-122"/>
+                        </a:rPr>
+                        <a:t>人口统计变量</a:t>
+                      </a:r>
+                      <a:endParaRPr lang="zh-CN" altLang="en-US" sz="1400" b="0" dirty="0">
+                        <a:latin typeface="Microsoft YaHei" charset="-122"/>
+                        <a:ea typeface="Microsoft YaHei" charset="-122"/>
+                        <a:cs typeface="Microsoft YaHei" charset="-122"/>
+                      </a:endParaRPr>
+                    </a:p>
+                  </a:txBody>
+                  <a:tcPr/>
+                </a:tc>
+                <a:tc>
+                  <a:txBody>
+                    <a:bodyPr/>
+                    <a:lstStyle/>
+                    <a:p>
+                      <a:pPr algn="ctr"/>
+                      <a:r>
+                        <a:rPr lang="zh-CN" altLang="en-US" sz="1400" b="0" dirty="0" smtClean="0">
+                          <a:latin typeface="Microsoft YaHei" charset="-122"/>
+                          <a:ea typeface="Microsoft YaHei" charset="-122"/>
+                          <a:cs typeface="Microsoft YaHei" charset="-122"/>
+                        </a:rPr>
+                        <a:t>心理变量</a:t>
+                      </a:r>
+                      <a:endParaRPr lang="zh-CN" altLang="en-US" sz="1400" b="0" dirty="0">
+                        <a:latin typeface="Microsoft YaHei" charset="-122"/>
+                        <a:ea typeface="Microsoft YaHei" charset="-122"/>
+                        <a:cs typeface="Microsoft YaHei" charset="-122"/>
+                      </a:endParaRPr>
+                    </a:p>
+                  </a:txBody>
+                  <a:tcPr/>
+                </a:tc>
+                <a:tc>
+                  <a:txBody>
+                    <a:bodyPr/>
+                    <a:lstStyle/>
+                    <a:p>
+                      <a:pPr algn="ctr"/>
+                      <a:r>
+                        <a:rPr lang="zh-CN" altLang="en-US" sz="1400" b="0" dirty="0" smtClean="0">
+                          <a:latin typeface="Microsoft YaHei" charset="-122"/>
+                          <a:ea typeface="Microsoft YaHei" charset="-122"/>
+                          <a:cs typeface="Microsoft YaHei" charset="-122"/>
+                        </a:rPr>
+                        <a:t>行为变量</a:t>
+                      </a:r>
+                      <a:endParaRPr lang="zh-CN" altLang="en-US" sz="1400" b="0" dirty="0">
+                        <a:latin typeface="Microsoft YaHei" charset="-122"/>
+                        <a:ea typeface="Microsoft YaHei" charset="-122"/>
+                        <a:cs typeface="Microsoft YaHei" charset="-122"/>
+                      </a:endParaRPr>
+                    </a:p>
+                  </a:txBody>
+                  <a:tcPr/>
+                </a:tc>
+              </a:tr>
+              <a:tr h="398257">
+                <a:tc>
+                  <a:txBody>
+                    <a:bodyPr/>
+                    <a:lstStyle/>
+                    <a:p>
+                      <a:pPr algn="ctr"/>
+                      <a:r>
+                        <a:rPr lang="zh-CN" altLang="en-US" sz="1200" b="0" dirty="0" smtClean="0">
+                          <a:latin typeface="Microsoft YaHei" charset="-122"/>
+                          <a:ea typeface="Microsoft YaHei" charset="-122"/>
+                          <a:cs typeface="Microsoft YaHei" charset="-122"/>
+                        </a:rPr>
+                        <a:t>区域</a:t>
+                      </a:r>
+                      <a:endParaRPr lang="zh-CN" altLang="en-US" sz="1200" b="0" dirty="0">
+                        <a:latin typeface="Microsoft YaHei" charset="-122"/>
+                        <a:ea typeface="Microsoft YaHei" charset="-122"/>
+                        <a:cs typeface="Microsoft YaHei" charset="-122"/>
+                      </a:endParaRPr>
+                    </a:p>
+                  </a:txBody>
+                  <a:tcPr anchor="ctr"/>
+                </a:tc>
+                <a:tc>
+                  <a:txBody>
+                    <a:bodyPr/>
+                    <a:lstStyle/>
+                    <a:p>
+                      <a:pPr algn="ctr"/>
+                      <a:r>
+                        <a:rPr lang="zh-CN" altLang="en-US" sz="1200" b="0" dirty="0" smtClean="0">
+                          <a:latin typeface="Microsoft YaHei" charset="-122"/>
+                          <a:ea typeface="Microsoft YaHei" charset="-122"/>
+                          <a:cs typeface="Microsoft YaHei" charset="-122"/>
+                        </a:rPr>
+                        <a:t>性别</a:t>
+                      </a:r>
+                      <a:endParaRPr lang="zh-CN" altLang="en-US" sz="1200" b="0" dirty="0">
+                        <a:latin typeface="Microsoft YaHei" charset="-122"/>
+                        <a:ea typeface="Microsoft YaHei" charset="-122"/>
+                        <a:cs typeface="Microsoft YaHei" charset="-122"/>
+                      </a:endParaRPr>
+                    </a:p>
+                  </a:txBody>
+                  <a:tcPr anchor="ctr"/>
+                </a:tc>
+                <a:tc>
+                  <a:txBody>
+                    <a:bodyPr/>
+                    <a:lstStyle/>
+                    <a:p>
+                      <a:pPr algn="ctr"/>
+                      <a:r>
+                        <a:rPr lang="zh-CN" altLang="en-US" sz="1200" b="0" dirty="0" smtClean="0">
+                          <a:latin typeface="Microsoft YaHei" charset="-122"/>
+                          <a:ea typeface="Microsoft YaHei" charset="-122"/>
+                          <a:cs typeface="Microsoft YaHei" charset="-122"/>
+                        </a:rPr>
+                        <a:t>生活形态</a:t>
+                      </a:r>
+                      <a:endParaRPr lang="zh-CN" altLang="en-US" sz="1200" b="0" dirty="0">
+                        <a:latin typeface="Microsoft YaHei" charset="-122"/>
+                        <a:ea typeface="Microsoft YaHei" charset="-122"/>
+                        <a:cs typeface="Microsoft YaHei" charset="-122"/>
+                      </a:endParaRPr>
+                    </a:p>
+                  </a:txBody>
+                  <a:tcPr anchor="ctr"/>
+                </a:tc>
+                <a:tc>
+                  <a:txBody>
+                    <a:bodyPr/>
+                    <a:lstStyle/>
+                    <a:p>
+                      <a:pPr algn="ctr"/>
+                      <a:r>
+                        <a:rPr lang="zh-CN" altLang="en-US" sz="1200" b="0" dirty="0" smtClean="0">
+                          <a:latin typeface="Microsoft YaHei" charset="-122"/>
+                          <a:ea typeface="Microsoft YaHei" charset="-122"/>
+                          <a:cs typeface="Microsoft YaHei" charset="-122"/>
+                        </a:rPr>
+                        <a:t>认知</a:t>
+                      </a:r>
+                      <a:endParaRPr lang="zh-CN" altLang="en-US" sz="1200" b="0" dirty="0">
+                        <a:latin typeface="Microsoft YaHei" charset="-122"/>
+                        <a:ea typeface="Microsoft YaHei" charset="-122"/>
+                        <a:cs typeface="Microsoft YaHei" charset="-122"/>
+                      </a:endParaRPr>
+                    </a:p>
+                  </a:txBody>
+                  <a:tcPr anchor="ctr"/>
+                </a:tc>
+              </a:tr>
+              <a:tr h="398257">
+                <a:tc>
+                  <a:txBody>
+                    <a:bodyPr/>
+                    <a:lstStyle/>
+                    <a:p>
+                      <a:pPr algn="ctr"/>
+                      <a:r>
+                        <a:rPr lang="zh-CN" altLang="en-US" sz="1200" b="0" dirty="0" smtClean="0">
+                          <a:latin typeface="Microsoft YaHei" charset="-122"/>
+                          <a:ea typeface="Microsoft YaHei" charset="-122"/>
+                          <a:cs typeface="Microsoft YaHei" charset="-122"/>
+                        </a:rPr>
+                        <a:t>国家</a:t>
+                      </a:r>
+                      <a:endParaRPr lang="zh-CN" altLang="en-US" sz="1200" b="0" dirty="0">
+                        <a:latin typeface="Microsoft YaHei" charset="-122"/>
+                        <a:ea typeface="Microsoft YaHei" charset="-122"/>
+                        <a:cs typeface="Microsoft YaHei" charset="-122"/>
+                      </a:endParaRPr>
+                    </a:p>
+                  </a:txBody>
+                  <a:tcPr anchor="ctr"/>
+                </a:tc>
+                <a:tc>
+                  <a:txBody>
+                    <a:bodyPr/>
+                    <a:lstStyle/>
+                    <a:p>
+                      <a:pPr algn="ctr"/>
+                      <a:r>
+                        <a:rPr lang="zh-CN" altLang="en-US" sz="1200" b="0" dirty="0" smtClean="0">
+                          <a:latin typeface="Microsoft YaHei" charset="-122"/>
+                          <a:ea typeface="Microsoft YaHei" charset="-122"/>
+                          <a:cs typeface="Microsoft YaHei" charset="-122"/>
+                        </a:rPr>
+                        <a:t>年龄</a:t>
+                      </a:r>
+                      <a:endParaRPr lang="zh-CN" altLang="en-US" sz="1200" b="0" dirty="0">
+                        <a:latin typeface="Microsoft YaHei" charset="-122"/>
+                        <a:ea typeface="Microsoft YaHei" charset="-122"/>
+                        <a:cs typeface="Microsoft YaHei" charset="-122"/>
+                      </a:endParaRPr>
+                    </a:p>
+                  </a:txBody>
+                  <a:tcPr anchor="ctr"/>
+                </a:tc>
+                <a:tc>
+                  <a:txBody>
+                    <a:bodyPr/>
+                    <a:lstStyle/>
+                    <a:p>
+                      <a:pPr algn="ctr"/>
+                      <a:r>
+                        <a:rPr lang="zh-CN" altLang="en-US" sz="1200" b="0" dirty="0" smtClean="0">
+                          <a:latin typeface="Microsoft YaHei" charset="-122"/>
+                          <a:ea typeface="Microsoft YaHei" charset="-122"/>
+                          <a:cs typeface="Microsoft YaHei" charset="-122"/>
+                        </a:rPr>
+                        <a:t>人格特质</a:t>
+                      </a:r>
+                      <a:endParaRPr lang="zh-CN" altLang="en-US" sz="1200" b="0" dirty="0">
+                        <a:latin typeface="Microsoft YaHei" charset="-122"/>
+                        <a:ea typeface="Microsoft YaHei" charset="-122"/>
+                        <a:cs typeface="Microsoft YaHei" charset="-122"/>
+                      </a:endParaRPr>
+                    </a:p>
+                  </a:txBody>
+                  <a:tcPr anchor="ctr"/>
+                </a:tc>
+                <a:tc>
+                  <a:txBody>
+                    <a:bodyPr/>
+                    <a:lstStyle/>
+                    <a:p>
+                      <a:pPr algn="ctr"/>
+                      <a:r>
+                        <a:rPr lang="zh-CN" altLang="en-US" sz="1200" b="0" dirty="0" smtClean="0">
+                          <a:latin typeface="Microsoft YaHei" charset="-122"/>
+                          <a:ea typeface="Microsoft YaHei" charset="-122"/>
+                          <a:cs typeface="Microsoft YaHei" charset="-122"/>
+                        </a:rPr>
+                        <a:t>态度</a:t>
+                      </a:r>
+                      <a:endParaRPr lang="zh-CN" altLang="en-US" sz="1200" b="0" dirty="0">
+                        <a:latin typeface="Microsoft YaHei" charset="-122"/>
+                        <a:ea typeface="Microsoft YaHei" charset="-122"/>
+                        <a:cs typeface="Microsoft YaHei" charset="-122"/>
+                      </a:endParaRPr>
+                    </a:p>
+                  </a:txBody>
+                  <a:tcPr anchor="ctr"/>
+                </a:tc>
+              </a:tr>
+              <a:tr h="398257">
+                <a:tc>
+                  <a:txBody>
+                    <a:bodyPr/>
+                    <a:lstStyle/>
+                    <a:p>
+                      <a:pPr algn="ctr"/>
+                      <a:r>
+                        <a:rPr lang="zh-CN" altLang="en-US" sz="1200" b="0" dirty="0" smtClean="0">
+                          <a:latin typeface="Microsoft YaHei" charset="-122"/>
+                          <a:ea typeface="Microsoft YaHei" charset="-122"/>
+                          <a:cs typeface="Microsoft YaHei" charset="-122"/>
+                        </a:rPr>
+                        <a:t>人口密度</a:t>
+                      </a:r>
+                      <a:endParaRPr lang="zh-CN" altLang="en-US" sz="1200" b="0" dirty="0">
+                        <a:latin typeface="Microsoft YaHei" charset="-122"/>
+                        <a:ea typeface="Microsoft YaHei" charset="-122"/>
+                        <a:cs typeface="Microsoft YaHei" charset="-122"/>
+                      </a:endParaRPr>
+                    </a:p>
+                  </a:txBody>
+                  <a:tcPr anchor="ctr"/>
+                </a:tc>
+                <a:tc>
+                  <a:txBody>
+                    <a:bodyPr/>
+                    <a:lstStyle/>
+                    <a:p>
+                      <a:pPr algn="ctr"/>
+                      <a:r>
+                        <a:rPr lang="zh-CN" altLang="en-US" sz="1200" b="0" dirty="0" smtClean="0">
+                          <a:latin typeface="Microsoft YaHei" charset="-122"/>
+                          <a:ea typeface="Microsoft YaHei" charset="-122"/>
+                          <a:cs typeface="Microsoft YaHei" charset="-122"/>
+                        </a:rPr>
+                        <a:t>职业</a:t>
+                      </a:r>
+                      <a:endParaRPr lang="zh-CN" altLang="en-US" sz="1200" b="0" dirty="0">
+                        <a:latin typeface="Microsoft YaHei" charset="-122"/>
+                        <a:ea typeface="Microsoft YaHei" charset="-122"/>
+                        <a:cs typeface="Microsoft YaHei" charset="-122"/>
+                      </a:endParaRPr>
+                    </a:p>
+                  </a:txBody>
+                  <a:tcPr anchor="ctr"/>
+                </a:tc>
+                <a:tc>
+                  <a:txBody>
+                    <a:bodyPr/>
+                    <a:lstStyle/>
+                    <a:p>
+                      <a:pPr algn="ctr"/>
+                      <a:r>
+                        <a:rPr lang="zh-CN" altLang="en-US" sz="1200" b="0" dirty="0" smtClean="0">
+                          <a:latin typeface="Microsoft YaHei" charset="-122"/>
+                          <a:ea typeface="Microsoft YaHei" charset="-122"/>
+                          <a:cs typeface="Microsoft YaHei" charset="-122"/>
+                        </a:rPr>
+                        <a:t>动机</a:t>
+                      </a:r>
+                      <a:endParaRPr lang="zh-CN" altLang="en-US" sz="1200" b="0" dirty="0">
+                        <a:latin typeface="Microsoft YaHei" charset="-122"/>
+                        <a:ea typeface="Microsoft YaHei" charset="-122"/>
+                        <a:cs typeface="Microsoft YaHei" charset="-122"/>
+                      </a:endParaRPr>
+                    </a:p>
+                  </a:txBody>
+                  <a:tcPr anchor="ctr"/>
+                </a:tc>
+                <a:tc>
+                  <a:txBody>
+                    <a:bodyPr/>
+                    <a:lstStyle/>
+                    <a:p>
+                      <a:pPr algn="ctr"/>
+                      <a:r>
+                        <a:rPr lang="zh-CN" altLang="en-US" sz="1200" b="0" dirty="0" smtClean="0">
+                          <a:latin typeface="Microsoft YaHei" charset="-122"/>
+                          <a:ea typeface="Microsoft YaHei" charset="-122"/>
+                          <a:cs typeface="Microsoft YaHei" charset="-122"/>
+                        </a:rPr>
+                        <a:t>忠诚度</a:t>
+                      </a:r>
+                      <a:endParaRPr lang="zh-CN" altLang="en-US" sz="1200" b="0" dirty="0">
+                        <a:latin typeface="Microsoft YaHei" charset="-122"/>
+                        <a:ea typeface="Microsoft YaHei" charset="-122"/>
+                        <a:cs typeface="Microsoft YaHei" charset="-122"/>
+                      </a:endParaRPr>
+                    </a:p>
+                  </a:txBody>
+                  <a:tcPr anchor="ctr"/>
+                </a:tc>
+              </a:tr>
+              <a:tr h="398257">
+                <a:tc>
+                  <a:txBody>
+                    <a:bodyPr/>
+                    <a:lstStyle/>
+                    <a:p>
+                      <a:pPr algn="ctr"/>
+                      <a:r>
+                        <a:rPr lang="zh-CN" altLang="en-US" sz="1200" b="0" dirty="0" smtClean="0">
+                          <a:latin typeface="Microsoft YaHei" charset="-122"/>
+                          <a:ea typeface="Microsoft YaHei" charset="-122"/>
+                          <a:cs typeface="Microsoft YaHei" charset="-122"/>
+                        </a:rPr>
+                        <a:t>气候</a:t>
+                      </a:r>
+                      <a:endParaRPr lang="zh-CN" altLang="en-US" sz="1200" b="0" dirty="0">
+                        <a:latin typeface="Microsoft YaHei" charset="-122"/>
+                        <a:ea typeface="Microsoft YaHei" charset="-122"/>
+                        <a:cs typeface="Microsoft YaHei" charset="-122"/>
+                      </a:endParaRPr>
+                    </a:p>
+                  </a:txBody>
+                  <a:tcPr anchor="ctr"/>
+                </a:tc>
+                <a:tc>
+                  <a:txBody>
+                    <a:bodyPr/>
+                    <a:lstStyle/>
+                    <a:p>
+                      <a:pPr algn="ctr"/>
+                      <a:r>
+                        <a:rPr lang="zh-CN" altLang="en-US" sz="1200" b="0" dirty="0" smtClean="0">
+                          <a:latin typeface="Microsoft YaHei" charset="-122"/>
+                          <a:ea typeface="Microsoft YaHei" charset="-122"/>
+                          <a:cs typeface="Microsoft YaHei" charset="-122"/>
+                        </a:rPr>
+                        <a:t>收入</a:t>
+                      </a:r>
+                      <a:endParaRPr lang="zh-CN" altLang="en-US" sz="1200" b="0" dirty="0">
+                        <a:latin typeface="Microsoft YaHei" charset="-122"/>
+                        <a:ea typeface="Microsoft YaHei" charset="-122"/>
+                        <a:cs typeface="Microsoft YaHei" charset="-122"/>
+                      </a:endParaRPr>
+                    </a:p>
+                  </a:txBody>
+                  <a:tcPr anchor="ctr"/>
+                </a:tc>
+                <a:tc>
+                  <a:txBody>
+                    <a:bodyPr/>
+                    <a:lstStyle/>
+                    <a:p>
+                      <a:pPr algn="ctr"/>
+                      <a:r>
+                        <a:rPr lang="zh-CN" altLang="en-US" sz="1200" b="0" dirty="0" smtClean="0">
+                          <a:latin typeface="Microsoft YaHei" charset="-122"/>
+                          <a:ea typeface="Microsoft YaHei" charset="-122"/>
+                          <a:cs typeface="Microsoft YaHei" charset="-122"/>
+                        </a:rPr>
+                        <a:t>社会阶层</a:t>
+                      </a:r>
+                      <a:endParaRPr lang="zh-CN" altLang="en-US" sz="1200" b="0" dirty="0">
+                        <a:latin typeface="Microsoft YaHei" charset="-122"/>
+                        <a:ea typeface="Microsoft YaHei" charset="-122"/>
+                        <a:cs typeface="Microsoft YaHei" charset="-122"/>
+                      </a:endParaRPr>
+                    </a:p>
+                  </a:txBody>
+                  <a:tcPr anchor="ctr"/>
+                </a:tc>
+                <a:tc>
+                  <a:txBody>
+                    <a:bodyPr/>
+                    <a:lstStyle/>
+                    <a:p>
+                      <a:pPr algn="ctr"/>
+                      <a:r>
+                        <a:rPr lang="zh-CN" altLang="en-US" sz="1200" b="0" dirty="0" smtClean="0">
+                          <a:latin typeface="Microsoft YaHei" charset="-122"/>
+                          <a:ea typeface="Microsoft YaHei" charset="-122"/>
+                          <a:cs typeface="Microsoft YaHei" charset="-122"/>
+                        </a:rPr>
+                        <a:t>使用率</a:t>
+                      </a:r>
+                      <a:endParaRPr lang="zh-CN" altLang="en-US" sz="1200" b="0" dirty="0">
+                        <a:latin typeface="Microsoft YaHei" charset="-122"/>
+                        <a:ea typeface="Microsoft YaHei" charset="-122"/>
+                        <a:cs typeface="Microsoft YaHei" charset="-122"/>
+                      </a:endParaRPr>
+                    </a:p>
+                  </a:txBody>
+                  <a:tcPr anchor="ctr"/>
+                </a:tc>
+              </a:tr>
+              <a:tr h="398257">
+                <a:tc>
+                  <a:txBody>
+                    <a:bodyPr/>
+                    <a:lstStyle/>
+                    <a:p>
+                      <a:pPr algn="ctr"/>
+                      <a:r>
+                        <a:rPr lang="zh-CN" altLang="en-US" sz="1200" b="0" dirty="0" smtClean="0">
+                          <a:latin typeface="Microsoft YaHei" charset="-122"/>
+                          <a:ea typeface="Microsoft YaHei" charset="-122"/>
+                          <a:cs typeface="Microsoft YaHei" charset="-122"/>
+                        </a:rPr>
+                        <a:t>城市规模</a:t>
+                      </a:r>
+                      <a:endParaRPr lang="zh-CN" altLang="en-US" sz="1200" b="0" dirty="0">
+                        <a:latin typeface="Microsoft YaHei" charset="-122"/>
+                        <a:ea typeface="Microsoft YaHei" charset="-122"/>
+                        <a:cs typeface="Microsoft YaHei" charset="-122"/>
+                      </a:endParaRPr>
+                    </a:p>
+                  </a:txBody>
+                  <a:tcPr anchor="ctr"/>
+                </a:tc>
+                <a:tc>
+                  <a:txBody>
+                    <a:bodyPr/>
+                    <a:lstStyle/>
+                    <a:p>
+                      <a:pPr algn="ctr"/>
+                      <a:r>
+                        <a:rPr lang="zh-CN" altLang="en-US" sz="1200" b="0" dirty="0" smtClean="0">
+                          <a:latin typeface="Microsoft YaHei" charset="-122"/>
+                          <a:ea typeface="Microsoft YaHei" charset="-122"/>
+                          <a:cs typeface="Microsoft YaHei" charset="-122"/>
+                        </a:rPr>
+                        <a:t>教育程度</a:t>
+                      </a:r>
+                      <a:endParaRPr lang="zh-CN" altLang="en-US" sz="1200" b="0" dirty="0">
+                        <a:latin typeface="Microsoft YaHei" charset="-122"/>
+                        <a:ea typeface="Microsoft YaHei" charset="-122"/>
+                        <a:cs typeface="Microsoft YaHei" charset="-122"/>
+                      </a:endParaRPr>
+                    </a:p>
+                  </a:txBody>
+                  <a:tcPr anchor="ctr"/>
+                </a:tc>
+                <a:tc>
+                  <a:txBody>
+                    <a:bodyPr/>
+                    <a:lstStyle/>
+                    <a:p>
+                      <a:pPr algn="ctr"/>
+                      <a:r>
+                        <a:rPr lang="zh-CN" altLang="en-US" sz="1200" b="0" dirty="0" smtClean="0">
+                          <a:latin typeface="Microsoft YaHei" charset="-122"/>
+                          <a:ea typeface="Microsoft YaHei" charset="-122"/>
+                          <a:cs typeface="Microsoft YaHei" charset="-122"/>
+                        </a:rPr>
+                        <a:t>生活方式</a:t>
+                      </a:r>
+                      <a:endParaRPr lang="zh-CN" altLang="en-US" sz="1200" b="0" dirty="0">
+                        <a:latin typeface="Microsoft YaHei" charset="-122"/>
+                        <a:ea typeface="Microsoft YaHei" charset="-122"/>
+                        <a:cs typeface="Microsoft YaHei" charset="-122"/>
+                      </a:endParaRPr>
+                    </a:p>
+                  </a:txBody>
+                  <a:tcPr anchor="ctr"/>
+                </a:tc>
+                <a:tc>
+                  <a:txBody>
+                    <a:bodyPr/>
+                    <a:lstStyle/>
+                    <a:p>
+                      <a:pPr algn="ctr"/>
+                      <a:r>
+                        <a:rPr lang="zh-CN" altLang="en-US" sz="1200" b="0" dirty="0" smtClean="0">
+                          <a:latin typeface="Microsoft YaHei" charset="-122"/>
+                          <a:ea typeface="Microsoft YaHei" charset="-122"/>
+                          <a:cs typeface="Microsoft YaHei" charset="-122"/>
+                        </a:rPr>
+                        <a:t>使用者状况</a:t>
+                      </a:r>
+                      <a:endParaRPr lang="zh-CN" altLang="en-US" sz="1200" b="0" dirty="0">
+                        <a:latin typeface="Microsoft YaHei" charset="-122"/>
+                        <a:ea typeface="Microsoft YaHei" charset="-122"/>
+                        <a:cs typeface="Microsoft YaHei" charset="-122"/>
+                      </a:endParaRPr>
+                    </a:p>
+                  </a:txBody>
+                  <a:tcPr anchor="ctr"/>
+                </a:tc>
+              </a:tr>
+              <a:tr h="398257">
+                <a:tc>
+                  <a:txBody>
+                    <a:bodyPr/>
+                    <a:lstStyle/>
+                    <a:p>
+                      <a:pPr algn="ctr"/>
+                      <a:r>
+                        <a:rPr lang="zh-CN" altLang="en-US" sz="1200" b="0" dirty="0" smtClean="0">
+                          <a:latin typeface="Microsoft YaHei" charset="-122"/>
+                          <a:ea typeface="Microsoft YaHei" charset="-122"/>
+                          <a:cs typeface="Microsoft YaHei" charset="-122"/>
+                        </a:rPr>
+                        <a:t>地形地貌</a:t>
+                      </a:r>
+                      <a:endParaRPr lang="zh-CN" altLang="en-US" sz="1200" b="0" dirty="0">
+                        <a:latin typeface="Microsoft YaHei" charset="-122"/>
+                        <a:ea typeface="Microsoft YaHei" charset="-122"/>
+                        <a:cs typeface="Microsoft YaHei" charset="-122"/>
+                      </a:endParaRPr>
+                    </a:p>
+                  </a:txBody>
+                  <a:tcPr anchor="ctr"/>
+                </a:tc>
+                <a:tc>
+                  <a:txBody>
+                    <a:bodyPr/>
+                    <a:lstStyle/>
+                    <a:p>
+                      <a:pPr algn="ctr"/>
+                      <a:r>
+                        <a:rPr lang="zh-CN" altLang="en-US" sz="1200" b="0" dirty="0" smtClean="0">
+                          <a:latin typeface="Microsoft YaHei" charset="-122"/>
+                          <a:ea typeface="Microsoft YaHei" charset="-122"/>
+                          <a:cs typeface="Microsoft YaHei" charset="-122"/>
+                        </a:rPr>
+                        <a:t>宗教</a:t>
+                      </a:r>
+                      <a:endParaRPr lang="zh-CN" altLang="en-US" sz="1200" b="0" dirty="0">
+                        <a:latin typeface="Microsoft YaHei" charset="-122"/>
+                        <a:ea typeface="Microsoft YaHei" charset="-122"/>
+                        <a:cs typeface="Microsoft YaHei" charset="-122"/>
+                      </a:endParaRPr>
+                    </a:p>
+                  </a:txBody>
+                  <a:tcPr anchor="ctr"/>
+                </a:tc>
+                <a:tc>
+                  <a:txBody>
+                    <a:bodyPr/>
+                    <a:lstStyle/>
+                    <a:p>
+                      <a:pPr algn="ctr"/>
+                      <a:r>
+                        <a:rPr lang="zh-CN" altLang="en-US" sz="1200" b="0" dirty="0" smtClean="0">
+                          <a:latin typeface="Microsoft YaHei" charset="-122"/>
+                          <a:ea typeface="Microsoft YaHei" charset="-122"/>
+                          <a:cs typeface="Microsoft YaHei" charset="-122"/>
+                        </a:rPr>
+                        <a:t>生活习惯</a:t>
+                      </a:r>
+                      <a:endParaRPr lang="zh-CN" altLang="en-US" sz="1200" b="0" dirty="0">
+                        <a:latin typeface="Microsoft YaHei" charset="-122"/>
+                        <a:ea typeface="Microsoft YaHei" charset="-122"/>
+                        <a:cs typeface="Microsoft YaHei" charset="-122"/>
+                      </a:endParaRPr>
+                    </a:p>
+                  </a:txBody>
+                  <a:tcPr anchor="ctr"/>
+                </a:tc>
+                <a:tc>
+                  <a:txBody>
+                    <a:bodyPr/>
+                    <a:lstStyle/>
+                    <a:p>
+                      <a:pPr algn="ctr"/>
+                      <a:r>
+                        <a:rPr lang="zh-CN" altLang="en-US" sz="1200" b="0" dirty="0" smtClean="0">
+                          <a:latin typeface="Microsoft YaHei" charset="-122"/>
+                          <a:ea typeface="Microsoft YaHei" charset="-122"/>
+                          <a:cs typeface="Microsoft YaHei" charset="-122"/>
+                        </a:rPr>
+                        <a:t>利益追寻</a:t>
+                      </a:r>
+                      <a:endParaRPr lang="zh-CN" altLang="en-US" sz="1200" b="0" dirty="0">
+                        <a:latin typeface="Microsoft YaHei" charset="-122"/>
+                        <a:ea typeface="Microsoft YaHei" charset="-122"/>
+                        <a:cs typeface="Microsoft YaHei" charset="-122"/>
+                      </a:endParaRPr>
+                    </a:p>
+                  </a:txBody>
+                  <a:tcPr anchor="ctr"/>
+                </a:tc>
+              </a:tr>
+            </a:tbl>
+          </a:graphicData>
+        </a:graphic>
+      </p:graphicFrame>
+    </p:spTree>
+    <p:extLst>
+      <p:ext uri="{BB962C8B-B14F-4D97-AF65-F5344CB8AC3E}">
+        <p14:creationId xmlns:p14="http://schemas.microsoft.com/office/powerpoint/2010/main" val="238043413"/>
+      </p:ext>
+    </p:extLst>
+  </p:cSld>
+  <p:clrMapOvr>
+    <a:masterClrMapping/>
+  </p:clrMapOvr>
+</p:sld>
+</file>
+
+<file path=ppt/slides/slide9.xml><?xml version="1.0" encoding="utf-8"?>
+<p:sld xmlns:a="http://schemas.openxmlformats.org/drawingml/2006/main" xmlns:r="http://schemas.openxmlformats.org/officeDocument/2006/relationships" xmlns:p="http://schemas.openxmlformats.org/presentationml/2006/main">
+  <p:cSld>
+    <p:spTree>
+      <p:nvGrpSpPr>
+        <p:cNvPr id="1" name=""/>
+        <p:cNvGrpSpPr/>
+        <p:nvPr/>
+      </p:nvGrpSpPr>
+      <p:grpSpPr>
+        <a:xfrm>
+          <a:off x="0" y="0"/>
+          <a:ext cx="0" cy="0"/>
+          <a:chOff x="0" y="0"/>
+          <a:chExt cx="0" cy="0"/>
+        </a:xfrm>
+      </p:grpSpPr>
+      <p:cxnSp>
+        <p:nvCxnSpPr>
+          <p:cNvPr id="5" name="直线箭头连接符 4"/>
+          <p:cNvCxnSpPr/>
+          <p:nvPr/>
+        </p:nvCxnSpPr>
+        <p:spPr>
+          <a:xfrm flipV="1">
+            <a:off x="3993757" y="1901538"/>
+            <a:ext cx="0" cy="2513912"/>
+          </a:xfrm>
+          <a:prstGeom prst="straightConnector1">
+            <a:avLst/>
+          </a:prstGeom>
+          <a:ln>
+            <a:solidFill>
+              <a:schemeClr val="tx1"/>
+            </a:solidFill>
+            <a:tailEnd type="triangle"/>
+          </a:ln>
+        </p:spPr>
+        <p:style>
+          <a:lnRef idx="1">
+            <a:schemeClr val="accent1"/>
+          </a:lnRef>
+          <a:fillRef idx="0">
+            <a:schemeClr val="accent1"/>
+          </a:fillRef>
+          <a:effectRef idx="0">
+            <a:schemeClr val="accent1"/>
+          </a:effectRef>
+          <a:fontRef idx="minor">
+            <a:schemeClr val="tx1"/>
+          </a:fontRef>
+        </p:style>
+      </p:cxnSp>
+      <p:cxnSp>
+        <p:nvCxnSpPr>
+          <p:cNvPr id="6" name="直线箭头连接符 5"/>
+          <p:cNvCxnSpPr/>
+          <p:nvPr/>
+        </p:nvCxnSpPr>
+        <p:spPr>
+          <a:xfrm>
+            <a:off x="3993757" y="4415449"/>
+            <a:ext cx="4537179" cy="1"/>
+          </a:xfrm>
+          <a:prstGeom prst="straightConnector1">
+            <a:avLst/>
+          </a:prstGeom>
+          <a:ln>
+            <a:solidFill>
+              <a:schemeClr val="tx1"/>
+            </a:solidFill>
+            <a:tailEnd type="triangle"/>
+          </a:ln>
+        </p:spPr>
+        <p:style>
+          <a:lnRef idx="1">
+            <a:schemeClr val="accent1"/>
+          </a:lnRef>
+          <a:fillRef idx="0">
+            <a:schemeClr val="accent1"/>
+          </a:fillRef>
+          <a:effectRef idx="0">
+            <a:schemeClr val="accent1"/>
+          </a:effectRef>
+          <a:fontRef idx="minor">
+            <a:schemeClr val="tx1"/>
+          </a:fontRef>
+        </p:style>
+      </p:cxnSp>
+      <p:sp>
+        <p:nvSpPr>
+          <p:cNvPr id="7" name="文本框 6"/>
+          <p:cNvSpPr txBox="1"/>
+          <p:nvPr/>
+        </p:nvSpPr>
+        <p:spPr>
+          <a:xfrm>
+            <a:off x="3721887" y="1567711"/>
+            <a:ext cx="466794" cy="261610"/>
+          </a:xfrm>
+          <a:prstGeom prst="rect">
+            <a:avLst/>
+          </a:prstGeom>
+          <a:noFill/>
+        </p:spPr>
+        <p:txBody>
+          <a:bodyPr wrap="none" rtlCol="0">
+            <a:spAutoFit/>
+          </a:bodyPr>
+          <a:lstStyle/>
+          <a:p>
+            <a:r>
+              <a:rPr kumimoji="1" lang="zh-CN" altLang="en-US" sz="1100" smtClean="0">
+                <a:latin typeface="Microsoft YaHei" charset="-122"/>
+                <a:ea typeface="Microsoft YaHei" charset="-122"/>
+                <a:cs typeface="Microsoft YaHei" charset="-122"/>
+              </a:rPr>
+              <a:t>销售</a:t>
+            </a:r>
+            <a:endParaRPr kumimoji="1" lang="zh-CN" altLang="en-US" sz="1100" dirty="0">
+              <a:latin typeface="Microsoft YaHei" charset="-122"/>
+              <a:ea typeface="Microsoft YaHei" charset="-122"/>
+              <a:cs typeface="Microsoft YaHei" charset="-122"/>
+            </a:endParaRPr>
+          </a:p>
+        </p:txBody>
+      </p:sp>
+      <p:sp>
+        <p:nvSpPr>
+          <p:cNvPr id="8" name="文本框 7"/>
+          <p:cNvSpPr txBox="1"/>
+          <p:nvPr/>
+        </p:nvSpPr>
+        <p:spPr>
+          <a:xfrm>
+            <a:off x="8619622" y="4284644"/>
+            <a:ext cx="466794" cy="261610"/>
+          </a:xfrm>
+          <a:prstGeom prst="rect">
+            <a:avLst/>
+          </a:prstGeom>
+          <a:noFill/>
+        </p:spPr>
+        <p:txBody>
+          <a:bodyPr wrap="none" rtlCol="0">
+            <a:spAutoFit/>
+          </a:bodyPr>
+          <a:lstStyle/>
+          <a:p>
+            <a:r>
+              <a:rPr kumimoji="1" lang="zh-CN" altLang="en-US" sz="1100" dirty="0" smtClean="0">
+                <a:latin typeface="Microsoft YaHei" charset="-122"/>
+                <a:ea typeface="Microsoft YaHei" charset="-122"/>
+                <a:cs typeface="Microsoft YaHei" charset="-122"/>
+              </a:rPr>
+              <a:t>时间</a:t>
+            </a:r>
+            <a:endParaRPr kumimoji="1" lang="zh-CN" altLang="en-US" sz="1100" dirty="0">
+              <a:latin typeface="Microsoft YaHei" charset="-122"/>
+              <a:ea typeface="Microsoft YaHei" charset="-122"/>
+              <a:cs typeface="Microsoft YaHei" charset="-122"/>
+            </a:endParaRPr>
+          </a:p>
+        </p:txBody>
+      </p:sp>
+      <p:cxnSp>
+        <p:nvCxnSpPr>
+          <p:cNvPr id="11" name="直线连接符 10"/>
+          <p:cNvCxnSpPr/>
+          <p:nvPr/>
+        </p:nvCxnSpPr>
+        <p:spPr>
+          <a:xfrm>
+            <a:off x="3993757" y="2483428"/>
+            <a:ext cx="3612389" cy="0"/>
+          </a:xfrm>
+          <a:prstGeom prst="line">
+            <a:avLst/>
+          </a:prstGeom>
+          <a:ln>
+            <a:solidFill>
+              <a:schemeClr val="tx1"/>
+            </a:solidFill>
+          </a:ln>
+        </p:spPr>
+        <p:style>
+          <a:lnRef idx="1">
+            <a:schemeClr val="accent1"/>
+          </a:lnRef>
+          <a:fillRef idx="0">
+            <a:schemeClr val="accent1"/>
+          </a:fillRef>
+          <a:effectRef idx="0">
+            <a:schemeClr val="accent1"/>
+          </a:effectRef>
+          <a:fontRef idx="minor">
+            <a:schemeClr val="tx1"/>
+          </a:fontRef>
+        </p:style>
+      </p:cxnSp>
+      <p:cxnSp>
+        <p:nvCxnSpPr>
+          <p:cNvPr id="13" name="直线连接符 12"/>
+          <p:cNvCxnSpPr/>
+          <p:nvPr/>
+        </p:nvCxnSpPr>
+        <p:spPr>
+          <a:xfrm flipV="1">
+            <a:off x="7606146" y="2483428"/>
+            <a:ext cx="1" cy="1932021"/>
+          </a:xfrm>
+          <a:prstGeom prst="line">
+            <a:avLst/>
+          </a:prstGeom>
+          <a:ln>
+            <a:solidFill>
+              <a:schemeClr val="tx1"/>
+            </a:solidFill>
+          </a:ln>
+        </p:spPr>
+        <p:style>
+          <a:lnRef idx="1">
+            <a:schemeClr val="accent1"/>
+          </a:lnRef>
+          <a:fillRef idx="0">
+            <a:schemeClr val="accent1"/>
+          </a:fillRef>
+          <a:effectRef idx="0">
+            <a:schemeClr val="accent1"/>
+          </a:effectRef>
+          <a:fontRef idx="minor">
+            <a:schemeClr val="tx1"/>
+          </a:fontRef>
+        </p:style>
+      </p:cxnSp>
+      <p:cxnSp>
+        <p:nvCxnSpPr>
+          <p:cNvPr id="17" name="直线连接符 16"/>
+          <p:cNvCxnSpPr/>
+          <p:nvPr/>
+        </p:nvCxnSpPr>
+        <p:spPr>
+          <a:xfrm>
+            <a:off x="3993757" y="3449438"/>
+            <a:ext cx="3612389" cy="0"/>
+          </a:xfrm>
+          <a:prstGeom prst="line">
+            <a:avLst/>
+          </a:prstGeom>
+          <a:ln>
+            <a:solidFill>
+              <a:schemeClr val="tx1"/>
+            </a:solidFill>
+          </a:ln>
+        </p:spPr>
+        <p:style>
+          <a:lnRef idx="1">
+            <a:schemeClr val="accent1"/>
+          </a:lnRef>
+          <a:fillRef idx="0">
+            <a:schemeClr val="accent1"/>
+          </a:fillRef>
+          <a:effectRef idx="0">
+            <a:schemeClr val="accent1"/>
+          </a:effectRef>
+          <a:fontRef idx="minor">
+            <a:schemeClr val="tx1"/>
+          </a:fontRef>
+        </p:style>
+      </p:cxnSp>
+      <p:cxnSp>
+        <p:nvCxnSpPr>
+          <p:cNvPr id="18" name="直线连接符 17"/>
+          <p:cNvCxnSpPr/>
+          <p:nvPr/>
+        </p:nvCxnSpPr>
+        <p:spPr>
+          <a:xfrm flipV="1">
+            <a:off x="5799951" y="2483427"/>
+            <a:ext cx="1" cy="1932021"/>
+          </a:xfrm>
+          <a:prstGeom prst="line">
+            <a:avLst/>
+          </a:prstGeom>
+          <a:ln>
+            <a:solidFill>
+              <a:schemeClr val="tx1"/>
+            </a:solidFill>
+          </a:ln>
+        </p:spPr>
+        <p:style>
+          <a:lnRef idx="1">
+            <a:schemeClr val="accent1"/>
+          </a:lnRef>
+          <a:fillRef idx="0">
+            <a:schemeClr val="accent1"/>
+          </a:fillRef>
+          <a:effectRef idx="0">
+            <a:schemeClr val="accent1"/>
+          </a:effectRef>
+          <a:fontRef idx="minor">
+            <a:schemeClr val="tx1"/>
+          </a:fontRef>
+        </p:style>
+      </p:cxnSp>
+      <p:sp>
+        <p:nvSpPr>
+          <p:cNvPr id="19" name="文本框 18"/>
+          <p:cNvSpPr txBox="1"/>
+          <p:nvPr/>
+        </p:nvSpPr>
+        <p:spPr>
+          <a:xfrm>
+            <a:off x="4139495" y="2829759"/>
+            <a:ext cx="1441420" cy="307777"/>
+          </a:xfrm>
+          <a:prstGeom prst="rect">
+            <a:avLst/>
+          </a:prstGeom>
+          <a:noFill/>
+        </p:spPr>
+        <p:txBody>
+          <a:bodyPr wrap="none" rtlCol="0">
+            <a:spAutoFit/>
+          </a:bodyPr>
+          <a:lstStyle/>
+          <a:p>
+            <a:r>
+              <a:rPr kumimoji="1" lang="en-US" altLang="zh-CN" sz="1400" dirty="0" smtClean="0">
+                <a:latin typeface="Microsoft YaHei" charset="-122"/>
+                <a:ea typeface="Microsoft YaHei" charset="-122"/>
+                <a:cs typeface="Microsoft YaHei" charset="-122"/>
+              </a:rPr>
+              <a:t>“</a:t>
+            </a:r>
+            <a:r>
+              <a:rPr kumimoji="1" lang="zh-CN" altLang="en-US" sz="1400" dirty="0">
+                <a:latin typeface="Microsoft YaHei" charset="-122"/>
+                <a:ea typeface="Microsoft YaHei" charset="-122"/>
+                <a:cs typeface="Microsoft YaHei" charset="-122"/>
+              </a:rPr>
+              <a:t>问题</a:t>
+            </a:r>
+            <a:r>
+              <a:rPr kumimoji="1" lang="zh-CN" altLang="en-US" sz="1400" dirty="0" smtClean="0">
+                <a:latin typeface="Microsoft YaHei" charset="-122"/>
+                <a:ea typeface="Microsoft YaHei" charset="-122"/>
+                <a:cs typeface="Microsoft YaHei" charset="-122"/>
+              </a:rPr>
+              <a:t>类</a:t>
+            </a:r>
+            <a:r>
+              <a:rPr kumimoji="1" lang="en-US" altLang="zh-CN" sz="1400" dirty="0" smtClean="0">
+                <a:latin typeface="Microsoft YaHei" charset="-122"/>
+                <a:ea typeface="Microsoft YaHei" charset="-122"/>
+                <a:cs typeface="Microsoft YaHei" charset="-122"/>
+              </a:rPr>
+              <a:t>”</a:t>
+            </a:r>
+            <a:r>
+              <a:rPr kumimoji="1" lang="zh-CN" altLang="en-US" sz="1400" dirty="0">
+                <a:latin typeface="Microsoft YaHei" charset="-122"/>
+                <a:ea typeface="Microsoft YaHei" charset="-122"/>
+                <a:cs typeface="Microsoft YaHei" charset="-122"/>
+              </a:rPr>
+              <a:t>产品</a:t>
+            </a:r>
+          </a:p>
+        </p:txBody>
+      </p:sp>
+      <p:sp>
+        <p:nvSpPr>
+          <p:cNvPr id="20" name="文本框 19"/>
+          <p:cNvSpPr txBox="1"/>
+          <p:nvPr/>
+        </p:nvSpPr>
+        <p:spPr>
+          <a:xfrm>
+            <a:off x="5906412" y="2825985"/>
+            <a:ext cx="1441420" cy="307777"/>
+          </a:xfrm>
+          <a:prstGeom prst="rect">
+            <a:avLst/>
+          </a:prstGeom>
+          <a:noFill/>
+        </p:spPr>
+        <p:txBody>
+          <a:bodyPr wrap="none" rtlCol="0">
+            <a:spAutoFit/>
+          </a:bodyPr>
+          <a:lstStyle/>
+          <a:p>
+            <a:r>
+              <a:rPr kumimoji="1" lang="en-US" altLang="zh-CN" sz="1400" dirty="0" smtClean="0">
+                <a:latin typeface="Microsoft YaHei" charset="-122"/>
+                <a:ea typeface="Microsoft YaHei" charset="-122"/>
+                <a:cs typeface="Microsoft YaHei" charset="-122"/>
+              </a:rPr>
+              <a:t>“</a:t>
+            </a:r>
+            <a:r>
+              <a:rPr kumimoji="1" lang="zh-CN" altLang="en-US" sz="1400" dirty="0" smtClean="0">
+                <a:latin typeface="Microsoft YaHei" charset="-122"/>
+                <a:ea typeface="Microsoft YaHei" charset="-122"/>
+                <a:cs typeface="Microsoft YaHei" charset="-122"/>
+              </a:rPr>
+              <a:t>明星类</a:t>
+            </a:r>
+            <a:r>
+              <a:rPr kumimoji="1" lang="en-US" altLang="zh-CN" sz="1400" dirty="0" smtClean="0">
+                <a:latin typeface="Microsoft YaHei" charset="-122"/>
+                <a:ea typeface="Microsoft YaHei" charset="-122"/>
+                <a:cs typeface="Microsoft YaHei" charset="-122"/>
+              </a:rPr>
+              <a:t>”</a:t>
+            </a:r>
+            <a:r>
+              <a:rPr kumimoji="1" lang="zh-CN" altLang="en-US" sz="1400" dirty="0">
+                <a:latin typeface="Microsoft YaHei" charset="-122"/>
+                <a:ea typeface="Microsoft YaHei" charset="-122"/>
+                <a:cs typeface="Microsoft YaHei" charset="-122"/>
+              </a:rPr>
+              <a:t>产品</a:t>
+            </a:r>
+          </a:p>
+        </p:txBody>
+      </p:sp>
+      <p:sp>
+        <p:nvSpPr>
+          <p:cNvPr id="21" name="文本框 20"/>
+          <p:cNvSpPr txBox="1"/>
+          <p:nvPr/>
+        </p:nvSpPr>
+        <p:spPr>
+          <a:xfrm>
+            <a:off x="5906412" y="3824797"/>
+            <a:ext cx="1441420" cy="307777"/>
+          </a:xfrm>
+          <a:prstGeom prst="rect">
+            <a:avLst/>
+          </a:prstGeom>
+          <a:noFill/>
+        </p:spPr>
+        <p:txBody>
+          <a:bodyPr wrap="none" rtlCol="0">
+            <a:spAutoFit/>
+          </a:bodyPr>
+          <a:lstStyle/>
+          <a:p>
+            <a:r>
+              <a:rPr kumimoji="1" lang="en-US" altLang="zh-CN" sz="1400" dirty="0" smtClean="0">
+                <a:latin typeface="Microsoft YaHei" charset="-122"/>
+                <a:ea typeface="Microsoft YaHei" charset="-122"/>
+                <a:cs typeface="Microsoft YaHei" charset="-122"/>
+              </a:rPr>
+              <a:t>“</a:t>
+            </a:r>
+            <a:r>
+              <a:rPr kumimoji="1" lang="zh-CN" altLang="en-US" sz="1400" dirty="0" smtClean="0">
+                <a:latin typeface="Microsoft YaHei" charset="-122"/>
+                <a:ea typeface="Microsoft YaHei" charset="-122"/>
+                <a:cs typeface="Microsoft YaHei" charset="-122"/>
+              </a:rPr>
+              <a:t>金牛类</a:t>
+            </a:r>
+            <a:r>
+              <a:rPr kumimoji="1" lang="en-US" altLang="zh-CN" sz="1400" dirty="0" smtClean="0">
+                <a:latin typeface="Microsoft YaHei" charset="-122"/>
+                <a:ea typeface="Microsoft YaHei" charset="-122"/>
+                <a:cs typeface="Microsoft YaHei" charset="-122"/>
+              </a:rPr>
+              <a:t>”</a:t>
+            </a:r>
+            <a:r>
+              <a:rPr kumimoji="1" lang="zh-CN" altLang="en-US" sz="1400" dirty="0">
+                <a:latin typeface="Microsoft YaHei" charset="-122"/>
+                <a:ea typeface="Microsoft YaHei" charset="-122"/>
+                <a:cs typeface="Microsoft YaHei" charset="-122"/>
+              </a:rPr>
+              <a:t>产品</a:t>
+            </a:r>
+          </a:p>
+        </p:txBody>
+      </p:sp>
+      <p:sp>
+        <p:nvSpPr>
+          <p:cNvPr id="22" name="文本框 21"/>
+          <p:cNvSpPr txBox="1"/>
+          <p:nvPr/>
+        </p:nvSpPr>
+        <p:spPr>
+          <a:xfrm>
+            <a:off x="4154452" y="3800967"/>
+            <a:ext cx="1441420" cy="307777"/>
+          </a:xfrm>
+          <a:prstGeom prst="rect">
+            <a:avLst/>
+          </a:prstGeom>
+          <a:noFill/>
+        </p:spPr>
+        <p:txBody>
+          <a:bodyPr wrap="none" rtlCol="0">
+            <a:spAutoFit/>
+          </a:bodyPr>
+          <a:lstStyle/>
+          <a:p>
+            <a:r>
+              <a:rPr kumimoji="1" lang="en-US" altLang="zh-CN" sz="1400" dirty="0" smtClean="0">
+                <a:latin typeface="Microsoft YaHei" charset="-122"/>
+                <a:ea typeface="Microsoft YaHei" charset="-122"/>
+                <a:cs typeface="Microsoft YaHei" charset="-122"/>
+              </a:rPr>
+              <a:t>“</a:t>
+            </a:r>
+            <a:r>
+              <a:rPr kumimoji="1" lang="zh-CN" altLang="en-US" sz="1400" dirty="0" smtClean="0">
+                <a:latin typeface="Microsoft YaHei" charset="-122"/>
+                <a:ea typeface="Microsoft YaHei" charset="-122"/>
+                <a:cs typeface="Microsoft YaHei" charset="-122"/>
+              </a:rPr>
+              <a:t>瘦狗类</a:t>
+            </a:r>
+            <a:r>
+              <a:rPr kumimoji="1" lang="en-US" altLang="zh-CN" sz="1400" dirty="0" smtClean="0">
+                <a:latin typeface="Microsoft YaHei" charset="-122"/>
+                <a:ea typeface="Microsoft YaHei" charset="-122"/>
+                <a:cs typeface="Microsoft YaHei" charset="-122"/>
+              </a:rPr>
+              <a:t>”</a:t>
+            </a:r>
+            <a:r>
+              <a:rPr kumimoji="1" lang="zh-CN" altLang="en-US" sz="1400" dirty="0">
+                <a:latin typeface="Microsoft YaHei" charset="-122"/>
+                <a:ea typeface="Microsoft YaHei" charset="-122"/>
+                <a:cs typeface="Microsoft YaHei" charset="-122"/>
+              </a:rPr>
+              <a:t>产品</a:t>
+            </a:r>
+          </a:p>
+        </p:txBody>
+      </p:sp>
+      <p:sp>
+        <p:nvSpPr>
+          <p:cNvPr id="23" name="文本框 22"/>
+          <p:cNvSpPr txBox="1"/>
+          <p:nvPr/>
+        </p:nvSpPr>
+        <p:spPr>
+          <a:xfrm>
+            <a:off x="2658885" y="3224633"/>
+            <a:ext cx="1313180" cy="600164"/>
+          </a:xfrm>
+          <a:prstGeom prst="rect">
+            <a:avLst/>
+          </a:prstGeom>
+          <a:noFill/>
+        </p:spPr>
+        <p:txBody>
+          <a:bodyPr wrap="none" rtlCol="0">
+            <a:spAutoFit/>
+          </a:bodyPr>
+          <a:lstStyle/>
+          <a:p>
+            <a:r>
+              <a:rPr kumimoji="1" lang="zh-CN" altLang="en-US" sz="1100" dirty="0" smtClean="0">
+                <a:latin typeface="Microsoft YaHei" charset="-122"/>
+                <a:ea typeface="Microsoft YaHei" charset="-122"/>
+                <a:cs typeface="Microsoft YaHei" charset="-122"/>
+              </a:rPr>
+              <a:t>一定时期产品目标</a:t>
+            </a:r>
+            <a:endParaRPr kumimoji="1" lang="en-US" altLang="zh-CN" sz="1100" dirty="0" smtClean="0">
+              <a:latin typeface="Microsoft YaHei" charset="-122"/>
+              <a:ea typeface="Microsoft YaHei" charset="-122"/>
+              <a:cs typeface="Microsoft YaHei" charset="-122"/>
+            </a:endParaRPr>
+          </a:p>
+          <a:p>
+            <a:r>
+              <a:rPr kumimoji="1" lang="zh-CN" altLang="en-US" sz="1100" dirty="0" smtClean="0">
+                <a:latin typeface="Microsoft YaHei" charset="-122"/>
+                <a:ea typeface="Microsoft YaHei" charset="-122"/>
+                <a:cs typeface="Microsoft YaHei" charset="-122"/>
+              </a:rPr>
+              <a:t>市场中全部企业的</a:t>
+            </a:r>
+            <a:endParaRPr kumimoji="1" lang="en-US" altLang="zh-CN" sz="1100" dirty="0" smtClean="0">
+              <a:latin typeface="Microsoft YaHei" charset="-122"/>
+              <a:ea typeface="Microsoft YaHei" charset="-122"/>
+              <a:cs typeface="Microsoft YaHei" charset="-122"/>
+            </a:endParaRPr>
+          </a:p>
+          <a:p>
+            <a:r>
+              <a:rPr kumimoji="1" lang="zh-CN" altLang="en-US" sz="1100" dirty="0" smtClean="0">
+                <a:latin typeface="Microsoft YaHei" charset="-122"/>
+                <a:ea typeface="Microsoft YaHei" charset="-122"/>
+                <a:cs typeface="Microsoft YaHei" charset="-122"/>
+              </a:rPr>
+              <a:t>平均销售增长率</a:t>
+            </a:r>
+            <a:endParaRPr kumimoji="1" lang="zh-CN" altLang="en-US" sz="1100" dirty="0">
+              <a:latin typeface="Microsoft YaHei" charset="-122"/>
+              <a:ea typeface="Microsoft YaHei" charset="-122"/>
+              <a:cs typeface="Microsoft YaHei" charset="-122"/>
+            </a:endParaRPr>
+          </a:p>
+        </p:txBody>
+      </p:sp>
+      <p:sp>
+        <p:nvSpPr>
+          <p:cNvPr id="24" name="文本框 23"/>
+          <p:cNvSpPr txBox="1"/>
+          <p:nvPr/>
+        </p:nvSpPr>
+        <p:spPr>
+          <a:xfrm>
+            <a:off x="2637193" y="1962176"/>
+            <a:ext cx="1313180" cy="600164"/>
+          </a:xfrm>
+          <a:prstGeom prst="rect">
+            <a:avLst/>
+          </a:prstGeom>
+          <a:noFill/>
+        </p:spPr>
+        <p:txBody>
+          <a:bodyPr wrap="none" rtlCol="0">
+            <a:spAutoFit/>
+          </a:bodyPr>
+          <a:lstStyle/>
+          <a:p>
+            <a:r>
+              <a:rPr kumimoji="1" lang="zh-CN" altLang="en-US" sz="1100" dirty="0" smtClean="0">
+                <a:latin typeface="Microsoft YaHei" charset="-122"/>
+                <a:ea typeface="Microsoft YaHei" charset="-122"/>
+                <a:cs typeface="Microsoft YaHei" charset="-122"/>
+              </a:rPr>
+              <a:t>一定时期企业产品</a:t>
+            </a:r>
+            <a:endParaRPr kumimoji="1" lang="en-US" altLang="zh-CN" sz="1100" dirty="0" smtClean="0">
+              <a:latin typeface="Microsoft YaHei" charset="-122"/>
+              <a:ea typeface="Microsoft YaHei" charset="-122"/>
+              <a:cs typeface="Microsoft YaHei" charset="-122"/>
+            </a:endParaRPr>
+          </a:p>
+          <a:p>
+            <a:r>
+              <a:rPr kumimoji="1" lang="zh-CN" altLang="en-US" sz="1100" dirty="0" smtClean="0">
+                <a:latin typeface="Microsoft YaHei" charset="-122"/>
+                <a:ea typeface="Microsoft YaHei" charset="-122"/>
+                <a:cs typeface="Microsoft YaHei" charset="-122"/>
+              </a:rPr>
+              <a:t>在目标市场的平均</a:t>
+            </a:r>
+            <a:endParaRPr kumimoji="1" lang="en-US" altLang="zh-CN" sz="1100" dirty="0" smtClean="0">
+              <a:latin typeface="Microsoft YaHei" charset="-122"/>
+              <a:ea typeface="Microsoft YaHei" charset="-122"/>
+              <a:cs typeface="Microsoft YaHei" charset="-122"/>
+            </a:endParaRPr>
+          </a:p>
+          <a:p>
+            <a:r>
+              <a:rPr kumimoji="1" lang="zh-CN" altLang="en-US" sz="1100" dirty="0" smtClean="0">
+                <a:latin typeface="Microsoft YaHei" charset="-122"/>
+                <a:ea typeface="Microsoft YaHei" charset="-122"/>
+                <a:cs typeface="Microsoft YaHei" charset="-122"/>
+              </a:rPr>
+              <a:t>销量增长率</a:t>
+            </a:r>
+            <a:endParaRPr kumimoji="1" lang="en-US" altLang="zh-CN" sz="1100" dirty="0" smtClean="0">
+              <a:latin typeface="Microsoft YaHei" charset="-122"/>
+              <a:ea typeface="Microsoft YaHei" charset="-122"/>
+              <a:cs typeface="Microsoft YaHei" charset="-122"/>
+            </a:endParaRPr>
+          </a:p>
+        </p:txBody>
+      </p:sp>
+      <p:sp>
+        <p:nvSpPr>
+          <p:cNvPr id="25" name="文本框 24"/>
+          <p:cNvSpPr txBox="1"/>
+          <p:nvPr/>
+        </p:nvSpPr>
+        <p:spPr>
+          <a:xfrm>
+            <a:off x="5143361" y="4490390"/>
+            <a:ext cx="1313180" cy="600164"/>
+          </a:xfrm>
+          <a:prstGeom prst="rect">
+            <a:avLst/>
+          </a:prstGeom>
+          <a:noFill/>
+        </p:spPr>
+        <p:txBody>
+          <a:bodyPr wrap="none" rtlCol="0">
+            <a:spAutoFit/>
+          </a:bodyPr>
+          <a:lstStyle/>
+          <a:p>
+            <a:r>
+              <a:rPr kumimoji="1" lang="zh-CN" altLang="en-US" sz="1100" dirty="0" smtClean="0">
+                <a:latin typeface="Microsoft YaHei" charset="-122"/>
+                <a:ea typeface="Microsoft YaHei" charset="-122"/>
+                <a:cs typeface="Microsoft YaHei" charset="-122"/>
+              </a:rPr>
+              <a:t>一定时期产品目标</a:t>
+            </a:r>
+            <a:endParaRPr kumimoji="1" lang="en-US" altLang="zh-CN" sz="1100" dirty="0" smtClean="0">
+              <a:latin typeface="Microsoft YaHei" charset="-122"/>
+              <a:ea typeface="Microsoft YaHei" charset="-122"/>
+              <a:cs typeface="Microsoft YaHei" charset="-122"/>
+            </a:endParaRPr>
+          </a:p>
+          <a:p>
+            <a:r>
+              <a:rPr kumimoji="1" lang="zh-CN" altLang="en-US" sz="1100" dirty="0" smtClean="0">
+                <a:latin typeface="Microsoft YaHei" charset="-122"/>
+                <a:ea typeface="Microsoft YaHei" charset="-122"/>
+                <a:cs typeface="Microsoft YaHei" charset="-122"/>
+              </a:rPr>
+              <a:t>市场中全部企业的</a:t>
+            </a:r>
+            <a:endParaRPr kumimoji="1" lang="en-US" altLang="zh-CN" sz="1100" dirty="0" smtClean="0">
+              <a:latin typeface="Microsoft YaHei" charset="-122"/>
+              <a:ea typeface="Microsoft YaHei" charset="-122"/>
+              <a:cs typeface="Microsoft YaHei" charset="-122"/>
+            </a:endParaRPr>
+          </a:p>
+          <a:p>
+            <a:r>
+              <a:rPr kumimoji="1" lang="zh-CN" altLang="en-US" sz="1100" dirty="0" smtClean="0">
+                <a:latin typeface="Microsoft YaHei" charset="-122"/>
+                <a:ea typeface="Microsoft YaHei" charset="-122"/>
+                <a:cs typeface="Microsoft YaHei" charset="-122"/>
+              </a:rPr>
+              <a:t>平均占有率</a:t>
+            </a:r>
+            <a:endParaRPr kumimoji="1" lang="zh-CN" altLang="en-US" sz="1100" dirty="0">
+              <a:latin typeface="Microsoft YaHei" charset="-122"/>
+              <a:ea typeface="Microsoft YaHei" charset="-122"/>
+              <a:cs typeface="Microsoft YaHei" charset="-122"/>
+            </a:endParaRPr>
+          </a:p>
+        </p:txBody>
+      </p:sp>
+      <p:sp>
+        <p:nvSpPr>
+          <p:cNvPr id="26" name="文本框 25"/>
+          <p:cNvSpPr txBox="1"/>
+          <p:nvPr/>
+        </p:nvSpPr>
+        <p:spPr>
+          <a:xfrm>
+            <a:off x="6949556" y="4490390"/>
+            <a:ext cx="1313180" cy="600164"/>
+          </a:xfrm>
+          <a:prstGeom prst="rect">
+            <a:avLst/>
+          </a:prstGeom>
+          <a:noFill/>
+        </p:spPr>
+        <p:txBody>
+          <a:bodyPr wrap="none" rtlCol="0">
+            <a:spAutoFit/>
+          </a:bodyPr>
+          <a:lstStyle/>
+          <a:p>
+            <a:r>
+              <a:rPr kumimoji="1" lang="zh-CN" altLang="en-US" sz="1100" dirty="0" smtClean="0">
+                <a:latin typeface="Microsoft YaHei" charset="-122"/>
+                <a:ea typeface="Microsoft YaHei" charset="-122"/>
+                <a:cs typeface="Microsoft YaHei" charset="-122"/>
+              </a:rPr>
+              <a:t>一定时期企业产品</a:t>
+            </a:r>
+            <a:endParaRPr kumimoji="1" lang="en-US" altLang="zh-CN" sz="1100" dirty="0" smtClean="0">
+              <a:latin typeface="Microsoft YaHei" charset="-122"/>
+              <a:ea typeface="Microsoft YaHei" charset="-122"/>
+              <a:cs typeface="Microsoft YaHei" charset="-122"/>
+            </a:endParaRPr>
+          </a:p>
+          <a:p>
+            <a:r>
+              <a:rPr kumimoji="1" lang="zh-CN" altLang="en-US" sz="1100" dirty="0" smtClean="0">
+                <a:latin typeface="Microsoft YaHei" charset="-122"/>
+                <a:ea typeface="Microsoft YaHei" charset="-122"/>
+                <a:cs typeface="Microsoft YaHei" charset="-122"/>
+              </a:rPr>
+              <a:t>在目标市场的平均</a:t>
+            </a:r>
+            <a:endParaRPr kumimoji="1" lang="en-US" altLang="zh-CN" sz="1100" dirty="0" smtClean="0">
+              <a:latin typeface="Microsoft YaHei" charset="-122"/>
+              <a:ea typeface="Microsoft YaHei" charset="-122"/>
+              <a:cs typeface="Microsoft YaHei" charset="-122"/>
+            </a:endParaRPr>
+          </a:p>
+          <a:p>
+            <a:r>
+              <a:rPr kumimoji="1" lang="zh-CN" altLang="en-US" sz="1100" dirty="0" smtClean="0">
+                <a:latin typeface="Microsoft YaHei" charset="-122"/>
+                <a:ea typeface="Microsoft YaHei" charset="-122"/>
+                <a:cs typeface="Microsoft YaHei" charset="-122"/>
+              </a:rPr>
+              <a:t>占有率</a:t>
+            </a:r>
+            <a:endParaRPr kumimoji="1" lang="zh-CN" altLang="en-US" sz="1100" dirty="0">
+              <a:latin typeface="Microsoft YaHei" charset="-122"/>
+              <a:ea typeface="Microsoft YaHei" charset="-122"/>
+              <a:cs typeface="Microsoft YaHei" charset="-122"/>
+            </a:endParaRPr>
+          </a:p>
+        </p:txBody>
+      </p:sp>
+      <p:sp>
+        <p:nvSpPr>
+          <p:cNvPr id="28" name="文本框 27"/>
+          <p:cNvSpPr txBox="1"/>
+          <p:nvPr/>
+        </p:nvSpPr>
+        <p:spPr>
+          <a:xfrm>
+            <a:off x="4557324" y="5227568"/>
+            <a:ext cx="2698175" cy="307777"/>
+          </a:xfrm>
+          <a:prstGeom prst="rect">
+            <a:avLst/>
+          </a:prstGeom>
+          <a:noFill/>
+        </p:spPr>
+        <p:txBody>
+          <a:bodyPr wrap="none" rtlCol="0">
+            <a:spAutoFit/>
+          </a:bodyPr>
+          <a:lstStyle/>
+          <a:p>
+            <a:r>
+              <a:rPr kumimoji="1" lang="zh-CN" altLang="en-US" sz="1400" dirty="0" smtClean="0"/>
+              <a:t>波士顿四象限的划分和四类产品</a:t>
+            </a:r>
+            <a:endParaRPr kumimoji="1" lang="zh-CN" altLang="en-US" sz="1400" dirty="0"/>
+          </a:p>
+        </p:txBody>
+      </p:sp>
+    </p:spTree>
+    <p:extLst>
+      <p:ext uri="{BB962C8B-B14F-4D97-AF65-F5344CB8AC3E}">
+        <p14:creationId xmlns:p14="http://schemas.microsoft.com/office/powerpoint/2010/main" val="685131811"/>
+      </p:ext>
+    </p:extLst>
+  </p:cSld>
+  <p:clrMapOvr>
+    <a:masterClrMapping/>
+  </p:clrMapOvr>
 </p:sld>
 </file>
 
